--- a/reports/figures/Architecture.pptx
+++ b/reports/figures/Architecture.pptx
@@ -6,6 +6,9 @@
   </p:sldMasterIdLst>
   <p:sldIdLst>
     <p:sldId id="256" r:id="rId2"/>
+    <p:sldId id="257" r:id="rId3"/>
+    <p:sldId id="259" r:id="rId4"/>
+    <p:sldId id="258" r:id="rId5"/>
   </p:sldIdLst>
   <p:sldSz cx="12192000" cy="6858000"/>
   <p:notesSz cx="6858000" cy="9144000"/>
@@ -104,6 +107,28 @@
       </a:defRPr>
     </a:lvl9pPr>
   </p:defaultTextStyle>
+  <p:extLst>
+    <p:ext uri="{521415D9-36F7-43E2-AB2F-B90AF26B5E84}">
+      <p14:sectionLst xmlns:p14="http://schemas.microsoft.com/office/powerpoint/2010/main">
+        <p14:section name="Standardabschnitt" id="{27FA3D70-3859-467B-A328-DA00E21D709B}">
+          <p14:sldIdLst>
+            <p14:sldId id="256"/>
+          </p14:sldIdLst>
+        </p14:section>
+        <p14:section name="Icons" id="{06DF666E-40AF-46DA-A8D8-603602D686B0}">
+          <p14:sldIdLst>
+            <p14:sldId id="257"/>
+          </p14:sldIdLst>
+        </p14:section>
+        <p14:section name="Archive Versions" id="{8360BF56-A2A2-47DC-95EE-4FEF353B7B23}">
+          <p14:sldIdLst>
+            <p14:sldId id="259"/>
+            <p14:sldId id="258"/>
+          </p14:sldIdLst>
+        </p14:section>
+      </p14:sectionLst>
+    </p:ext>
+  </p:extLst>
 </p:presentation>
 </file>
 
@@ -3335,7 +3360,7 @@
         </p:nvGrpSpPr>
         <p:grpSpPr>
           <a:xfrm>
-            <a:off x="5859032" y="2864118"/>
+            <a:off x="6040547" y="2449036"/>
             <a:ext cx="861814" cy="1129764"/>
             <a:chOff x="5234186" y="1804111"/>
             <a:chExt cx="1723628" cy="2259528"/>
@@ -3428,7 +3453,7 @@
         </p:nvGrpSpPr>
         <p:grpSpPr>
           <a:xfrm>
-            <a:off x="1172815" y="2909315"/>
+            <a:off x="4176758" y="4981639"/>
             <a:ext cx="1143775" cy="1039369"/>
             <a:chOff x="1325215" y="2993954"/>
             <a:chExt cx="1143775" cy="1039369"/>
@@ -3506,12 +3531,639 @@
           </p:txBody>
         </p:sp>
       </p:grpSp>
+      <p:grpSp>
+        <p:nvGrpSpPr>
+          <p:cNvPr id="35" name="Gruppieren 34">
+            <a:extLst>
+              <a:ext uri="{FF2B5EF4-FFF2-40B4-BE49-F238E27FC236}">
+                <a16:creationId xmlns:a16="http://schemas.microsoft.com/office/drawing/2014/main" id="{91CBCD56-18C8-DCD9-3EA0-AEAD5F95010E}"/>
+              </a:ext>
+            </a:extLst>
+          </p:cNvPr>
+          <p:cNvGrpSpPr/>
+          <p:nvPr/>
+        </p:nvGrpSpPr>
+        <p:grpSpPr>
+          <a:xfrm>
+            <a:off x="5337702" y="5371858"/>
+            <a:ext cx="276999" cy="1101964"/>
+            <a:chOff x="2922439" y="3344361"/>
+            <a:chExt cx="276999" cy="1101964"/>
+          </a:xfrm>
+        </p:grpSpPr>
+        <p:sp>
+          <p:nvSpPr>
+            <p:cNvPr id="19" name="Ellipse 18">
+              <a:extLst>
+                <a:ext uri="{FF2B5EF4-FFF2-40B4-BE49-F238E27FC236}">
+                  <a16:creationId xmlns:a16="http://schemas.microsoft.com/office/drawing/2014/main" id="{0B9BD0F2-86DC-FE22-234B-A84D3EDE5E4B}"/>
+                </a:ext>
+              </a:extLst>
+            </p:cNvPr>
+            <p:cNvSpPr/>
+            <p:nvPr/>
+          </p:nvSpPr>
+          <p:spPr>
+            <a:xfrm>
+              <a:off x="3006000" y="3344361"/>
+              <a:ext cx="105103" cy="105103"/>
+            </a:xfrm>
+            <a:prstGeom prst="ellipse">
+              <a:avLst/>
+            </a:prstGeom>
+            <a:solidFill>
+              <a:schemeClr val="tx1"/>
+            </a:solidFill>
+            <a:ln>
+              <a:solidFill>
+                <a:schemeClr val="tx1"/>
+              </a:solidFill>
+            </a:ln>
+          </p:spPr>
+          <p:style>
+            <a:lnRef idx="2">
+              <a:schemeClr val="accent1">
+                <a:shade val="15000"/>
+              </a:schemeClr>
+            </a:lnRef>
+            <a:fillRef idx="1">
+              <a:schemeClr val="accent1"/>
+            </a:fillRef>
+            <a:effectRef idx="0">
+              <a:schemeClr val="accent1"/>
+            </a:effectRef>
+            <a:fontRef idx="minor">
+              <a:schemeClr val="lt1"/>
+            </a:fontRef>
+          </p:style>
+          <p:txBody>
+            <a:bodyPr rtlCol="0" anchor="ctr"/>
+            <a:lstStyle/>
+            <a:p>
+              <a:pPr algn="ctr"/>
+              <a:endParaRPr lang="de-DE" sz="1200"/>
+            </a:p>
+          </p:txBody>
+        </p:sp>
+        <p:sp>
+          <p:nvSpPr>
+            <p:cNvPr id="24" name="Textfeld 23">
+              <a:extLst>
+                <a:ext uri="{FF2B5EF4-FFF2-40B4-BE49-F238E27FC236}">
+                  <a16:creationId xmlns:a16="http://schemas.microsoft.com/office/drawing/2014/main" id="{0F3B1A69-1C24-CBAC-4C22-58A0532DB907}"/>
+                </a:ext>
+              </a:extLst>
+            </p:cNvPr>
+            <p:cNvSpPr txBox="1"/>
+            <p:nvPr/>
+          </p:nvSpPr>
+          <p:spPr>
+            <a:xfrm rot="5400000">
+              <a:off x="2556698" y="3803585"/>
+              <a:ext cx="1008481" cy="276999"/>
+            </a:xfrm>
+            <a:prstGeom prst="rect">
+              <a:avLst/>
+            </a:prstGeom>
+            <a:noFill/>
+          </p:spPr>
+          <p:txBody>
+            <a:bodyPr wrap="none" rtlCol="0">
+              <a:spAutoFit/>
+            </a:bodyPr>
+            <a:lstStyle/>
+            <a:p>
+              <a:r>
+                <a:rPr lang="de-DE" sz="1200" b="1" dirty="0" err="1"/>
+                <a:t>pre-commit</a:t>
+              </a:r>
+              <a:endParaRPr lang="de-DE" sz="1200" b="1" dirty="0"/>
+            </a:p>
+          </p:txBody>
+        </p:sp>
+      </p:grpSp>
+      <p:grpSp>
+        <p:nvGrpSpPr>
+          <p:cNvPr id="36" name="Gruppieren 35">
+            <a:extLst>
+              <a:ext uri="{FF2B5EF4-FFF2-40B4-BE49-F238E27FC236}">
+                <a16:creationId xmlns:a16="http://schemas.microsoft.com/office/drawing/2014/main" id="{93818376-AAA7-0F9E-2BFA-93C03F0EE93B}"/>
+              </a:ext>
+            </a:extLst>
+          </p:cNvPr>
+          <p:cNvGrpSpPr/>
+          <p:nvPr/>
+        </p:nvGrpSpPr>
+        <p:grpSpPr>
+          <a:xfrm>
+            <a:off x="5719636" y="5368652"/>
+            <a:ext cx="276999" cy="830130"/>
+            <a:chOff x="3702199" y="3344361"/>
+            <a:chExt cx="276999" cy="830130"/>
+          </a:xfrm>
+        </p:grpSpPr>
+        <p:sp>
+          <p:nvSpPr>
+            <p:cNvPr id="22" name="Ellipse 21">
+              <a:extLst>
+                <a:ext uri="{FF2B5EF4-FFF2-40B4-BE49-F238E27FC236}">
+                  <a16:creationId xmlns:a16="http://schemas.microsoft.com/office/drawing/2014/main" id="{9EE11853-E745-ABDA-62BF-496CE6DAFD84}"/>
+                </a:ext>
+              </a:extLst>
+            </p:cNvPr>
+            <p:cNvSpPr/>
+            <p:nvPr/>
+          </p:nvSpPr>
+          <p:spPr>
+            <a:xfrm>
+              <a:off x="3791648" y="3344361"/>
+              <a:ext cx="105103" cy="105103"/>
+            </a:xfrm>
+            <a:prstGeom prst="ellipse">
+              <a:avLst/>
+            </a:prstGeom>
+            <a:solidFill>
+              <a:schemeClr val="tx1"/>
+            </a:solidFill>
+            <a:ln>
+              <a:solidFill>
+                <a:schemeClr val="tx1"/>
+              </a:solidFill>
+            </a:ln>
+          </p:spPr>
+          <p:style>
+            <a:lnRef idx="2">
+              <a:schemeClr val="accent1">
+                <a:shade val="15000"/>
+              </a:schemeClr>
+            </a:lnRef>
+            <a:fillRef idx="1">
+              <a:schemeClr val="accent1"/>
+            </a:fillRef>
+            <a:effectRef idx="0">
+              <a:schemeClr val="accent1"/>
+            </a:effectRef>
+            <a:fontRef idx="minor">
+              <a:schemeClr val="lt1"/>
+            </a:fontRef>
+          </p:style>
+          <p:txBody>
+            <a:bodyPr rtlCol="0" anchor="ctr"/>
+            <a:lstStyle/>
+            <a:p>
+              <a:pPr algn="ctr"/>
+              <a:endParaRPr lang="de-DE" sz="1200"/>
+            </a:p>
+          </p:txBody>
+        </p:sp>
+        <p:sp>
+          <p:nvSpPr>
+            <p:cNvPr id="25" name="Textfeld 24">
+              <a:extLst>
+                <a:ext uri="{FF2B5EF4-FFF2-40B4-BE49-F238E27FC236}">
+                  <a16:creationId xmlns:a16="http://schemas.microsoft.com/office/drawing/2014/main" id="{A00417C4-1B8E-BC08-445D-96B1CA22A8F9}"/>
+                </a:ext>
+              </a:extLst>
+            </p:cNvPr>
+            <p:cNvSpPr txBox="1"/>
+            <p:nvPr/>
+          </p:nvSpPr>
+          <p:spPr>
+            <a:xfrm rot="5400000">
+              <a:off x="3477458" y="3672751"/>
+              <a:ext cx="726481" cy="276999"/>
+            </a:xfrm>
+            <a:prstGeom prst="rect">
+              <a:avLst/>
+            </a:prstGeom>
+            <a:noFill/>
+          </p:spPr>
+          <p:txBody>
+            <a:bodyPr wrap="none" rtlCol="0">
+              <a:spAutoFit/>
+            </a:bodyPr>
+            <a:lstStyle/>
+            <a:p>
+              <a:r>
+                <a:rPr lang="de-DE" sz="1200" b="1" dirty="0" err="1"/>
+                <a:t>commit</a:t>
+              </a:r>
+              <a:endParaRPr lang="de-DE" sz="1200" b="1" dirty="0"/>
+            </a:p>
+          </p:txBody>
+        </p:sp>
+      </p:grpSp>
+      <p:grpSp>
+        <p:nvGrpSpPr>
+          <p:cNvPr id="37" name="Gruppieren 36">
+            <a:extLst>
+              <a:ext uri="{FF2B5EF4-FFF2-40B4-BE49-F238E27FC236}">
+                <a16:creationId xmlns:a16="http://schemas.microsoft.com/office/drawing/2014/main" id="{FCFBCE9C-9EEC-F56E-29FE-8EE111949EB2}"/>
+              </a:ext>
+            </a:extLst>
+          </p:cNvPr>
+          <p:cNvGrpSpPr/>
+          <p:nvPr/>
+        </p:nvGrpSpPr>
+        <p:grpSpPr>
+          <a:xfrm>
+            <a:off x="6113561" y="5368652"/>
+            <a:ext cx="276999" cy="627604"/>
+            <a:chOff x="4491347" y="3344361"/>
+            <a:chExt cx="276999" cy="627604"/>
+          </a:xfrm>
+        </p:grpSpPr>
+        <p:sp>
+          <p:nvSpPr>
+            <p:cNvPr id="23" name="Ellipse 22">
+              <a:extLst>
+                <a:ext uri="{FF2B5EF4-FFF2-40B4-BE49-F238E27FC236}">
+                  <a16:creationId xmlns:a16="http://schemas.microsoft.com/office/drawing/2014/main" id="{FB39D3D4-F6D7-C38C-5688-62E93895646E}"/>
+                </a:ext>
+              </a:extLst>
+            </p:cNvPr>
+            <p:cNvSpPr/>
+            <p:nvPr/>
+          </p:nvSpPr>
+          <p:spPr>
+            <a:xfrm>
+              <a:off x="4577296" y="3344361"/>
+              <a:ext cx="105103" cy="105103"/>
+            </a:xfrm>
+            <a:prstGeom prst="ellipse">
+              <a:avLst/>
+            </a:prstGeom>
+            <a:solidFill>
+              <a:schemeClr val="tx1"/>
+            </a:solidFill>
+            <a:ln>
+              <a:solidFill>
+                <a:schemeClr val="tx1"/>
+              </a:solidFill>
+            </a:ln>
+          </p:spPr>
+          <p:style>
+            <a:lnRef idx="2">
+              <a:schemeClr val="accent1">
+                <a:shade val="15000"/>
+              </a:schemeClr>
+            </a:lnRef>
+            <a:fillRef idx="1">
+              <a:schemeClr val="accent1"/>
+            </a:fillRef>
+            <a:effectRef idx="0">
+              <a:schemeClr val="accent1"/>
+            </a:effectRef>
+            <a:fontRef idx="minor">
+              <a:schemeClr val="lt1"/>
+            </a:fontRef>
+          </p:style>
+          <p:txBody>
+            <a:bodyPr rtlCol="0" anchor="ctr"/>
+            <a:lstStyle/>
+            <a:p>
+              <a:pPr algn="ctr"/>
+              <a:endParaRPr lang="de-DE" sz="1200"/>
+            </a:p>
+          </p:txBody>
+        </p:sp>
+        <p:sp>
+          <p:nvSpPr>
+            <p:cNvPr id="26" name="Textfeld 25">
+              <a:extLst>
+                <a:ext uri="{FF2B5EF4-FFF2-40B4-BE49-F238E27FC236}">
+                  <a16:creationId xmlns:a16="http://schemas.microsoft.com/office/drawing/2014/main" id="{BEC8BB46-56C8-5F12-679C-6658F2A21F91}"/>
+                </a:ext>
+              </a:extLst>
+            </p:cNvPr>
+            <p:cNvSpPr txBox="1"/>
+            <p:nvPr/>
+          </p:nvSpPr>
+          <p:spPr>
+            <a:xfrm rot="5400000">
+              <a:off x="4362786" y="3566405"/>
+              <a:ext cx="534121" cy="276999"/>
+            </a:xfrm>
+            <a:prstGeom prst="rect">
+              <a:avLst/>
+            </a:prstGeom>
+            <a:noFill/>
+          </p:spPr>
+          <p:txBody>
+            <a:bodyPr wrap="none" rtlCol="0">
+              <a:spAutoFit/>
+            </a:bodyPr>
+            <a:lstStyle/>
+            <a:p>
+              <a:r>
+                <a:rPr lang="de-DE" sz="1200" b="1" dirty="0"/>
+                <a:t>push</a:t>
+              </a:r>
+            </a:p>
+          </p:txBody>
+        </p:sp>
+      </p:grpSp>
+      <p:grpSp>
+        <p:nvGrpSpPr>
+          <p:cNvPr id="46" name="Gruppieren 45">
+            <a:extLst>
+              <a:ext uri="{FF2B5EF4-FFF2-40B4-BE49-F238E27FC236}">
+                <a16:creationId xmlns:a16="http://schemas.microsoft.com/office/drawing/2014/main" id="{970DFCC2-29DA-5570-93A2-9C41883861C4}"/>
+              </a:ext>
+            </a:extLst>
+          </p:cNvPr>
+          <p:cNvGrpSpPr/>
+          <p:nvPr/>
+        </p:nvGrpSpPr>
+        <p:grpSpPr>
+          <a:xfrm>
+            <a:off x="6659643" y="4110655"/>
+            <a:ext cx="1717787" cy="1350643"/>
+            <a:chOff x="5567116" y="3157973"/>
+            <a:chExt cx="2286000" cy="1797411"/>
+          </a:xfrm>
+        </p:grpSpPr>
+        <p:pic>
+          <p:nvPicPr>
+            <p:cNvPr id="41" name="Grafik 40">
+              <a:extLst>
+                <a:ext uri="{FF2B5EF4-FFF2-40B4-BE49-F238E27FC236}">
+                  <a16:creationId xmlns:a16="http://schemas.microsoft.com/office/drawing/2014/main" id="{9034935F-31FA-7729-9AA8-ABBFC59C81CE}"/>
+                </a:ext>
+              </a:extLst>
+            </p:cNvPr>
+            <p:cNvPicPr>
+              <a:picLocks noChangeAspect="1"/>
+            </p:cNvPicPr>
+            <p:nvPr/>
+          </p:nvPicPr>
+          <p:blipFill rotWithShape="1">
+            <a:blip r:embed="rId5">
+              <a:clrChange>
+                <a:clrFrom>
+                  <a:srgbClr val="FFFFFF"/>
+                </a:clrFrom>
+                <a:clrTo>
+                  <a:srgbClr val="FFFFFF">
+                    <a:alpha val="0"/>
+                  </a:srgbClr>
+                </a:clrTo>
+              </a:clrChange>
+              <a:extLst>
+                <a:ext uri="{28A0092B-C50C-407E-A947-70E740481C1C}">
+                  <a14:useLocalDpi xmlns:a14="http://schemas.microsoft.com/office/drawing/2010/main" val="0"/>
+                </a:ext>
+              </a:extLst>
+            </a:blip>
+            <a:srcRect l="13624" t="22778" r="16887" b="26367"/>
+            <a:stretch/>
+          </p:blipFill>
+          <p:spPr>
+            <a:xfrm>
+              <a:off x="5567116" y="3157973"/>
+              <a:ext cx="2286000" cy="452157"/>
+            </a:xfrm>
+            <a:prstGeom prst="rect">
+              <a:avLst/>
+            </a:prstGeom>
+          </p:spPr>
+        </p:pic>
+        <p:pic>
+          <p:nvPicPr>
+            <p:cNvPr id="45" name="Grafik 44" descr="Ein Bild, das Text, Screenshot, Schrift, weiß enthält.&#10;&#10;Automatisch generierte Beschreibung">
+              <a:extLst>
+                <a:ext uri="{FF2B5EF4-FFF2-40B4-BE49-F238E27FC236}">
+                  <a16:creationId xmlns:a16="http://schemas.microsoft.com/office/drawing/2014/main" id="{33AAD5F4-0384-0119-3E23-D7F2E947105E}"/>
+                </a:ext>
+              </a:extLst>
+            </p:cNvPr>
+            <p:cNvPicPr>
+              <a:picLocks noChangeAspect="1"/>
+            </p:cNvPicPr>
+            <p:nvPr/>
+          </p:nvPicPr>
+          <p:blipFill>
+            <a:blip r:embed="rId6">
+              <a:extLst>
+                <a:ext uri="{28A0092B-C50C-407E-A947-70E740481C1C}">
+                  <a14:useLocalDpi xmlns:a14="http://schemas.microsoft.com/office/drawing/2010/main" val="0"/>
+                </a:ext>
+              </a:extLst>
+            </a:blip>
+            <a:stretch>
+              <a:fillRect/>
+            </a:stretch>
+          </p:blipFill>
+          <p:spPr>
+            <a:xfrm>
+              <a:off x="6005260" y="3669500"/>
+              <a:ext cx="1409709" cy="1285884"/>
+            </a:xfrm>
+            <a:prstGeom prst="rect">
+              <a:avLst/>
+            </a:prstGeom>
+            <a:ln>
+              <a:solidFill>
+                <a:schemeClr val="bg2"/>
+              </a:solidFill>
+            </a:ln>
+          </p:spPr>
+        </p:pic>
+      </p:grpSp>
+      <p:pic>
+        <p:nvPicPr>
+          <p:cNvPr id="49" name="Grafik 48">
+            <a:extLst>
+              <a:ext uri="{FF2B5EF4-FFF2-40B4-BE49-F238E27FC236}">
+                <a16:creationId xmlns:a16="http://schemas.microsoft.com/office/drawing/2014/main" id="{A005B340-7A91-72FF-4595-CF9C1BDD5C33}"/>
+              </a:ext>
+            </a:extLst>
+          </p:cNvPr>
+          <p:cNvPicPr>
+            <a:picLocks noChangeAspect="1"/>
+          </p:cNvPicPr>
+          <p:nvPr/>
+        </p:nvPicPr>
+        <p:blipFill rotWithShape="1">
+          <a:blip r:embed="rId7">
+            <a:extLst>
+              <a:ext uri="{28A0092B-C50C-407E-A947-70E740481C1C}">
+                <a14:useLocalDpi xmlns:a14="http://schemas.microsoft.com/office/drawing/2010/main" val="0"/>
+              </a:ext>
+              <a:ext uri="{96DAC541-7B7A-43D3-8B79-37D633B846F1}">
+                <asvg:svgBlip xmlns:asvg="http://schemas.microsoft.com/office/drawing/2016/SVG/main" r:embed="rId8"/>
+              </a:ext>
+            </a:extLst>
+          </a:blip>
+          <a:srcRect l="20183" r="20950"/>
+          <a:stretch/>
+        </p:blipFill>
+        <p:spPr>
+          <a:xfrm>
+            <a:off x="2210479" y="2558908"/>
+            <a:ext cx="1254892" cy="870092"/>
+          </a:xfrm>
+          <a:prstGeom prst="rect">
+            <a:avLst/>
+          </a:prstGeom>
+        </p:spPr>
+      </p:pic>
+      <p:pic>
+        <p:nvPicPr>
+          <p:cNvPr id="50" name="Grafik 49" descr="Ein Bild, das Grafiken, Clipart, Grafikdesign, Logo enthält.&#10;&#10;Automatisch generierte Beschreibung">
+            <a:extLst>
+              <a:ext uri="{FF2B5EF4-FFF2-40B4-BE49-F238E27FC236}">
+                <a16:creationId xmlns:a16="http://schemas.microsoft.com/office/drawing/2014/main" id="{04E59CC8-26EC-CBE8-F8EE-26468996FE24}"/>
+              </a:ext>
+            </a:extLst>
+          </p:cNvPr>
+          <p:cNvPicPr>
+            <a:picLocks noChangeAspect="1"/>
+          </p:cNvPicPr>
+          <p:nvPr/>
+        </p:nvPicPr>
+        <p:blipFill>
+          <a:blip r:embed="rId9">
+            <a:extLst>
+              <a:ext uri="{28A0092B-C50C-407E-A947-70E740481C1C}">
+                <a14:useLocalDpi xmlns:a14="http://schemas.microsoft.com/office/drawing/2010/main" val="0"/>
+              </a:ext>
+            </a:extLst>
+          </a:blip>
+          <a:stretch>
+            <a:fillRect/>
+          </a:stretch>
+        </p:blipFill>
+        <p:spPr>
+          <a:xfrm>
+            <a:off x="1842070" y="651074"/>
+            <a:ext cx="1991710" cy="995855"/>
+          </a:xfrm>
+          <a:prstGeom prst="rect">
+            <a:avLst/>
+          </a:prstGeom>
+        </p:spPr>
+      </p:pic>
+      <p:grpSp>
+        <p:nvGrpSpPr>
+          <p:cNvPr id="1035" name="Gruppieren 1034">
+            <a:extLst>
+              <a:ext uri="{FF2B5EF4-FFF2-40B4-BE49-F238E27FC236}">
+                <a16:creationId xmlns:a16="http://schemas.microsoft.com/office/drawing/2014/main" id="{E49D46B7-C958-FE11-D2E9-ED675A19B6B6}"/>
+              </a:ext>
+            </a:extLst>
+          </p:cNvPr>
+          <p:cNvGrpSpPr/>
+          <p:nvPr/>
+        </p:nvGrpSpPr>
+        <p:grpSpPr>
+          <a:xfrm>
+            <a:off x="3417298" y="4634027"/>
+            <a:ext cx="276999" cy="825782"/>
+            <a:chOff x="1267360" y="3456218"/>
+            <a:chExt cx="276999" cy="825782"/>
+          </a:xfrm>
+        </p:grpSpPr>
+        <p:sp>
+          <p:nvSpPr>
+            <p:cNvPr id="1028" name="Textfeld 1027">
+              <a:extLst>
+                <a:ext uri="{FF2B5EF4-FFF2-40B4-BE49-F238E27FC236}">
+                  <a16:creationId xmlns:a16="http://schemas.microsoft.com/office/drawing/2014/main" id="{D59F3B35-4D35-527A-4E39-27E93B8BD9F5}"/>
+                </a:ext>
+              </a:extLst>
+            </p:cNvPr>
+            <p:cNvSpPr txBox="1"/>
+            <p:nvPr/>
+          </p:nvSpPr>
+          <p:spPr>
+            <a:xfrm rot="16200000">
+              <a:off x="1038547" y="3685031"/>
+              <a:ext cx="734625" cy="276999"/>
+            </a:xfrm>
+            <a:prstGeom prst="rect">
+              <a:avLst/>
+            </a:prstGeom>
+            <a:noFill/>
+          </p:spPr>
+          <p:txBody>
+            <a:bodyPr wrap="none" rtlCol="0">
+              <a:spAutoFit/>
+            </a:bodyPr>
+            <a:lstStyle/>
+            <a:p>
+              <a:r>
+                <a:rPr lang="de-DE" sz="1200" b="1" dirty="0" err="1"/>
+                <a:t>dvc</a:t>
+              </a:r>
+              <a:r>
+                <a:rPr lang="de-DE" sz="1200" b="1" dirty="0"/>
+                <a:t> pull</a:t>
+              </a:r>
+            </a:p>
+          </p:txBody>
+        </p:sp>
+        <p:sp>
+          <p:nvSpPr>
+            <p:cNvPr id="1032" name="Ellipse 1031">
+              <a:extLst>
+                <a:ext uri="{FF2B5EF4-FFF2-40B4-BE49-F238E27FC236}">
+                  <a16:creationId xmlns:a16="http://schemas.microsoft.com/office/drawing/2014/main" id="{F7102E9A-03FB-79EE-23E2-6DA709EAD1BA}"/>
+                </a:ext>
+              </a:extLst>
+            </p:cNvPr>
+            <p:cNvSpPr/>
+            <p:nvPr/>
+          </p:nvSpPr>
+          <p:spPr>
+            <a:xfrm>
+              <a:off x="1369412" y="4176897"/>
+              <a:ext cx="105103" cy="105103"/>
+            </a:xfrm>
+            <a:prstGeom prst="ellipse">
+              <a:avLst/>
+            </a:prstGeom>
+            <a:solidFill>
+              <a:schemeClr val="tx1"/>
+            </a:solidFill>
+            <a:ln>
+              <a:solidFill>
+                <a:schemeClr val="tx1"/>
+              </a:solidFill>
+            </a:ln>
+          </p:spPr>
+          <p:style>
+            <a:lnRef idx="2">
+              <a:schemeClr val="accent1">
+                <a:shade val="15000"/>
+              </a:schemeClr>
+            </a:lnRef>
+            <a:fillRef idx="1">
+              <a:schemeClr val="accent1"/>
+            </a:fillRef>
+            <a:effectRef idx="0">
+              <a:schemeClr val="accent1"/>
+            </a:effectRef>
+            <a:fontRef idx="minor">
+              <a:schemeClr val="lt1"/>
+            </a:fontRef>
+          </p:style>
+          <p:txBody>
+            <a:bodyPr rtlCol="0" anchor="ctr"/>
+            <a:lstStyle/>
+            <a:p>
+              <a:pPr algn="ctr"/>
+              <a:endParaRPr lang="de-DE" sz="1200"/>
+            </a:p>
+          </p:txBody>
+        </p:sp>
+      </p:grpSp>
       <p:cxnSp>
         <p:nvCxnSpPr>
-          <p:cNvPr id="18" name="Gerade Verbindung mit Pfeil 17">
-            <a:extLst>
-              <a:ext uri="{FF2B5EF4-FFF2-40B4-BE49-F238E27FC236}">
-                <a16:creationId xmlns:a16="http://schemas.microsoft.com/office/drawing/2014/main" id="{3CE210A6-ECA6-9669-3CFC-E2C945A0A66A}"/>
+          <p:cNvPr id="1037" name="Gerader Verbinder 1036">
+            <a:extLst>
+              <a:ext uri="{FF2B5EF4-FFF2-40B4-BE49-F238E27FC236}">
+                <a16:creationId xmlns:a16="http://schemas.microsoft.com/office/drawing/2014/main" id="{AC18BF96-6986-1E3F-A308-CA89E0F46119}"/>
               </a:ext>
             </a:extLst>
           </p:cNvPr>
@@ -3520,10 +4172,227 @@
         </p:nvCxnSpPr>
         <p:spPr>
           <a:xfrm>
-            <a:off x="2532992" y="3429000"/>
-            <a:ext cx="3000703" cy="0"/>
+            <a:off x="9516291" y="421277"/>
+            <a:ext cx="0" cy="6015446"/>
+          </a:xfrm>
+          <a:prstGeom prst="line">
+            <a:avLst/>
+          </a:prstGeom>
+          <a:ln>
+            <a:solidFill>
+              <a:schemeClr val="bg1">
+                <a:lumMod val="75000"/>
+              </a:schemeClr>
+            </a:solidFill>
+            <a:prstDash val="dash"/>
+          </a:ln>
+        </p:spPr>
+        <p:style>
+          <a:lnRef idx="2">
+            <a:schemeClr val="dk1"/>
+          </a:lnRef>
+          <a:fillRef idx="0">
+            <a:schemeClr val="dk1"/>
+          </a:fillRef>
+          <a:effectRef idx="1">
+            <a:schemeClr val="dk1"/>
+          </a:effectRef>
+          <a:fontRef idx="minor">
+            <a:schemeClr val="tx1"/>
+          </a:fontRef>
+        </p:style>
+      </p:cxnSp>
+      <p:grpSp>
+        <p:nvGrpSpPr>
+          <p:cNvPr id="1042" name="Gruppieren 1041">
+            <a:extLst>
+              <a:ext uri="{FF2B5EF4-FFF2-40B4-BE49-F238E27FC236}">
+                <a16:creationId xmlns:a16="http://schemas.microsoft.com/office/drawing/2014/main" id="{4731A799-D28A-F9DB-456D-9B3749D9A1F5}"/>
+              </a:ext>
+            </a:extLst>
+          </p:cNvPr>
+          <p:cNvGrpSpPr/>
+          <p:nvPr/>
+        </p:nvGrpSpPr>
+        <p:grpSpPr>
+          <a:xfrm>
+            <a:off x="10349211" y="4771894"/>
+            <a:ext cx="959604" cy="1204954"/>
+            <a:chOff x="10307773" y="2859567"/>
+            <a:chExt cx="959604" cy="1204954"/>
+          </a:xfrm>
+        </p:grpSpPr>
+        <p:pic>
+          <p:nvPicPr>
+            <p:cNvPr id="1039" name="Grafik 1038" descr="Ein Bild, das Schwarz, Dunkelheit enthält.&#10;&#10;Automatisch generierte Beschreibung">
+              <a:extLst>
+                <a:ext uri="{FF2B5EF4-FFF2-40B4-BE49-F238E27FC236}">
+                  <a16:creationId xmlns:a16="http://schemas.microsoft.com/office/drawing/2014/main" id="{D7BF6AA7-0C7C-5237-ACCF-FB43F6E7B0E5}"/>
+                </a:ext>
+              </a:extLst>
+            </p:cNvPr>
+            <p:cNvPicPr>
+              <a:picLocks noChangeAspect="1"/>
+            </p:cNvPicPr>
+            <p:nvPr/>
+          </p:nvPicPr>
+          <p:blipFill>
+            <a:blip r:embed="rId10">
+              <a:extLst>
+                <a:ext uri="{28A0092B-C50C-407E-A947-70E740481C1C}">
+                  <a14:useLocalDpi xmlns:a14="http://schemas.microsoft.com/office/drawing/2010/main" val="0"/>
+                </a:ext>
+              </a:extLst>
+            </a:blip>
+            <a:stretch>
+              <a:fillRect/>
+            </a:stretch>
+          </p:blipFill>
+          <p:spPr>
+            <a:xfrm>
+              <a:off x="10307773" y="2859567"/>
+              <a:ext cx="959604" cy="959604"/>
+            </a:xfrm>
+            <a:prstGeom prst="rect">
+              <a:avLst/>
+            </a:prstGeom>
+          </p:spPr>
+        </p:pic>
+        <p:sp>
+          <p:nvSpPr>
+            <p:cNvPr id="1041" name="Textfeld 1040">
+              <a:extLst>
+                <a:ext uri="{FF2B5EF4-FFF2-40B4-BE49-F238E27FC236}">
+                  <a16:creationId xmlns:a16="http://schemas.microsoft.com/office/drawing/2014/main" id="{232AFE52-762E-7293-6D7C-ED44E15EBD07}"/>
+                </a:ext>
+              </a:extLst>
+            </p:cNvPr>
+            <p:cNvSpPr txBox="1"/>
+            <p:nvPr/>
+          </p:nvSpPr>
+          <p:spPr>
+            <a:xfrm>
+              <a:off x="10476785" y="3725967"/>
+              <a:ext cx="621580" cy="338554"/>
+            </a:xfrm>
+            <a:prstGeom prst="rect">
+              <a:avLst/>
+            </a:prstGeom>
+            <a:noFill/>
+          </p:spPr>
+          <p:txBody>
+            <a:bodyPr wrap="none" rtlCol="0">
+              <a:spAutoFit/>
+            </a:bodyPr>
+            <a:lstStyle/>
+            <a:p>
+              <a:r>
+                <a:rPr lang="de-DE" sz="1600" b="1" dirty="0"/>
+                <a:t>User</a:t>
+              </a:r>
+            </a:p>
+          </p:txBody>
+        </p:sp>
+      </p:grpSp>
+      <p:pic>
+        <p:nvPicPr>
+          <p:cNvPr id="1044" name="Grafik 1043" descr="Ein Bild, das Schwarz, Dunkelheit enthält.&#10;&#10;Automatisch generierte Beschreibung">
+            <a:extLst>
+              <a:ext uri="{FF2B5EF4-FFF2-40B4-BE49-F238E27FC236}">
+                <a16:creationId xmlns:a16="http://schemas.microsoft.com/office/drawing/2014/main" id="{FABB6E44-D93A-8CB8-F13E-934DDAEE075D}"/>
+              </a:ext>
+            </a:extLst>
+          </p:cNvPr>
+          <p:cNvPicPr>
+            <a:picLocks noChangeAspect="1"/>
+          </p:cNvPicPr>
+          <p:nvPr/>
+        </p:nvPicPr>
+        <p:blipFill>
+          <a:blip r:embed="rId11">
+            <a:extLst>
+              <a:ext uri="{28A0092B-C50C-407E-A947-70E740481C1C}">
+                <a14:useLocalDpi xmlns:a14="http://schemas.microsoft.com/office/drawing/2010/main" val="0"/>
+              </a:ext>
+            </a:extLst>
+          </a:blip>
+          <a:stretch>
+            <a:fillRect/>
+          </a:stretch>
+        </p:blipFill>
+        <p:spPr>
+          <a:xfrm>
+            <a:off x="10104982" y="1961319"/>
+            <a:ext cx="1396210" cy="1041703"/>
+          </a:xfrm>
+          <a:prstGeom prst="rect">
+            <a:avLst/>
+          </a:prstGeom>
+        </p:spPr>
+      </p:pic>
+      <p:cxnSp>
+        <p:nvCxnSpPr>
+          <p:cNvPr id="1050" name="Gerade Verbindung mit Pfeil 1049">
+            <a:extLst>
+              <a:ext uri="{FF2B5EF4-FFF2-40B4-BE49-F238E27FC236}">
+                <a16:creationId xmlns:a16="http://schemas.microsoft.com/office/drawing/2014/main" id="{19849E92-AEC9-8AD4-90E5-253188EB3603}"/>
+              </a:ext>
+            </a:extLst>
+          </p:cNvPr>
+          <p:cNvCxnSpPr>
+            <a:cxnSpLocks/>
+          </p:cNvCxnSpPr>
+          <p:nvPr/>
+        </p:nvCxnSpPr>
+        <p:spPr>
+          <a:xfrm>
+            <a:off x="2837925" y="1731837"/>
+            <a:ext cx="0" cy="783948"/>
           </a:xfrm>
           <a:prstGeom prst="straightConnector1">
+            <a:avLst/>
+          </a:prstGeom>
+          <a:ln>
+            <a:headEnd type="triangle"/>
+            <a:tailEnd type="triangle"/>
+          </a:ln>
+        </p:spPr>
+        <p:style>
+          <a:lnRef idx="2">
+            <a:schemeClr val="dk1"/>
+          </a:lnRef>
+          <a:fillRef idx="0">
+            <a:schemeClr val="dk1"/>
+          </a:fillRef>
+          <a:effectRef idx="1">
+            <a:schemeClr val="dk1"/>
+          </a:effectRef>
+          <a:fontRef idx="minor">
+            <a:schemeClr val="tx1"/>
+          </a:fontRef>
+        </p:style>
+      </p:cxnSp>
+      <p:cxnSp>
+        <p:nvCxnSpPr>
+          <p:cNvPr id="1062" name="Verbinder: gewinkelt 1061">
+            <a:extLst>
+              <a:ext uri="{FF2B5EF4-FFF2-40B4-BE49-F238E27FC236}">
+                <a16:creationId xmlns:a16="http://schemas.microsoft.com/office/drawing/2014/main" id="{54F373CA-02F0-CA64-FF65-49E562CF5264}"/>
+              </a:ext>
+            </a:extLst>
+          </p:cNvPr>
+          <p:cNvCxnSpPr>
+            <a:stCxn id="12" idx="3"/>
+            <a:endCxn id="7" idx="2"/>
+          </p:cNvCxnSpPr>
+          <p:nvPr/>
+        </p:nvCxnSpPr>
+        <p:spPr>
+          <a:xfrm flipV="1">
+            <a:off x="5183692" y="3578801"/>
+            <a:ext cx="1287762" cy="1837884"/>
+          </a:xfrm>
+          <a:prstGeom prst="bentConnector2">
             <a:avLst/>
           </a:prstGeom>
           <a:ln>
@@ -3548,184 +4417,193 @@
           </a:fontRef>
         </p:style>
       </p:cxnSp>
+      <p:cxnSp>
+        <p:nvCxnSpPr>
+          <p:cNvPr id="1064" name="Verbinder: gewinkelt 1063">
+            <a:extLst>
+              <a:ext uri="{FF2B5EF4-FFF2-40B4-BE49-F238E27FC236}">
+                <a16:creationId xmlns:a16="http://schemas.microsoft.com/office/drawing/2014/main" id="{B9187E88-7AD9-D6B3-2251-ED908C7AFA40}"/>
+              </a:ext>
+            </a:extLst>
+          </p:cNvPr>
+          <p:cNvCxnSpPr>
+            <a:cxnSpLocks/>
+            <a:endCxn id="41" idx="0"/>
+          </p:cNvCxnSpPr>
+          <p:nvPr/>
+        </p:nvCxnSpPr>
+        <p:spPr>
+          <a:xfrm>
+            <a:off x="6659643" y="3623414"/>
+            <a:ext cx="858894" cy="487241"/>
+          </a:xfrm>
+          <a:prstGeom prst="bentConnector2">
+            <a:avLst/>
+          </a:prstGeom>
+          <a:ln>
+            <a:tailEnd type="triangle"/>
+          </a:ln>
+        </p:spPr>
+        <p:style>
+          <a:lnRef idx="2">
+            <a:schemeClr val="dk1"/>
+          </a:lnRef>
+          <a:fillRef idx="0">
+            <a:schemeClr val="dk1"/>
+          </a:fillRef>
+          <a:effectRef idx="1">
+            <a:schemeClr val="dk1"/>
+          </a:effectRef>
+          <a:fontRef idx="minor">
+            <a:schemeClr val="tx1"/>
+          </a:fontRef>
+        </p:style>
+      </p:cxnSp>
+      <p:cxnSp>
+        <p:nvCxnSpPr>
+          <p:cNvPr id="1072" name="Gerade Verbindung mit Pfeil 1071">
+            <a:extLst>
+              <a:ext uri="{FF2B5EF4-FFF2-40B4-BE49-F238E27FC236}">
+                <a16:creationId xmlns:a16="http://schemas.microsoft.com/office/drawing/2014/main" id="{2565ECE2-78C8-CFDE-2A08-69880A480A46}"/>
+              </a:ext>
+            </a:extLst>
+          </p:cNvPr>
+          <p:cNvCxnSpPr>
+            <a:cxnSpLocks/>
+          </p:cNvCxnSpPr>
+          <p:nvPr/>
+        </p:nvCxnSpPr>
+        <p:spPr>
+          <a:xfrm>
+            <a:off x="10804547" y="3429000"/>
+            <a:ext cx="0" cy="1148480"/>
+          </a:xfrm>
+          <a:prstGeom prst="straightConnector1">
+            <a:avLst/>
+          </a:prstGeom>
+          <a:ln>
+            <a:solidFill>
+              <a:schemeClr val="tx1"/>
+            </a:solidFill>
+            <a:headEnd type="triangle"/>
+            <a:tailEnd type="triangle"/>
+          </a:ln>
+        </p:spPr>
+        <p:style>
+          <a:lnRef idx="2">
+            <a:schemeClr val="accent1"/>
+          </a:lnRef>
+          <a:fillRef idx="0">
+            <a:schemeClr val="accent1"/>
+          </a:fillRef>
+          <a:effectRef idx="1">
+            <a:schemeClr val="accent1"/>
+          </a:effectRef>
+          <a:fontRef idx="minor">
+            <a:schemeClr val="tx1"/>
+          </a:fontRef>
+        </p:style>
+      </p:cxnSp>
+      <p:cxnSp>
+        <p:nvCxnSpPr>
+          <p:cNvPr id="1078" name="Gerade Verbindung mit Pfeil 1077">
+            <a:extLst>
+              <a:ext uri="{FF2B5EF4-FFF2-40B4-BE49-F238E27FC236}">
+                <a16:creationId xmlns:a16="http://schemas.microsoft.com/office/drawing/2014/main" id="{5EAE0CC9-2591-DE3A-7D06-1ABBA985AF5C}"/>
+              </a:ext>
+            </a:extLst>
+          </p:cNvPr>
+          <p:cNvCxnSpPr>
+            <a:cxnSpLocks/>
+          </p:cNvCxnSpPr>
+          <p:nvPr/>
+        </p:nvCxnSpPr>
+        <p:spPr>
+          <a:xfrm>
+            <a:off x="7158445" y="2898041"/>
+            <a:ext cx="2743200" cy="0"/>
+          </a:xfrm>
+          <a:prstGeom prst="straightConnector1">
+            <a:avLst/>
+          </a:prstGeom>
+          <a:ln>
+            <a:tailEnd type="triangle"/>
+          </a:ln>
+        </p:spPr>
+        <p:style>
+          <a:lnRef idx="2">
+            <a:schemeClr val="dk1"/>
+          </a:lnRef>
+          <a:fillRef idx="0">
+            <a:schemeClr val="dk1"/>
+          </a:fillRef>
+          <a:effectRef idx="1">
+            <a:schemeClr val="dk1"/>
+          </a:effectRef>
+          <a:fontRef idx="minor">
+            <a:schemeClr val="tx1"/>
+          </a:fontRef>
+        </p:style>
+      </p:cxnSp>
+      <p:cxnSp>
+        <p:nvCxnSpPr>
+          <p:cNvPr id="1084" name="Verbinder: gewinkelt 1083">
+            <a:extLst>
+              <a:ext uri="{FF2B5EF4-FFF2-40B4-BE49-F238E27FC236}">
+                <a16:creationId xmlns:a16="http://schemas.microsoft.com/office/drawing/2014/main" id="{26951591-36D7-B5A1-9441-9120C503AE8C}"/>
+              </a:ext>
+            </a:extLst>
+          </p:cNvPr>
+          <p:cNvCxnSpPr>
+            <a:cxnSpLocks/>
+            <a:stCxn id="12" idx="1"/>
+          </p:cNvCxnSpPr>
+          <p:nvPr/>
+        </p:nvCxnSpPr>
+        <p:spPr>
+          <a:xfrm rot="10800000">
+            <a:off x="2830204" y="3679339"/>
+            <a:ext cx="1483396" cy="1737347"/>
+          </a:xfrm>
+          <a:prstGeom prst="bentConnector2">
+            <a:avLst/>
+          </a:prstGeom>
+          <a:ln>
+            <a:headEnd type="triangle"/>
+            <a:tailEnd type="none"/>
+          </a:ln>
+        </p:spPr>
+        <p:style>
+          <a:lnRef idx="2">
+            <a:schemeClr val="dk1"/>
+          </a:lnRef>
+          <a:fillRef idx="0">
+            <a:schemeClr val="dk1"/>
+          </a:fillRef>
+          <a:effectRef idx="1">
+            <a:schemeClr val="dk1"/>
+          </a:effectRef>
+          <a:fontRef idx="minor">
+            <a:schemeClr val="tx1"/>
+          </a:fontRef>
+        </p:style>
+      </p:cxnSp>
       <p:sp>
         <p:nvSpPr>
-          <p:cNvPr id="19" name="Ellipse 18">
-            <a:extLst>
-              <a:ext uri="{FF2B5EF4-FFF2-40B4-BE49-F238E27FC236}">
-                <a16:creationId xmlns:a16="http://schemas.microsoft.com/office/drawing/2014/main" id="{0B9BD0F2-86DC-FE22-234B-A84D3EDE5E4B}"/>
-              </a:ext>
-            </a:extLst>
-          </p:cNvPr>
-          <p:cNvSpPr/>
+          <p:cNvPr id="1094" name="Textfeld 1093">
+            <a:extLst>
+              <a:ext uri="{FF2B5EF4-FFF2-40B4-BE49-F238E27FC236}">
+                <a16:creationId xmlns:a16="http://schemas.microsoft.com/office/drawing/2014/main" id="{2D36DA96-DC70-D0DF-7770-5137F0D43B94}"/>
+              </a:ext>
+            </a:extLst>
+          </p:cNvPr>
+          <p:cNvSpPr txBox="1"/>
           <p:nvPr/>
         </p:nvSpPr>
         <p:spPr>
           <a:xfrm>
-            <a:off x="3195145" y="3382259"/>
-            <a:ext cx="105103" cy="105103"/>
-          </a:xfrm>
-          <a:prstGeom prst="ellipse">
-            <a:avLst/>
-          </a:prstGeom>
-          <a:solidFill>
-            <a:schemeClr val="tx1"/>
-          </a:solidFill>
-          <a:ln>
-            <a:solidFill>
-              <a:schemeClr val="tx1"/>
-            </a:solidFill>
-          </a:ln>
-        </p:spPr>
-        <p:style>
-          <a:lnRef idx="2">
-            <a:schemeClr val="accent1">
-              <a:shade val="15000"/>
-            </a:schemeClr>
-          </a:lnRef>
-          <a:fillRef idx="1">
-            <a:schemeClr val="accent1"/>
-          </a:fillRef>
-          <a:effectRef idx="0">
-            <a:schemeClr val="accent1"/>
-          </a:effectRef>
-          <a:fontRef idx="minor">
-            <a:schemeClr val="lt1"/>
-          </a:fontRef>
-        </p:style>
-        <p:txBody>
-          <a:bodyPr rtlCol="0" anchor="ctr"/>
-          <a:lstStyle/>
-          <a:p>
-            <a:pPr algn="ctr"/>
-            <a:endParaRPr lang="de-DE" sz="1200"/>
-          </a:p>
-        </p:txBody>
-      </p:sp>
-      <p:sp>
-        <p:nvSpPr>
-          <p:cNvPr id="22" name="Ellipse 21">
-            <a:extLst>
-              <a:ext uri="{FF2B5EF4-FFF2-40B4-BE49-F238E27FC236}">
-                <a16:creationId xmlns:a16="http://schemas.microsoft.com/office/drawing/2014/main" id="{9EE11853-E745-ABDA-62BF-496CE6DAFD84}"/>
-              </a:ext>
-            </a:extLst>
-          </p:cNvPr>
-          <p:cNvSpPr/>
-          <p:nvPr/>
-        </p:nvSpPr>
-        <p:spPr>
-          <a:xfrm>
-            <a:off x="3980793" y="3382259"/>
-            <a:ext cx="105103" cy="105103"/>
-          </a:xfrm>
-          <a:prstGeom prst="ellipse">
-            <a:avLst/>
-          </a:prstGeom>
-          <a:solidFill>
-            <a:schemeClr val="tx1"/>
-          </a:solidFill>
-          <a:ln>
-            <a:solidFill>
-              <a:schemeClr val="tx1"/>
-            </a:solidFill>
-          </a:ln>
-        </p:spPr>
-        <p:style>
-          <a:lnRef idx="2">
-            <a:schemeClr val="accent1">
-              <a:shade val="15000"/>
-            </a:schemeClr>
-          </a:lnRef>
-          <a:fillRef idx="1">
-            <a:schemeClr val="accent1"/>
-          </a:fillRef>
-          <a:effectRef idx="0">
-            <a:schemeClr val="accent1"/>
-          </a:effectRef>
-          <a:fontRef idx="minor">
-            <a:schemeClr val="lt1"/>
-          </a:fontRef>
-        </p:style>
-        <p:txBody>
-          <a:bodyPr rtlCol="0" anchor="ctr"/>
-          <a:lstStyle/>
-          <a:p>
-            <a:pPr algn="ctr"/>
-            <a:endParaRPr lang="de-DE" sz="1200"/>
-          </a:p>
-        </p:txBody>
-      </p:sp>
-      <p:sp>
-        <p:nvSpPr>
-          <p:cNvPr id="23" name="Ellipse 22">
-            <a:extLst>
-              <a:ext uri="{FF2B5EF4-FFF2-40B4-BE49-F238E27FC236}">
-                <a16:creationId xmlns:a16="http://schemas.microsoft.com/office/drawing/2014/main" id="{FB39D3D4-F6D7-C38C-5688-62E93895646E}"/>
-              </a:ext>
-            </a:extLst>
-          </p:cNvPr>
-          <p:cNvSpPr/>
-          <p:nvPr/>
-        </p:nvSpPr>
-        <p:spPr>
-          <a:xfrm>
-            <a:off x="4766441" y="3382259"/>
-            <a:ext cx="105103" cy="105103"/>
-          </a:xfrm>
-          <a:prstGeom prst="ellipse">
-            <a:avLst/>
-          </a:prstGeom>
-          <a:solidFill>
-            <a:schemeClr val="tx1"/>
-          </a:solidFill>
-          <a:ln>
-            <a:solidFill>
-              <a:schemeClr val="tx1"/>
-            </a:solidFill>
-          </a:ln>
-        </p:spPr>
-        <p:style>
-          <a:lnRef idx="2">
-            <a:schemeClr val="accent1">
-              <a:shade val="15000"/>
-            </a:schemeClr>
-          </a:lnRef>
-          <a:fillRef idx="1">
-            <a:schemeClr val="accent1"/>
-          </a:fillRef>
-          <a:effectRef idx="0">
-            <a:schemeClr val="accent1"/>
-          </a:effectRef>
-          <a:fontRef idx="minor">
-            <a:schemeClr val="lt1"/>
-          </a:fontRef>
-        </p:style>
-        <p:txBody>
-          <a:bodyPr rtlCol="0" anchor="ctr"/>
-          <a:lstStyle/>
-          <a:p>
-            <a:pPr algn="ctr"/>
-            <a:endParaRPr lang="de-DE" sz="1200"/>
-          </a:p>
-        </p:txBody>
-      </p:sp>
-      <p:sp>
-        <p:nvSpPr>
-          <p:cNvPr id="24" name="Textfeld 23">
-            <a:extLst>
-              <a:ext uri="{FF2B5EF4-FFF2-40B4-BE49-F238E27FC236}">
-                <a16:creationId xmlns:a16="http://schemas.microsoft.com/office/drawing/2014/main" id="{0F3B1A69-1C24-CBAC-4C22-58A0532DB907}"/>
-              </a:ext>
-            </a:extLst>
-          </p:cNvPr>
-          <p:cNvSpPr txBox="1"/>
-          <p:nvPr/>
-        </p:nvSpPr>
-        <p:spPr>
-          <a:xfrm rot="5400000">
-            <a:off x="2745843" y="3841483"/>
-            <a:ext cx="1008481" cy="276999"/>
+            <a:off x="4080511" y="1777773"/>
+            <a:ext cx="1340752" cy="276999"/>
           </a:xfrm>
           <a:prstGeom prst="rect">
             <a:avLst/>
@@ -3740,83 +4618,102 @@
           <a:p>
             <a:r>
               <a:rPr lang="de-DE" sz="1200" b="1" dirty="0" err="1"/>
-              <a:t>pre-commit</a:t>
+              <a:t>load</a:t>
             </a:r>
-            <a:endParaRPr lang="de-DE" sz="1200" b="1" dirty="0"/>
+            <a:r>
+              <a:rPr lang="de-DE" sz="1200" b="1" dirty="0"/>
+              <a:t> </a:t>
+            </a:r>
+            <a:r>
+              <a:rPr lang="de-DE" sz="1200" b="1" dirty="0" err="1"/>
+              <a:t>best</a:t>
+            </a:r>
+            <a:r>
+              <a:rPr lang="de-DE" sz="1200" b="1" dirty="0"/>
+              <a:t> </a:t>
+            </a:r>
+            <a:r>
+              <a:rPr lang="de-DE" sz="1200" b="1" dirty="0" err="1"/>
+              <a:t>model</a:t>
+            </a:r>
+            <a:r>
+              <a:rPr lang="de-DE" sz="1200" b="1" dirty="0"/>
+              <a:t> </a:t>
+            </a:r>
           </a:p>
         </p:txBody>
       </p:sp>
-      <p:sp>
-        <p:nvSpPr>
-          <p:cNvPr id="25" name="Textfeld 24">
-            <a:extLst>
-              <a:ext uri="{FF2B5EF4-FFF2-40B4-BE49-F238E27FC236}">
-                <a16:creationId xmlns:a16="http://schemas.microsoft.com/office/drawing/2014/main" id="{A00417C4-1B8E-BC08-445D-96B1CA22A8F9}"/>
-              </a:ext>
-            </a:extLst>
-          </p:cNvPr>
-          <p:cNvSpPr txBox="1"/>
+      <p:cxnSp>
+        <p:nvCxnSpPr>
+          <p:cNvPr id="1096" name="Verbinder: gewinkelt 1095">
+            <a:extLst>
+              <a:ext uri="{FF2B5EF4-FFF2-40B4-BE49-F238E27FC236}">
+                <a16:creationId xmlns:a16="http://schemas.microsoft.com/office/drawing/2014/main" id="{D31F4193-974C-C258-26F2-7504E1A241C2}"/>
+              </a:ext>
+            </a:extLst>
+          </p:cNvPr>
+          <p:cNvCxnSpPr/>
           <p:nvPr/>
-        </p:nvSpPr>
+        </p:nvCxnSpPr>
         <p:spPr>
-          <a:xfrm rot="5400000">
-            <a:off x="3666603" y="3710649"/>
-            <a:ext cx="726481" cy="276999"/>
+          <a:xfrm flipV="1">
+            <a:off x="3624453" y="2054772"/>
+            <a:ext cx="6277192" cy="948250"/>
           </a:xfrm>
-          <a:prstGeom prst="rect">
-            <a:avLst/>
+          <a:prstGeom prst="bentConnector3">
+            <a:avLst>
+              <a:gd name="adj1" fmla="val 6718"/>
+            </a:avLst>
           </a:prstGeom>
-          <a:noFill/>
+          <a:ln>
+            <a:tailEnd type="triangle"/>
+          </a:ln>
         </p:spPr>
-        <p:txBody>
-          <a:bodyPr wrap="none" rtlCol="0">
-            <a:spAutoFit/>
-          </a:bodyPr>
-          <a:lstStyle/>
-          <a:p>
-            <a:r>
-              <a:rPr lang="de-DE" sz="1200" b="1" dirty="0" err="1"/>
-              <a:t>commit</a:t>
-            </a:r>
-            <a:endParaRPr lang="de-DE" sz="1200" b="1" dirty="0"/>
-          </a:p>
-        </p:txBody>
-      </p:sp>
-      <p:sp>
-        <p:nvSpPr>
-          <p:cNvPr id="26" name="Textfeld 25">
-            <a:extLst>
-              <a:ext uri="{FF2B5EF4-FFF2-40B4-BE49-F238E27FC236}">
-                <a16:creationId xmlns:a16="http://schemas.microsoft.com/office/drawing/2014/main" id="{BEC8BB46-56C8-5F12-679C-6658F2A21F91}"/>
-              </a:ext>
-            </a:extLst>
-          </p:cNvPr>
-          <p:cNvSpPr txBox="1"/>
-          <p:nvPr/>
-        </p:nvSpPr>
-        <p:spPr>
-          <a:xfrm rot="5400000">
-            <a:off x="4551931" y="3604303"/>
-            <a:ext cx="534121" cy="276999"/>
-          </a:xfrm>
-          <a:prstGeom prst="rect">
-            <a:avLst/>
-          </a:prstGeom>
-          <a:noFill/>
-        </p:spPr>
-        <p:txBody>
-          <a:bodyPr wrap="none" rtlCol="0">
-            <a:spAutoFit/>
-          </a:bodyPr>
-          <a:lstStyle/>
-          <a:p>
-            <a:r>
-              <a:rPr lang="de-DE" sz="1200" b="1" dirty="0"/>
-              <a:t>push</a:t>
-            </a:r>
-          </a:p>
-        </p:txBody>
-      </p:sp>
+        <p:style>
+          <a:lnRef idx="2">
+            <a:schemeClr val="dk1"/>
+          </a:lnRef>
+          <a:fillRef idx="0">
+            <a:schemeClr val="dk1"/>
+          </a:fillRef>
+          <a:effectRef idx="1">
+            <a:schemeClr val="dk1"/>
+          </a:effectRef>
+          <a:fontRef idx="minor">
+            <a:schemeClr val="tx1"/>
+          </a:fontRef>
+        </p:style>
+      </p:cxnSp>
+    </p:spTree>
+    <p:extLst>
+      <p:ext uri="{BB962C8B-B14F-4D97-AF65-F5344CB8AC3E}">
+        <p14:creationId xmlns:p14="http://schemas.microsoft.com/office/powerpoint/2010/main" val="3604512083"/>
+      </p:ext>
+    </p:extLst>
+  </p:cSld>
+  <p:clrMapOvr>
+    <a:masterClrMapping/>
+  </p:clrMapOvr>
+</p:sld>
+</file>
+
+<file path=ppt/slides/slide2.xml><?xml version="1.0" encoding="utf-8"?>
+<p:sld xmlns:a="http://schemas.openxmlformats.org/drawingml/2006/main" xmlns:r="http://schemas.openxmlformats.org/officeDocument/2006/relationships" xmlns:p="http://schemas.openxmlformats.org/presentationml/2006/main">
+  <p:cSld>
+    <p:spTree>
+      <p:nvGrpSpPr>
+        <p:cNvPr id="1" name=""/>
+        <p:cNvGrpSpPr/>
+        <p:nvPr/>
+      </p:nvGrpSpPr>
+      <p:grpSpPr>
+        <a:xfrm>
+          <a:off x="0" y="0"/>
+          <a:ext cx="0" cy="0"/>
+          <a:chOff x="0" y="0"/>
+          <a:chExt cx="0" cy="0"/>
+        </a:xfrm>
+      </p:grpSpPr>
       <p:pic>
         <p:nvPicPr>
           <p:cNvPr id="28" name="Grafik 27" descr="Ein Bild, das Schrift, Grafiken, Symbol, Logo enthält.&#10;&#10;Automatisch generierte Beschreibung">
@@ -3832,7 +4729,7 @@
           <p:nvPr/>
         </p:nvPicPr>
         <p:blipFill>
-          <a:blip r:embed="rId5">
+          <a:blip r:embed="rId2">
             <a:extLst>
               <a:ext uri="{28A0092B-C50C-407E-A947-70E740481C1C}">
                 <a14:useLocalDpi xmlns:a14="http://schemas.microsoft.com/office/drawing/2010/main" val="0"/>
@@ -3845,7 +4742,7 @@
         </p:blipFill>
         <p:spPr>
           <a:xfrm>
-            <a:off x="1300058" y="620367"/>
+            <a:off x="901262" y="846472"/>
             <a:ext cx="1876097" cy="482693"/>
           </a:xfrm>
           <a:prstGeom prst="rect">
@@ -3868,7 +4765,7 @@
           <p:nvPr/>
         </p:nvPicPr>
         <p:blipFill>
-          <a:blip r:embed="rId6">
+          <a:blip r:embed="rId3">
             <a:extLst>
               <a:ext uri="{28A0092B-C50C-407E-A947-70E740481C1C}">
                 <a14:useLocalDpi xmlns:a14="http://schemas.microsoft.com/office/drawing/2010/main" val="0"/>
@@ -3881,8 +4778,118 @@
         </p:blipFill>
         <p:spPr>
           <a:xfrm>
-            <a:off x="3610304" y="363785"/>
+            <a:off x="901262" y="1825019"/>
             <a:ext cx="1991710" cy="995855"/>
+          </a:xfrm>
+          <a:prstGeom prst="rect">
+            <a:avLst/>
+          </a:prstGeom>
+        </p:spPr>
+      </p:pic>
+      <p:pic>
+        <p:nvPicPr>
+          <p:cNvPr id="5" name="Grafik 4" descr="Ein Bild, das Grafiken, Schrift, Grafikdesign, Logo enthält.&#10;&#10;Automatisch generierte Beschreibung">
+            <a:extLst>
+              <a:ext uri="{FF2B5EF4-FFF2-40B4-BE49-F238E27FC236}">
+                <a16:creationId xmlns:a16="http://schemas.microsoft.com/office/drawing/2014/main" id="{CB85A7DD-B1E2-2D15-A9F1-8F582F5285DC}"/>
+              </a:ext>
+            </a:extLst>
+          </p:cNvPr>
+          <p:cNvPicPr>
+            <a:picLocks noChangeAspect="1"/>
+          </p:cNvPicPr>
+          <p:nvPr/>
+        </p:nvPicPr>
+        <p:blipFill>
+          <a:blip r:embed="rId4">
+            <a:extLst>
+              <a:ext uri="{28A0092B-C50C-407E-A947-70E740481C1C}">
+                <a14:useLocalDpi xmlns:a14="http://schemas.microsoft.com/office/drawing/2010/main" val="0"/>
+              </a:ext>
+            </a:extLst>
+          </a:blip>
+          <a:stretch>
+            <a:fillRect/>
+          </a:stretch>
+        </p:blipFill>
+        <p:spPr>
+          <a:xfrm>
+            <a:off x="901262" y="3453364"/>
+            <a:ext cx="2111062" cy="437504"/>
+          </a:xfrm>
+          <a:prstGeom prst="rect">
+            <a:avLst/>
+          </a:prstGeom>
+        </p:spPr>
+      </p:pic>
+      <p:pic>
+        <p:nvPicPr>
+          <p:cNvPr id="7" name="Grafik 6" descr="Ein Bild, das Grafiken, Design enthält.&#10;&#10;Automatisch generierte Beschreibung">
+            <a:extLst>
+              <a:ext uri="{FF2B5EF4-FFF2-40B4-BE49-F238E27FC236}">
+                <a16:creationId xmlns:a16="http://schemas.microsoft.com/office/drawing/2014/main" id="{7355F534-4416-62C4-5FB9-07D34A9492D7}"/>
+              </a:ext>
+            </a:extLst>
+          </p:cNvPr>
+          <p:cNvPicPr>
+            <a:picLocks noChangeAspect="1"/>
+          </p:cNvPicPr>
+          <p:nvPr/>
+        </p:nvPicPr>
+        <p:blipFill>
+          <a:blip r:embed="rId5">
+            <a:extLst>
+              <a:ext uri="{28A0092B-C50C-407E-A947-70E740481C1C}">
+                <a14:useLocalDpi xmlns:a14="http://schemas.microsoft.com/office/drawing/2010/main" val="0"/>
+              </a:ext>
+            </a:extLst>
+          </a:blip>
+          <a:stretch>
+            <a:fillRect/>
+          </a:stretch>
+        </p:blipFill>
+        <p:spPr>
+          <a:xfrm>
+            <a:off x="4176789" y="760369"/>
+            <a:ext cx="2641242" cy="654898"/>
+          </a:xfrm>
+          <a:prstGeom prst="rect">
+            <a:avLst/>
+          </a:prstGeom>
+        </p:spPr>
+      </p:pic>
+      <p:pic>
+        <p:nvPicPr>
+          <p:cNvPr id="48" name="Grafik 47">
+            <a:extLst>
+              <a:ext uri="{FF2B5EF4-FFF2-40B4-BE49-F238E27FC236}">
+                <a16:creationId xmlns:a16="http://schemas.microsoft.com/office/drawing/2014/main" id="{8EA07159-88CE-709C-A050-829F67D0A6BE}"/>
+              </a:ext>
+            </a:extLst>
+          </p:cNvPr>
+          <p:cNvPicPr>
+            <a:picLocks noChangeAspect="1"/>
+          </p:cNvPicPr>
+          <p:nvPr/>
+        </p:nvPicPr>
+        <p:blipFill rotWithShape="1">
+          <a:blip r:embed="rId6">
+            <a:extLst>
+              <a:ext uri="{28A0092B-C50C-407E-A947-70E740481C1C}">
+                <a14:useLocalDpi xmlns:a14="http://schemas.microsoft.com/office/drawing/2010/main" val="0"/>
+              </a:ext>
+              <a:ext uri="{96DAC541-7B7A-43D3-8B79-37D633B846F1}">
+                <asvg:svgBlip xmlns:asvg="http://schemas.microsoft.com/office/drawing/2016/SVG/main" r:embed="rId7"/>
+              </a:ext>
+            </a:extLst>
+          </a:blip>
+          <a:srcRect l="20183" r="20950"/>
+          <a:stretch/>
+        </p:blipFill>
+        <p:spPr>
+          <a:xfrm>
+            <a:off x="4673162" y="1825017"/>
+            <a:ext cx="1648495" cy="1143000"/>
           </a:xfrm>
           <a:prstGeom prst="rect">
             <a:avLst/>
@@ -3892,7 +4899,2689 @@
     </p:spTree>
     <p:extLst>
       <p:ext uri="{BB962C8B-B14F-4D97-AF65-F5344CB8AC3E}">
-        <p14:creationId xmlns:p14="http://schemas.microsoft.com/office/powerpoint/2010/main" val="3604512083"/>
+        <p14:creationId xmlns:p14="http://schemas.microsoft.com/office/powerpoint/2010/main" val="3180059311"/>
+      </p:ext>
+    </p:extLst>
+  </p:cSld>
+  <p:clrMapOvr>
+    <a:masterClrMapping/>
+  </p:clrMapOvr>
+</p:sld>
+</file>
+
+<file path=ppt/slides/slide3.xml><?xml version="1.0" encoding="utf-8"?>
+<p:sld xmlns:a="http://schemas.openxmlformats.org/drawingml/2006/main" xmlns:r="http://schemas.openxmlformats.org/officeDocument/2006/relationships" xmlns:p="http://schemas.openxmlformats.org/presentationml/2006/main">
+  <p:cSld>
+    <p:spTree>
+      <p:nvGrpSpPr>
+        <p:cNvPr id="1" name=""/>
+        <p:cNvGrpSpPr/>
+        <p:nvPr/>
+      </p:nvGrpSpPr>
+      <p:grpSpPr>
+        <a:xfrm>
+          <a:off x="0" y="0"/>
+          <a:ext cx="0" cy="0"/>
+          <a:chOff x="0" y="0"/>
+          <a:chExt cx="0" cy="0"/>
+        </a:xfrm>
+      </p:grpSpPr>
+      <p:grpSp>
+        <p:nvGrpSpPr>
+          <p:cNvPr id="2" name="Gruppieren 1">
+            <a:extLst>
+              <a:ext uri="{FF2B5EF4-FFF2-40B4-BE49-F238E27FC236}">
+                <a16:creationId xmlns:a16="http://schemas.microsoft.com/office/drawing/2014/main" id="{51BE93A9-9C1B-B70E-F229-226C72ECBF9D}"/>
+              </a:ext>
+            </a:extLst>
+          </p:cNvPr>
+          <p:cNvGrpSpPr/>
+          <p:nvPr/>
+        </p:nvGrpSpPr>
+        <p:grpSpPr>
+          <a:xfrm>
+            <a:off x="1842070" y="421277"/>
+            <a:ext cx="9659122" cy="6052545"/>
+            <a:chOff x="1842070" y="421277"/>
+            <a:chExt cx="9659122" cy="6052545"/>
+          </a:xfrm>
+        </p:grpSpPr>
+        <p:grpSp>
+          <p:nvGrpSpPr>
+            <p:cNvPr id="10" name="Gruppieren 9">
+              <a:extLst>
+                <a:ext uri="{FF2B5EF4-FFF2-40B4-BE49-F238E27FC236}">
+                  <a16:creationId xmlns:a16="http://schemas.microsoft.com/office/drawing/2014/main" id="{FB608D0C-83ED-4261-27B2-96B940149AA7}"/>
+                </a:ext>
+              </a:extLst>
+            </p:cNvPr>
+            <p:cNvGrpSpPr/>
+            <p:nvPr/>
+          </p:nvGrpSpPr>
+          <p:grpSpPr>
+            <a:xfrm>
+              <a:off x="6040547" y="2449036"/>
+              <a:ext cx="861814" cy="1129764"/>
+              <a:chOff x="5234186" y="1804111"/>
+              <a:chExt cx="1723628" cy="2259528"/>
+            </a:xfrm>
+          </p:grpSpPr>
+          <p:pic>
+            <p:nvPicPr>
+              <p:cNvPr id="7" name="Grafik 6" descr="Ein Bild, das Schrift, Grafiken, Screenshot, Logo enthält.&#10;&#10;Automatisch generierte Beschreibung">
+                <a:extLst>
+                  <a:ext uri="{FF2B5EF4-FFF2-40B4-BE49-F238E27FC236}">
+                    <a16:creationId xmlns:a16="http://schemas.microsoft.com/office/drawing/2014/main" id="{BB4A43AD-AD88-D391-E45A-FF6426BFAEFF}"/>
+                  </a:ext>
+                </a:extLst>
+              </p:cNvPr>
+              <p:cNvPicPr>
+                <a:picLocks noChangeAspect="1"/>
+              </p:cNvPicPr>
+              <p:nvPr/>
+            </p:nvPicPr>
+            <p:blipFill>
+              <a:blip r:embed="rId2">
+                <a:extLst>
+                  <a:ext uri="{28A0092B-C50C-407E-A947-70E740481C1C}">
+                    <a14:useLocalDpi xmlns:a14="http://schemas.microsoft.com/office/drawing/2010/main" val="0"/>
+                  </a:ext>
+                </a:extLst>
+              </a:blip>
+              <a:stretch>
+                <a:fillRect/>
+              </a:stretch>
+            </p:blipFill>
+            <p:spPr>
+              <a:xfrm>
+                <a:off x="5322050" y="3429000"/>
+                <a:ext cx="1547899" cy="634639"/>
+              </a:xfrm>
+              <a:prstGeom prst="rect">
+                <a:avLst/>
+              </a:prstGeom>
+            </p:spPr>
+          </p:pic>
+          <p:pic>
+            <p:nvPicPr>
+              <p:cNvPr id="9" name="Grafik 8" descr="Ein Bild, das Katze, Säugetier, Silhouette enthält.&#10;&#10;Automatisch generierte Beschreibung">
+                <a:extLst>
+                  <a:ext uri="{FF2B5EF4-FFF2-40B4-BE49-F238E27FC236}">
+                    <a16:creationId xmlns:a16="http://schemas.microsoft.com/office/drawing/2014/main" id="{35BD0495-6D75-F277-4EFB-4D0B0B8E6C91}"/>
+                  </a:ext>
+                </a:extLst>
+              </p:cNvPr>
+              <p:cNvPicPr>
+                <a:picLocks noChangeAspect="1"/>
+              </p:cNvPicPr>
+              <p:nvPr/>
+            </p:nvPicPr>
+            <p:blipFill>
+              <a:blip r:embed="rId3">
+                <a:extLst>
+                  <a:ext uri="{28A0092B-C50C-407E-A947-70E740481C1C}">
+                    <a14:useLocalDpi xmlns:a14="http://schemas.microsoft.com/office/drawing/2010/main" val="0"/>
+                  </a:ext>
+                </a:extLst>
+              </a:blip>
+              <a:stretch>
+                <a:fillRect/>
+              </a:stretch>
+            </p:blipFill>
+            <p:spPr>
+              <a:xfrm>
+                <a:off x="5234186" y="1804111"/>
+                <a:ext cx="1723628" cy="1723628"/>
+              </a:xfrm>
+              <a:prstGeom prst="rect">
+                <a:avLst/>
+              </a:prstGeom>
+            </p:spPr>
+          </p:pic>
+        </p:grpSp>
+        <p:grpSp>
+          <p:nvGrpSpPr>
+            <p:cNvPr id="14" name="Gruppieren 13">
+              <a:extLst>
+                <a:ext uri="{FF2B5EF4-FFF2-40B4-BE49-F238E27FC236}">
+                  <a16:creationId xmlns:a16="http://schemas.microsoft.com/office/drawing/2014/main" id="{43D3A2FA-AD6E-2502-5C81-18DA966C82E5}"/>
+                </a:ext>
+              </a:extLst>
+            </p:cNvPr>
+            <p:cNvGrpSpPr/>
+            <p:nvPr/>
+          </p:nvGrpSpPr>
+          <p:grpSpPr>
+            <a:xfrm>
+              <a:off x="4176758" y="4981639"/>
+              <a:ext cx="1143775" cy="1039369"/>
+              <a:chOff x="1325215" y="2993954"/>
+              <a:chExt cx="1143775" cy="1039369"/>
+            </a:xfrm>
+          </p:grpSpPr>
+          <p:pic>
+            <p:nvPicPr>
+              <p:cNvPr id="12" name="Grafik 11" descr="Ein Bild, das Schwarz, Dunkelheit enthält.&#10;&#10;Automatisch generierte Beschreibung">
+                <a:extLst>
+                  <a:ext uri="{FF2B5EF4-FFF2-40B4-BE49-F238E27FC236}">
+                    <a16:creationId xmlns:a16="http://schemas.microsoft.com/office/drawing/2014/main" id="{6CFC4385-662D-7ECF-DF9F-1EAE364C9419}"/>
+                  </a:ext>
+                </a:extLst>
+              </p:cNvPr>
+              <p:cNvPicPr>
+                <a:picLocks noChangeAspect="1"/>
+              </p:cNvPicPr>
+              <p:nvPr/>
+            </p:nvPicPr>
+            <p:blipFill>
+              <a:blip r:embed="rId4">
+                <a:extLst>
+                  <a:ext uri="{28A0092B-C50C-407E-A947-70E740481C1C}">
+                    <a14:useLocalDpi xmlns:a14="http://schemas.microsoft.com/office/drawing/2010/main" val="0"/>
+                  </a:ext>
+                </a:extLst>
+              </a:blip>
+              <a:stretch>
+                <a:fillRect/>
+              </a:stretch>
+            </p:blipFill>
+            <p:spPr>
+              <a:xfrm>
+                <a:off x="1462057" y="2993954"/>
+                <a:ext cx="870092" cy="870092"/>
+              </a:xfrm>
+              <a:prstGeom prst="rect">
+                <a:avLst/>
+              </a:prstGeom>
+            </p:spPr>
+          </p:pic>
+          <p:sp>
+            <p:nvSpPr>
+              <p:cNvPr id="13" name="Textfeld 12">
+                <a:extLst>
+                  <a:ext uri="{FF2B5EF4-FFF2-40B4-BE49-F238E27FC236}">
+                    <a16:creationId xmlns:a16="http://schemas.microsoft.com/office/drawing/2014/main" id="{9B35F1B0-E47A-FC9A-2586-6AD784A795A5}"/>
+                  </a:ext>
+                </a:extLst>
+              </p:cNvPr>
+              <p:cNvSpPr txBox="1"/>
+              <p:nvPr/>
+            </p:nvSpPr>
+            <p:spPr>
+              <a:xfrm>
+                <a:off x="1325215" y="3694769"/>
+                <a:ext cx="1143775" cy="338554"/>
+              </a:xfrm>
+              <a:prstGeom prst="rect">
+                <a:avLst/>
+              </a:prstGeom>
+              <a:noFill/>
+            </p:spPr>
+            <p:txBody>
+              <a:bodyPr wrap="none" rtlCol="0">
+                <a:spAutoFit/>
+              </a:bodyPr>
+              <a:lstStyle/>
+              <a:p>
+                <a:r>
+                  <a:rPr lang="de-DE" sz="1600" b="1" dirty="0"/>
+                  <a:t>Developer</a:t>
+                </a:r>
+              </a:p>
+            </p:txBody>
+          </p:sp>
+        </p:grpSp>
+        <p:grpSp>
+          <p:nvGrpSpPr>
+            <p:cNvPr id="35" name="Gruppieren 34">
+              <a:extLst>
+                <a:ext uri="{FF2B5EF4-FFF2-40B4-BE49-F238E27FC236}">
+                  <a16:creationId xmlns:a16="http://schemas.microsoft.com/office/drawing/2014/main" id="{91CBCD56-18C8-DCD9-3EA0-AEAD5F95010E}"/>
+                </a:ext>
+              </a:extLst>
+            </p:cNvPr>
+            <p:cNvGrpSpPr/>
+            <p:nvPr/>
+          </p:nvGrpSpPr>
+          <p:grpSpPr>
+            <a:xfrm>
+              <a:off x="5337702" y="5371858"/>
+              <a:ext cx="276999" cy="1101964"/>
+              <a:chOff x="2922439" y="3344361"/>
+              <a:chExt cx="276999" cy="1101964"/>
+            </a:xfrm>
+          </p:grpSpPr>
+          <p:sp>
+            <p:nvSpPr>
+              <p:cNvPr id="19" name="Ellipse 18">
+                <a:extLst>
+                  <a:ext uri="{FF2B5EF4-FFF2-40B4-BE49-F238E27FC236}">
+                    <a16:creationId xmlns:a16="http://schemas.microsoft.com/office/drawing/2014/main" id="{0B9BD0F2-86DC-FE22-234B-A84D3EDE5E4B}"/>
+                  </a:ext>
+                </a:extLst>
+              </p:cNvPr>
+              <p:cNvSpPr/>
+              <p:nvPr/>
+            </p:nvSpPr>
+            <p:spPr>
+              <a:xfrm>
+                <a:off x="3006000" y="3344361"/>
+                <a:ext cx="105103" cy="105103"/>
+              </a:xfrm>
+              <a:prstGeom prst="ellipse">
+                <a:avLst/>
+              </a:prstGeom>
+              <a:solidFill>
+                <a:schemeClr val="tx1"/>
+              </a:solidFill>
+              <a:ln>
+                <a:solidFill>
+                  <a:schemeClr val="tx1"/>
+                </a:solidFill>
+              </a:ln>
+            </p:spPr>
+            <p:style>
+              <a:lnRef idx="2">
+                <a:schemeClr val="accent1">
+                  <a:shade val="15000"/>
+                </a:schemeClr>
+              </a:lnRef>
+              <a:fillRef idx="1">
+                <a:schemeClr val="accent1"/>
+              </a:fillRef>
+              <a:effectRef idx="0">
+                <a:schemeClr val="accent1"/>
+              </a:effectRef>
+              <a:fontRef idx="minor">
+                <a:schemeClr val="lt1"/>
+              </a:fontRef>
+            </p:style>
+            <p:txBody>
+              <a:bodyPr rtlCol="0" anchor="ctr"/>
+              <a:lstStyle/>
+              <a:p>
+                <a:pPr algn="ctr"/>
+                <a:endParaRPr lang="de-DE" sz="1200"/>
+              </a:p>
+            </p:txBody>
+          </p:sp>
+          <p:sp>
+            <p:nvSpPr>
+              <p:cNvPr id="24" name="Textfeld 23">
+                <a:extLst>
+                  <a:ext uri="{FF2B5EF4-FFF2-40B4-BE49-F238E27FC236}">
+                    <a16:creationId xmlns:a16="http://schemas.microsoft.com/office/drawing/2014/main" id="{0F3B1A69-1C24-CBAC-4C22-58A0532DB907}"/>
+                  </a:ext>
+                </a:extLst>
+              </p:cNvPr>
+              <p:cNvSpPr txBox="1"/>
+              <p:nvPr/>
+            </p:nvSpPr>
+            <p:spPr>
+              <a:xfrm rot="5400000">
+                <a:off x="2556698" y="3803585"/>
+                <a:ext cx="1008481" cy="276999"/>
+              </a:xfrm>
+              <a:prstGeom prst="rect">
+                <a:avLst/>
+              </a:prstGeom>
+              <a:noFill/>
+            </p:spPr>
+            <p:txBody>
+              <a:bodyPr wrap="none" rtlCol="0">
+                <a:spAutoFit/>
+              </a:bodyPr>
+              <a:lstStyle/>
+              <a:p>
+                <a:r>
+                  <a:rPr lang="de-DE" sz="1200" b="1" dirty="0" err="1"/>
+                  <a:t>pre-commit</a:t>
+                </a:r>
+                <a:endParaRPr lang="de-DE" sz="1200" b="1" dirty="0"/>
+              </a:p>
+            </p:txBody>
+          </p:sp>
+        </p:grpSp>
+        <p:grpSp>
+          <p:nvGrpSpPr>
+            <p:cNvPr id="36" name="Gruppieren 35">
+              <a:extLst>
+                <a:ext uri="{FF2B5EF4-FFF2-40B4-BE49-F238E27FC236}">
+                  <a16:creationId xmlns:a16="http://schemas.microsoft.com/office/drawing/2014/main" id="{93818376-AAA7-0F9E-2BFA-93C03F0EE93B}"/>
+                </a:ext>
+              </a:extLst>
+            </p:cNvPr>
+            <p:cNvGrpSpPr/>
+            <p:nvPr/>
+          </p:nvGrpSpPr>
+          <p:grpSpPr>
+            <a:xfrm>
+              <a:off x="5719636" y="5368652"/>
+              <a:ext cx="276999" cy="830130"/>
+              <a:chOff x="3702199" y="3344361"/>
+              <a:chExt cx="276999" cy="830130"/>
+            </a:xfrm>
+          </p:grpSpPr>
+          <p:sp>
+            <p:nvSpPr>
+              <p:cNvPr id="22" name="Ellipse 21">
+                <a:extLst>
+                  <a:ext uri="{FF2B5EF4-FFF2-40B4-BE49-F238E27FC236}">
+                    <a16:creationId xmlns:a16="http://schemas.microsoft.com/office/drawing/2014/main" id="{9EE11853-E745-ABDA-62BF-496CE6DAFD84}"/>
+                  </a:ext>
+                </a:extLst>
+              </p:cNvPr>
+              <p:cNvSpPr/>
+              <p:nvPr/>
+            </p:nvSpPr>
+            <p:spPr>
+              <a:xfrm>
+                <a:off x="3791648" y="3344361"/>
+                <a:ext cx="105103" cy="105103"/>
+              </a:xfrm>
+              <a:prstGeom prst="ellipse">
+                <a:avLst/>
+              </a:prstGeom>
+              <a:solidFill>
+                <a:schemeClr val="tx1"/>
+              </a:solidFill>
+              <a:ln>
+                <a:solidFill>
+                  <a:schemeClr val="tx1"/>
+                </a:solidFill>
+              </a:ln>
+            </p:spPr>
+            <p:style>
+              <a:lnRef idx="2">
+                <a:schemeClr val="accent1">
+                  <a:shade val="15000"/>
+                </a:schemeClr>
+              </a:lnRef>
+              <a:fillRef idx="1">
+                <a:schemeClr val="accent1"/>
+              </a:fillRef>
+              <a:effectRef idx="0">
+                <a:schemeClr val="accent1"/>
+              </a:effectRef>
+              <a:fontRef idx="minor">
+                <a:schemeClr val="lt1"/>
+              </a:fontRef>
+            </p:style>
+            <p:txBody>
+              <a:bodyPr rtlCol="0" anchor="ctr"/>
+              <a:lstStyle/>
+              <a:p>
+                <a:pPr algn="ctr"/>
+                <a:endParaRPr lang="de-DE" sz="1200"/>
+              </a:p>
+            </p:txBody>
+          </p:sp>
+          <p:sp>
+            <p:nvSpPr>
+              <p:cNvPr id="25" name="Textfeld 24">
+                <a:extLst>
+                  <a:ext uri="{FF2B5EF4-FFF2-40B4-BE49-F238E27FC236}">
+                    <a16:creationId xmlns:a16="http://schemas.microsoft.com/office/drawing/2014/main" id="{A00417C4-1B8E-BC08-445D-96B1CA22A8F9}"/>
+                  </a:ext>
+                </a:extLst>
+              </p:cNvPr>
+              <p:cNvSpPr txBox="1"/>
+              <p:nvPr/>
+            </p:nvSpPr>
+            <p:spPr>
+              <a:xfrm rot="5400000">
+                <a:off x="3477458" y="3672751"/>
+                <a:ext cx="726481" cy="276999"/>
+              </a:xfrm>
+              <a:prstGeom prst="rect">
+                <a:avLst/>
+              </a:prstGeom>
+              <a:noFill/>
+            </p:spPr>
+            <p:txBody>
+              <a:bodyPr wrap="none" rtlCol="0">
+                <a:spAutoFit/>
+              </a:bodyPr>
+              <a:lstStyle/>
+              <a:p>
+                <a:r>
+                  <a:rPr lang="de-DE" sz="1200" b="1" dirty="0" err="1"/>
+                  <a:t>commit</a:t>
+                </a:r>
+                <a:endParaRPr lang="de-DE" sz="1200" b="1" dirty="0"/>
+              </a:p>
+            </p:txBody>
+          </p:sp>
+        </p:grpSp>
+        <p:grpSp>
+          <p:nvGrpSpPr>
+            <p:cNvPr id="37" name="Gruppieren 36">
+              <a:extLst>
+                <a:ext uri="{FF2B5EF4-FFF2-40B4-BE49-F238E27FC236}">
+                  <a16:creationId xmlns:a16="http://schemas.microsoft.com/office/drawing/2014/main" id="{FCFBCE9C-9EEC-F56E-29FE-8EE111949EB2}"/>
+                </a:ext>
+              </a:extLst>
+            </p:cNvPr>
+            <p:cNvGrpSpPr/>
+            <p:nvPr/>
+          </p:nvGrpSpPr>
+          <p:grpSpPr>
+            <a:xfrm>
+              <a:off x="6113561" y="5368652"/>
+              <a:ext cx="276999" cy="627604"/>
+              <a:chOff x="4491347" y="3344361"/>
+              <a:chExt cx="276999" cy="627604"/>
+            </a:xfrm>
+          </p:grpSpPr>
+          <p:sp>
+            <p:nvSpPr>
+              <p:cNvPr id="23" name="Ellipse 22">
+                <a:extLst>
+                  <a:ext uri="{FF2B5EF4-FFF2-40B4-BE49-F238E27FC236}">
+                    <a16:creationId xmlns:a16="http://schemas.microsoft.com/office/drawing/2014/main" id="{FB39D3D4-F6D7-C38C-5688-62E93895646E}"/>
+                  </a:ext>
+                </a:extLst>
+              </p:cNvPr>
+              <p:cNvSpPr/>
+              <p:nvPr/>
+            </p:nvSpPr>
+            <p:spPr>
+              <a:xfrm>
+                <a:off x="4577296" y="3344361"/>
+                <a:ext cx="105103" cy="105103"/>
+              </a:xfrm>
+              <a:prstGeom prst="ellipse">
+                <a:avLst/>
+              </a:prstGeom>
+              <a:solidFill>
+                <a:schemeClr val="tx1"/>
+              </a:solidFill>
+              <a:ln>
+                <a:solidFill>
+                  <a:schemeClr val="tx1"/>
+                </a:solidFill>
+              </a:ln>
+            </p:spPr>
+            <p:style>
+              <a:lnRef idx="2">
+                <a:schemeClr val="accent1">
+                  <a:shade val="15000"/>
+                </a:schemeClr>
+              </a:lnRef>
+              <a:fillRef idx="1">
+                <a:schemeClr val="accent1"/>
+              </a:fillRef>
+              <a:effectRef idx="0">
+                <a:schemeClr val="accent1"/>
+              </a:effectRef>
+              <a:fontRef idx="minor">
+                <a:schemeClr val="lt1"/>
+              </a:fontRef>
+            </p:style>
+            <p:txBody>
+              <a:bodyPr rtlCol="0" anchor="ctr"/>
+              <a:lstStyle/>
+              <a:p>
+                <a:pPr algn="ctr"/>
+                <a:endParaRPr lang="de-DE" sz="1200"/>
+              </a:p>
+            </p:txBody>
+          </p:sp>
+          <p:sp>
+            <p:nvSpPr>
+              <p:cNvPr id="26" name="Textfeld 25">
+                <a:extLst>
+                  <a:ext uri="{FF2B5EF4-FFF2-40B4-BE49-F238E27FC236}">
+                    <a16:creationId xmlns:a16="http://schemas.microsoft.com/office/drawing/2014/main" id="{BEC8BB46-56C8-5F12-679C-6658F2A21F91}"/>
+                  </a:ext>
+                </a:extLst>
+              </p:cNvPr>
+              <p:cNvSpPr txBox="1"/>
+              <p:nvPr/>
+            </p:nvSpPr>
+            <p:spPr>
+              <a:xfrm rot="5400000">
+                <a:off x="4362786" y="3566405"/>
+                <a:ext cx="534121" cy="276999"/>
+              </a:xfrm>
+              <a:prstGeom prst="rect">
+                <a:avLst/>
+              </a:prstGeom>
+              <a:noFill/>
+            </p:spPr>
+            <p:txBody>
+              <a:bodyPr wrap="none" rtlCol="0">
+                <a:spAutoFit/>
+              </a:bodyPr>
+              <a:lstStyle/>
+              <a:p>
+                <a:r>
+                  <a:rPr lang="de-DE" sz="1200" b="1" dirty="0"/>
+                  <a:t>push</a:t>
+                </a:r>
+              </a:p>
+            </p:txBody>
+          </p:sp>
+        </p:grpSp>
+        <p:grpSp>
+          <p:nvGrpSpPr>
+            <p:cNvPr id="46" name="Gruppieren 45">
+              <a:extLst>
+                <a:ext uri="{FF2B5EF4-FFF2-40B4-BE49-F238E27FC236}">
+                  <a16:creationId xmlns:a16="http://schemas.microsoft.com/office/drawing/2014/main" id="{970DFCC2-29DA-5570-93A2-9C41883861C4}"/>
+                </a:ext>
+              </a:extLst>
+            </p:cNvPr>
+            <p:cNvGrpSpPr/>
+            <p:nvPr/>
+          </p:nvGrpSpPr>
+          <p:grpSpPr>
+            <a:xfrm>
+              <a:off x="6659643" y="4110655"/>
+              <a:ext cx="1717787" cy="1350643"/>
+              <a:chOff x="5567116" y="3157973"/>
+              <a:chExt cx="2286000" cy="1797411"/>
+            </a:xfrm>
+          </p:grpSpPr>
+          <p:pic>
+            <p:nvPicPr>
+              <p:cNvPr id="41" name="Grafik 40">
+                <a:extLst>
+                  <a:ext uri="{FF2B5EF4-FFF2-40B4-BE49-F238E27FC236}">
+                    <a16:creationId xmlns:a16="http://schemas.microsoft.com/office/drawing/2014/main" id="{9034935F-31FA-7729-9AA8-ABBFC59C81CE}"/>
+                  </a:ext>
+                </a:extLst>
+              </p:cNvPr>
+              <p:cNvPicPr>
+                <a:picLocks noChangeAspect="1"/>
+              </p:cNvPicPr>
+              <p:nvPr/>
+            </p:nvPicPr>
+            <p:blipFill rotWithShape="1">
+              <a:blip r:embed="rId5">
+                <a:clrChange>
+                  <a:clrFrom>
+                    <a:srgbClr val="FFFFFF"/>
+                  </a:clrFrom>
+                  <a:clrTo>
+                    <a:srgbClr val="FFFFFF">
+                      <a:alpha val="0"/>
+                    </a:srgbClr>
+                  </a:clrTo>
+                </a:clrChange>
+                <a:extLst>
+                  <a:ext uri="{28A0092B-C50C-407E-A947-70E740481C1C}">
+                    <a14:useLocalDpi xmlns:a14="http://schemas.microsoft.com/office/drawing/2010/main" val="0"/>
+                  </a:ext>
+                </a:extLst>
+              </a:blip>
+              <a:srcRect l="13624" t="22778" r="16887" b="26367"/>
+              <a:stretch/>
+            </p:blipFill>
+            <p:spPr>
+              <a:xfrm>
+                <a:off x="5567116" y="3157973"/>
+                <a:ext cx="2286000" cy="452157"/>
+              </a:xfrm>
+              <a:prstGeom prst="rect">
+                <a:avLst/>
+              </a:prstGeom>
+            </p:spPr>
+          </p:pic>
+          <p:pic>
+            <p:nvPicPr>
+              <p:cNvPr id="45" name="Grafik 44" descr="Ein Bild, das Text, Screenshot, Schrift, weiß enthält.&#10;&#10;Automatisch generierte Beschreibung">
+                <a:extLst>
+                  <a:ext uri="{FF2B5EF4-FFF2-40B4-BE49-F238E27FC236}">
+                    <a16:creationId xmlns:a16="http://schemas.microsoft.com/office/drawing/2014/main" id="{33AAD5F4-0384-0119-3E23-D7F2E947105E}"/>
+                  </a:ext>
+                </a:extLst>
+              </p:cNvPr>
+              <p:cNvPicPr>
+                <a:picLocks noChangeAspect="1"/>
+              </p:cNvPicPr>
+              <p:nvPr/>
+            </p:nvPicPr>
+            <p:blipFill>
+              <a:blip r:embed="rId6">
+                <a:extLst>
+                  <a:ext uri="{28A0092B-C50C-407E-A947-70E740481C1C}">
+                    <a14:useLocalDpi xmlns:a14="http://schemas.microsoft.com/office/drawing/2010/main" val="0"/>
+                  </a:ext>
+                </a:extLst>
+              </a:blip>
+              <a:stretch>
+                <a:fillRect/>
+              </a:stretch>
+            </p:blipFill>
+            <p:spPr>
+              <a:xfrm>
+                <a:off x="6005260" y="3669500"/>
+                <a:ext cx="1409709" cy="1285884"/>
+              </a:xfrm>
+              <a:prstGeom prst="rect">
+                <a:avLst/>
+              </a:prstGeom>
+              <a:ln>
+                <a:solidFill>
+                  <a:schemeClr val="bg2"/>
+                </a:solidFill>
+              </a:ln>
+            </p:spPr>
+          </p:pic>
+        </p:grpSp>
+        <p:pic>
+          <p:nvPicPr>
+            <p:cNvPr id="49" name="Grafik 48">
+              <a:extLst>
+                <a:ext uri="{FF2B5EF4-FFF2-40B4-BE49-F238E27FC236}">
+                  <a16:creationId xmlns:a16="http://schemas.microsoft.com/office/drawing/2014/main" id="{A005B340-7A91-72FF-4595-CF9C1BDD5C33}"/>
+                </a:ext>
+              </a:extLst>
+            </p:cNvPr>
+            <p:cNvPicPr>
+              <a:picLocks noChangeAspect="1"/>
+            </p:cNvPicPr>
+            <p:nvPr/>
+          </p:nvPicPr>
+          <p:blipFill rotWithShape="1">
+            <a:blip r:embed="rId7">
+              <a:extLst>
+                <a:ext uri="{28A0092B-C50C-407E-A947-70E740481C1C}">
+                  <a14:useLocalDpi xmlns:a14="http://schemas.microsoft.com/office/drawing/2010/main" val="0"/>
+                </a:ext>
+                <a:ext uri="{96DAC541-7B7A-43D3-8B79-37D633B846F1}">
+                  <asvg:svgBlip xmlns:asvg="http://schemas.microsoft.com/office/drawing/2016/SVG/main" r:embed="rId8"/>
+                </a:ext>
+              </a:extLst>
+            </a:blip>
+            <a:srcRect l="20183" r="20950"/>
+            <a:stretch/>
+          </p:blipFill>
+          <p:spPr>
+            <a:xfrm>
+              <a:off x="2210479" y="2558908"/>
+              <a:ext cx="1254892" cy="870092"/>
+            </a:xfrm>
+            <a:prstGeom prst="rect">
+              <a:avLst/>
+            </a:prstGeom>
+          </p:spPr>
+        </p:pic>
+        <p:pic>
+          <p:nvPicPr>
+            <p:cNvPr id="50" name="Grafik 49" descr="Ein Bild, das Grafiken, Clipart, Grafikdesign, Logo enthält.&#10;&#10;Automatisch generierte Beschreibung">
+              <a:extLst>
+                <a:ext uri="{FF2B5EF4-FFF2-40B4-BE49-F238E27FC236}">
+                  <a16:creationId xmlns:a16="http://schemas.microsoft.com/office/drawing/2014/main" id="{04E59CC8-26EC-CBE8-F8EE-26468996FE24}"/>
+                </a:ext>
+              </a:extLst>
+            </p:cNvPr>
+            <p:cNvPicPr>
+              <a:picLocks noChangeAspect="1"/>
+            </p:cNvPicPr>
+            <p:nvPr/>
+          </p:nvPicPr>
+          <p:blipFill>
+            <a:blip r:embed="rId9">
+              <a:extLst>
+                <a:ext uri="{28A0092B-C50C-407E-A947-70E740481C1C}">
+                  <a14:useLocalDpi xmlns:a14="http://schemas.microsoft.com/office/drawing/2010/main" val="0"/>
+                </a:ext>
+              </a:extLst>
+            </a:blip>
+            <a:stretch>
+              <a:fillRect/>
+            </a:stretch>
+          </p:blipFill>
+          <p:spPr>
+            <a:xfrm>
+              <a:off x="1842070" y="651074"/>
+              <a:ext cx="1991710" cy="995855"/>
+            </a:xfrm>
+            <a:prstGeom prst="rect">
+              <a:avLst/>
+            </a:prstGeom>
+          </p:spPr>
+        </p:pic>
+        <p:grpSp>
+          <p:nvGrpSpPr>
+            <p:cNvPr id="1035" name="Gruppieren 1034">
+              <a:extLst>
+                <a:ext uri="{FF2B5EF4-FFF2-40B4-BE49-F238E27FC236}">
+                  <a16:creationId xmlns:a16="http://schemas.microsoft.com/office/drawing/2014/main" id="{E49D46B7-C958-FE11-D2E9-ED675A19B6B6}"/>
+                </a:ext>
+              </a:extLst>
+            </p:cNvPr>
+            <p:cNvGrpSpPr/>
+            <p:nvPr/>
+          </p:nvGrpSpPr>
+          <p:grpSpPr>
+            <a:xfrm>
+              <a:off x="3417298" y="4634027"/>
+              <a:ext cx="276999" cy="825782"/>
+              <a:chOff x="1267360" y="3456218"/>
+              <a:chExt cx="276999" cy="825782"/>
+            </a:xfrm>
+          </p:grpSpPr>
+          <p:sp>
+            <p:nvSpPr>
+              <p:cNvPr id="1028" name="Textfeld 1027">
+                <a:extLst>
+                  <a:ext uri="{FF2B5EF4-FFF2-40B4-BE49-F238E27FC236}">
+                    <a16:creationId xmlns:a16="http://schemas.microsoft.com/office/drawing/2014/main" id="{D59F3B35-4D35-527A-4E39-27E93B8BD9F5}"/>
+                  </a:ext>
+                </a:extLst>
+              </p:cNvPr>
+              <p:cNvSpPr txBox="1"/>
+              <p:nvPr/>
+            </p:nvSpPr>
+            <p:spPr>
+              <a:xfrm rot="16200000">
+                <a:off x="1038547" y="3685031"/>
+                <a:ext cx="734625" cy="276999"/>
+              </a:xfrm>
+              <a:prstGeom prst="rect">
+                <a:avLst/>
+              </a:prstGeom>
+              <a:noFill/>
+            </p:spPr>
+            <p:txBody>
+              <a:bodyPr wrap="none" rtlCol="0">
+                <a:spAutoFit/>
+              </a:bodyPr>
+              <a:lstStyle/>
+              <a:p>
+                <a:r>
+                  <a:rPr lang="de-DE" sz="1200" b="1" dirty="0" err="1"/>
+                  <a:t>dvc</a:t>
+                </a:r>
+                <a:r>
+                  <a:rPr lang="de-DE" sz="1200" b="1" dirty="0"/>
+                  <a:t> pull</a:t>
+                </a:r>
+              </a:p>
+            </p:txBody>
+          </p:sp>
+          <p:sp>
+            <p:nvSpPr>
+              <p:cNvPr id="1032" name="Ellipse 1031">
+                <a:extLst>
+                  <a:ext uri="{FF2B5EF4-FFF2-40B4-BE49-F238E27FC236}">
+                    <a16:creationId xmlns:a16="http://schemas.microsoft.com/office/drawing/2014/main" id="{F7102E9A-03FB-79EE-23E2-6DA709EAD1BA}"/>
+                  </a:ext>
+                </a:extLst>
+              </p:cNvPr>
+              <p:cNvSpPr/>
+              <p:nvPr/>
+            </p:nvSpPr>
+            <p:spPr>
+              <a:xfrm>
+                <a:off x="1369412" y="4176897"/>
+                <a:ext cx="105103" cy="105103"/>
+              </a:xfrm>
+              <a:prstGeom prst="ellipse">
+                <a:avLst/>
+              </a:prstGeom>
+              <a:solidFill>
+                <a:schemeClr val="tx1"/>
+              </a:solidFill>
+              <a:ln>
+                <a:solidFill>
+                  <a:schemeClr val="tx1"/>
+                </a:solidFill>
+              </a:ln>
+            </p:spPr>
+            <p:style>
+              <a:lnRef idx="2">
+                <a:schemeClr val="accent1">
+                  <a:shade val="15000"/>
+                </a:schemeClr>
+              </a:lnRef>
+              <a:fillRef idx="1">
+                <a:schemeClr val="accent1"/>
+              </a:fillRef>
+              <a:effectRef idx="0">
+                <a:schemeClr val="accent1"/>
+              </a:effectRef>
+              <a:fontRef idx="minor">
+                <a:schemeClr val="lt1"/>
+              </a:fontRef>
+            </p:style>
+            <p:txBody>
+              <a:bodyPr rtlCol="0" anchor="ctr"/>
+              <a:lstStyle/>
+              <a:p>
+                <a:pPr algn="ctr"/>
+                <a:endParaRPr lang="de-DE" sz="1200"/>
+              </a:p>
+            </p:txBody>
+          </p:sp>
+        </p:grpSp>
+        <p:cxnSp>
+          <p:nvCxnSpPr>
+            <p:cNvPr id="1037" name="Gerader Verbinder 1036">
+              <a:extLst>
+                <a:ext uri="{FF2B5EF4-FFF2-40B4-BE49-F238E27FC236}">
+                  <a16:creationId xmlns:a16="http://schemas.microsoft.com/office/drawing/2014/main" id="{AC18BF96-6986-1E3F-A308-CA89E0F46119}"/>
+                </a:ext>
+              </a:extLst>
+            </p:cNvPr>
+            <p:cNvCxnSpPr/>
+            <p:nvPr/>
+          </p:nvCxnSpPr>
+          <p:spPr>
+            <a:xfrm>
+              <a:off x="9516291" y="421277"/>
+              <a:ext cx="0" cy="6015446"/>
+            </a:xfrm>
+            <a:prstGeom prst="line">
+              <a:avLst/>
+            </a:prstGeom>
+            <a:ln>
+              <a:solidFill>
+                <a:schemeClr val="bg1">
+                  <a:lumMod val="75000"/>
+                </a:schemeClr>
+              </a:solidFill>
+              <a:prstDash val="dash"/>
+            </a:ln>
+          </p:spPr>
+          <p:style>
+            <a:lnRef idx="2">
+              <a:schemeClr val="dk1"/>
+            </a:lnRef>
+            <a:fillRef idx="0">
+              <a:schemeClr val="dk1"/>
+            </a:fillRef>
+            <a:effectRef idx="1">
+              <a:schemeClr val="dk1"/>
+            </a:effectRef>
+            <a:fontRef idx="minor">
+              <a:schemeClr val="tx1"/>
+            </a:fontRef>
+          </p:style>
+        </p:cxnSp>
+        <p:grpSp>
+          <p:nvGrpSpPr>
+            <p:cNvPr id="1042" name="Gruppieren 1041">
+              <a:extLst>
+                <a:ext uri="{FF2B5EF4-FFF2-40B4-BE49-F238E27FC236}">
+                  <a16:creationId xmlns:a16="http://schemas.microsoft.com/office/drawing/2014/main" id="{4731A799-D28A-F9DB-456D-9B3749D9A1F5}"/>
+                </a:ext>
+              </a:extLst>
+            </p:cNvPr>
+            <p:cNvGrpSpPr/>
+            <p:nvPr/>
+          </p:nvGrpSpPr>
+          <p:grpSpPr>
+            <a:xfrm>
+              <a:off x="10349211" y="4771894"/>
+              <a:ext cx="959604" cy="1204954"/>
+              <a:chOff x="10307773" y="2859567"/>
+              <a:chExt cx="959604" cy="1204954"/>
+            </a:xfrm>
+          </p:grpSpPr>
+          <p:pic>
+            <p:nvPicPr>
+              <p:cNvPr id="1039" name="Grafik 1038" descr="Ein Bild, das Schwarz, Dunkelheit enthält.&#10;&#10;Automatisch generierte Beschreibung">
+                <a:extLst>
+                  <a:ext uri="{FF2B5EF4-FFF2-40B4-BE49-F238E27FC236}">
+                    <a16:creationId xmlns:a16="http://schemas.microsoft.com/office/drawing/2014/main" id="{D7BF6AA7-0C7C-5237-ACCF-FB43F6E7B0E5}"/>
+                  </a:ext>
+                </a:extLst>
+              </p:cNvPr>
+              <p:cNvPicPr>
+                <a:picLocks noChangeAspect="1"/>
+              </p:cNvPicPr>
+              <p:nvPr/>
+            </p:nvPicPr>
+            <p:blipFill>
+              <a:blip r:embed="rId10">
+                <a:extLst>
+                  <a:ext uri="{28A0092B-C50C-407E-A947-70E740481C1C}">
+                    <a14:useLocalDpi xmlns:a14="http://schemas.microsoft.com/office/drawing/2010/main" val="0"/>
+                  </a:ext>
+                </a:extLst>
+              </a:blip>
+              <a:stretch>
+                <a:fillRect/>
+              </a:stretch>
+            </p:blipFill>
+            <p:spPr>
+              <a:xfrm>
+                <a:off x="10307773" y="2859567"/>
+                <a:ext cx="959604" cy="959604"/>
+              </a:xfrm>
+              <a:prstGeom prst="rect">
+                <a:avLst/>
+              </a:prstGeom>
+            </p:spPr>
+          </p:pic>
+          <p:sp>
+            <p:nvSpPr>
+              <p:cNvPr id="1041" name="Textfeld 1040">
+                <a:extLst>
+                  <a:ext uri="{FF2B5EF4-FFF2-40B4-BE49-F238E27FC236}">
+                    <a16:creationId xmlns:a16="http://schemas.microsoft.com/office/drawing/2014/main" id="{232AFE52-762E-7293-6D7C-ED44E15EBD07}"/>
+                  </a:ext>
+                </a:extLst>
+              </p:cNvPr>
+              <p:cNvSpPr txBox="1"/>
+              <p:nvPr/>
+            </p:nvSpPr>
+            <p:spPr>
+              <a:xfrm>
+                <a:off x="10476785" y="3725967"/>
+                <a:ext cx="621580" cy="338554"/>
+              </a:xfrm>
+              <a:prstGeom prst="rect">
+                <a:avLst/>
+              </a:prstGeom>
+              <a:noFill/>
+            </p:spPr>
+            <p:txBody>
+              <a:bodyPr wrap="none" rtlCol="0">
+                <a:spAutoFit/>
+              </a:bodyPr>
+              <a:lstStyle/>
+              <a:p>
+                <a:r>
+                  <a:rPr lang="de-DE" sz="1600" b="1" dirty="0"/>
+                  <a:t>User</a:t>
+                </a:r>
+              </a:p>
+            </p:txBody>
+          </p:sp>
+        </p:grpSp>
+        <p:pic>
+          <p:nvPicPr>
+            <p:cNvPr id="1044" name="Grafik 1043" descr="Ein Bild, das Schwarz, Dunkelheit enthält.&#10;&#10;Automatisch generierte Beschreibung">
+              <a:extLst>
+                <a:ext uri="{FF2B5EF4-FFF2-40B4-BE49-F238E27FC236}">
+                  <a16:creationId xmlns:a16="http://schemas.microsoft.com/office/drawing/2014/main" id="{FABB6E44-D93A-8CB8-F13E-934DDAEE075D}"/>
+                </a:ext>
+              </a:extLst>
+            </p:cNvPr>
+            <p:cNvPicPr>
+              <a:picLocks noChangeAspect="1"/>
+            </p:cNvPicPr>
+            <p:nvPr/>
+          </p:nvPicPr>
+          <p:blipFill>
+            <a:blip r:embed="rId11">
+              <a:extLst>
+                <a:ext uri="{28A0092B-C50C-407E-A947-70E740481C1C}">
+                  <a14:useLocalDpi xmlns:a14="http://schemas.microsoft.com/office/drawing/2010/main" val="0"/>
+                </a:ext>
+              </a:extLst>
+            </a:blip>
+            <a:stretch>
+              <a:fillRect/>
+            </a:stretch>
+          </p:blipFill>
+          <p:spPr>
+            <a:xfrm>
+              <a:off x="10104982" y="1961319"/>
+              <a:ext cx="1396210" cy="1041703"/>
+            </a:xfrm>
+            <a:prstGeom prst="rect">
+              <a:avLst/>
+            </a:prstGeom>
+          </p:spPr>
+        </p:pic>
+        <p:cxnSp>
+          <p:nvCxnSpPr>
+            <p:cNvPr id="1050" name="Gerade Verbindung mit Pfeil 1049">
+              <a:extLst>
+                <a:ext uri="{FF2B5EF4-FFF2-40B4-BE49-F238E27FC236}">
+                  <a16:creationId xmlns:a16="http://schemas.microsoft.com/office/drawing/2014/main" id="{19849E92-AEC9-8AD4-90E5-253188EB3603}"/>
+                </a:ext>
+              </a:extLst>
+            </p:cNvPr>
+            <p:cNvCxnSpPr>
+              <a:cxnSpLocks/>
+            </p:cNvCxnSpPr>
+            <p:nvPr/>
+          </p:nvCxnSpPr>
+          <p:spPr>
+            <a:xfrm>
+              <a:off x="2837925" y="1731837"/>
+              <a:ext cx="0" cy="783948"/>
+            </a:xfrm>
+            <a:prstGeom prst="straightConnector1">
+              <a:avLst/>
+            </a:prstGeom>
+            <a:ln>
+              <a:headEnd type="triangle"/>
+              <a:tailEnd type="triangle"/>
+            </a:ln>
+          </p:spPr>
+          <p:style>
+            <a:lnRef idx="2">
+              <a:schemeClr val="dk1"/>
+            </a:lnRef>
+            <a:fillRef idx="0">
+              <a:schemeClr val="dk1"/>
+            </a:fillRef>
+            <a:effectRef idx="1">
+              <a:schemeClr val="dk1"/>
+            </a:effectRef>
+            <a:fontRef idx="minor">
+              <a:schemeClr val="tx1"/>
+            </a:fontRef>
+          </p:style>
+        </p:cxnSp>
+        <p:cxnSp>
+          <p:nvCxnSpPr>
+            <p:cNvPr id="1062" name="Verbinder: gewinkelt 1061">
+              <a:extLst>
+                <a:ext uri="{FF2B5EF4-FFF2-40B4-BE49-F238E27FC236}">
+                  <a16:creationId xmlns:a16="http://schemas.microsoft.com/office/drawing/2014/main" id="{54F373CA-02F0-CA64-FF65-49E562CF5264}"/>
+                </a:ext>
+              </a:extLst>
+            </p:cNvPr>
+            <p:cNvCxnSpPr>
+              <a:stCxn id="12" idx="3"/>
+              <a:endCxn id="7" idx="2"/>
+            </p:cNvCxnSpPr>
+            <p:nvPr/>
+          </p:nvCxnSpPr>
+          <p:spPr>
+            <a:xfrm flipV="1">
+              <a:off x="5183692" y="3578801"/>
+              <a:ext cx="1287762" cy="1837884"/>
+            </a:xfrm>
+            <a:prstGeom prst="bentConnector2">
+              <a:avLst/>
+            </a:prstGeom>
+            <a:ln>
+              <a:solidFill>
+                <a:schemeClr val="tx1"/>
+              </a:solidFill>
+              <a:tailEnd type="triangle"/>
+            </a:ln>
+          </p:spPr>
+          <p:style>
+            <a:lnRef idx="2">
+              <a:schemeClr val="accent1"/>
+            </a:lnRef>
+            <a:fillRef idx="0">
+              <a:schemeClr val="accent1"/>
+            </a:fillRef>
+            <a:effectRef idx="1">
+              <a:schemeClr val="accent1"/>
+            </a:effectRef>
+            <a:fontRef idx="minor">
+              <a:schemeClr val="tx1"/>
+            </a:fontRef>
+          </p:style>
+        </p:cxnSp>
+        <p:cxnSp>
+          <p:nvCxnSpPr>
+            <p:cNvPr id="1064" name="Verbinder: gewinkelt 1063">
+              <a:extLst>
+                <a:ext uri="{FF2B5EF4-FFF2-40B4-BE49-F238E27FC236}">
+                  <a16:creationId xmlns:a16="http://schemas.microsoft.com/office/drawing/2014/main" id="{B9187E88-7AD9-D6B3-2251-ED908C7AFA40}"/>
+                </a:ext>
+              </a:extLst>
+            </p:cNvPr>
+            <p:cNvCxnSpPr>
+              <a:cxnSpLocks/>
+              <a:endCxn id="41" idx="0"/>
+            </p:cNvCxnSpPr>
+            <p:nvPr/>
+          </p:nvCxnSpPr>
+          <p:spPr>
+            <a:xfrm>
+              <a:off x="6659643" y="3623414"/>
+              <a:ext cx="858894" cy="487241"/>
+            </a:xfrm>
+            <a:prstGeom prst="bentConnector2">
+              <a:avLst/>
+            </a:prstGeom>
+            <a:ln>
+              <a:tailEnd type="triangle"/>
+            </a:ln>
+          </p:spPr>
+          <p:style>
+            <a:lnRef idx="2">
+              <a:schemeClr val="dk1"/>
+            </a:lnRef>
+            <a:fillRef idx="0">
+              <a:schemeClr val="dk1"/>
+            </a:fillRef>
+            <a:effectRef idx="1">
+              <a:schemeClr val="dk1"/>
+            </a:effectRef>
+            <a:fontRef idx="minor">
+              <a:schemeClr val="tx1"/>
+            </a:fontRef>
+          </p:style>
+        </p:cxnSp>
+        <p:cxnSp>
+          <p:nvCxnSpPr>
+            <p:cNvPr id="1072" name="Gerade Verbindung mit Pfeil 1071">
+              <a:extLst>
+                <a:ext uri="{FF2B5EF4-FFF2-40B4-BE49-F238E27FC236}">
+                  <a16:creationId xmlns:a16="http://schemas.microsoft.com/office/drawing/2014/main" id="{2565ECE2-78C8-CFDE-2A08-69880A480A46}"/>
+                </a:ext>
+              </a:extLst>
+            </p:cNvPr>
+            <p:cNvCxnSpPr>
+              <a:cxnSpLocks/>
+            </p:cNvCxnSpPr>
+            <p:nvPr/>
+          </p:nvCxnSpPr>
+          <p:spPr>
+            <a:xfrm>
+              <a:off x="10804547" y="3429000"/>
+              <a:ext cx="0" cy="1148480"/>
+            </a:xfrm>
+            <a:prstGeom prst="straightConnector1">
+              <a:avLst/>
+            </a:prstGeom>
+            <a:ln>
+              <a:solidFill>
+                <a:schemeClr val="tx1"/>
+              </a:solidFill>
+              <a:headEnd type="triangle"/>
+              <a:tailEnd type="triangle"/>
+            </a:ln>
+          </p:spPr>
+          <p:style>
+            <a:lnRef idx="2">
+              <a:schemeClr val="accent1"/>
+            </a:lnRef>
+            <a:fillRef idx="0">
+              <a:schemeClr val="accent1"/>
+            </a:fillRef>
+            <a:effectRef idx="1">
+              <a:schemeClr val="accent1"/>
+            </a:effectRef>
+            <a:fontRef idx="minor">
+              <a:schemeClr val="tx1"/>
+            </a:fontRef>
+          </p:style>
+        </p:cxnSp>
+        <p:cxnSp>
+          <p:nvCxnSpPr>
+            <p:cNvPr id="1078" name="Gerade Verbindung mit Pfeil 1077">
+              <a:extLst>
+                <a:ext uri="{FF2B5EF4-FFF2-40B4-BE49-F238E27FC236}">
+                  <a16:creationId xmlns:a16="http://schemas.microsoft.com/office/drawing/2014/main" id="{5EAE0CC9-2591-DE3A-7D06-1ABBA985AF5C}"/>
+                </a:ext>
+              </a:extLst>
+            </p:cNvPr>
+            <p:cNvCxnSpPr>
+              <a:cxnSpLocks/>
+            </p:cNvCxnSpPr>
+            <p:nvPr/>
+          </p:nvCxnSpPr>
+          <p:spPr>
+            <a:xfrm>
+              <a:off x="7158445" y="2898041"/>
+              <a:ext cx="2743200" cy="0"/>
+            </a:xfrm>
+            <a:prstGeom prst="straightConnector1">
+              <a:avLst/>
+            </a:prstGeom>
+            <a:ln>
+              <a:tailEnd type="triangle"/>
+            </a:ln>
+          </p:spPr>
+          <p:style>
+            <a:lnRef idx="2">
+              <a:schemeClr val="dk1"/>
+            </a:lnRef>
+            <a:fillRef idx="0">
+              <a:schemeClr val="dk1"/>
+            </a:fillRef>
+            <a:effectRef idx="1">
+              <a:schemeClr val="dk1"/>
+            </a:effectRef>
+            <a:fontRef idx="minor">
+              <a:schemeClr val="tx1"/>
+            </a:fontRef>
+          </p:style>
+        </p:cxnSp>
+        <p:cxnSp>
+          <p:nvCxnSpPr>
+            <p:cNvPr id="1084" name="Verbinder: gewinkelt 1083">
+              <a:extLst>
+                <a:ext uri="{FF2B5EF4-FFF2-40B4-BE49-F238E27FC236}">
+                  <a16:creationId xmlns:a16="http://schemas.microsoft.com/office/drawing/2014/main" id="{26951591-36D7-B5A1-9441-9120C503AE8C}"/>
+                </a:ext>
+              </a:extLst>
+            </p:cNvPr>
+            <p:cNvCxnSpPr>
+              <a:cxnSpLocks/>
+              <a:stCxn id="12" idx="1"/>
+            </p:cNvCxnSpPr>
+            <p:nvPr/>
+          </p:nvCxnSpPr>
+          <p:spPr>
+            <a:xfrm rot="10800000">
+              <a:off x="2830204" y="3679339"/>
+              <a:ext cx="1483396" cy="1737347"/>
+            </a:xfrm>
+            <a:prstGeom prst="bentConnector2">
+              <a:avLst/>
+            </a:prstGeom>
+            <a:ln>
+              <a:headEnd type="triangle"/>
+              <a:tailEnd type="none"/>
+            </a:ln>
+          </p:spPr>
+          <p:style>
+            <a:lnRef idx="2">
+              <a:schemeClr val="dk1"/>
+            </a:lnRef>
+            <a:fillRef idx="0">
+              <a:schemeClr val="dk1"/>
+            </a:fillRef>
+            <a:effectRef idx="1">
+              <a:schemeClr val="dk1"/>
+            </a:effectRef>
+            <a:fontRef idx="minor">
+              <a:schemeClr val="tx1"/>
+            </a:fontRef>
+          </p:style>
+        </p:cxnSp>
+        <p:sp>
+          <p:nvSpPr>
+            <p:cNvPr id="1094" name="Textfeld 1093">
+              <a:extLst>
+                <a:ext uri="{FF2B5EF4-FFF2-40B4-BE49-F238E27FC236}">
+                  <a16:creationId xmlns:a16="http://schemas.microsoft.com/office/drawing/2014/main" id="{2D36DA96-DC70-D0DF-7770-5137F0D43B94}"/>
+                </a:ext>
+              </a:extLst>
+            </p:cNvPr>
+            <p:cNvSpPr txBox="1"/>
+            <p:nvPr/>
+          </p:nvSpPr>
+          <p:spPr>
+            <a:xfrm>
+              <a:off x="4080511" y="1777773"/>
+              <a:ext cx="1340752" cy="276999"/>
+            </a:xfrm>
+            <a:prstGeom prst="rect">
+              <a:avLst/>
+            </a:prstGeom>
+            <a:noFill/>
+          </p:spPr>
+          <p:txBody>
+            <a:bodyPr wrap="none" rtlCol="0">
+              <a:spAutoFit/>
+            </a:bodyPr>
+            <a:lstStyle/>
+            <a:p>
+              <a:r>
+                <a:rPr lang="de-DE" sz="1200" b="1" dirty="0" err="1"/>
+                <a:t>load</a:t>
+              </a:r>
+              <a:r>
+                <a:rPr lang="de-DE" sz="1200" b="1" dirty="0"/>
+                <a:t> </a:t>
+              </a:r>
+              <a:r>
+                <a:rPr lang="de-DE" sz="1200" b="1" dirty="0" err="1"/>
+                <a:t>best</a:t>
+              </a:r>
+              <a:r>
+                <a:rPr lang="de-DE" sz="1200" b="1" dirty="0"/>
+                <a:t> </a:t>
+              </a:r>
+              <a:r>
+                <a:rPr lang="de-DE" sz="1200" b="1" dirty="0" err="1"/>
+                <a:t>model</a:t>
+              </a:r>
+              <a:r>
+                <a:rPr lang="de-DE" sz="1200" b="1" dirty="0"/>
+                <a:t> </a:t>
+              </a:r>
+            </a:p>
+          </p:txBody>
+        </p:sp>
+        <p:cxnSp>
+          <p:nvCxnSpPr>
+            <p:cNvPr id="1096" name="Verbinder: gewinkelt 1095">
+              <a:extLst>
+                <a:ext uri="{FF2B5EF4-FFF2-40B4-BE49-F238E27FC236}">
+                  <a16:creationId xmlns:a16="http://schemas.microsoft.com/office/drawing/2014/main" id="{D31F4193-974C-C258-26F2-7504E1A241C2}"/>
+                </a:ext>
+              </a:extLst>
+            </p:cNvPr>
+            <p:cNvCxnSpPr/>
+            <p:nvPr/>
+          </p:nvCxnSpPr>
+          <p:spPr>
+            <a:xfrm flipV="1">
+              <a:off x="3624453" y="2054772"/>
+              <a:ext cx="6277192" cy="948250"/>
+            </a:xfrm>
+            <a:prstGeom prst="bentConnector3">
+              <a:avLst>
+                <a:gd name="adj1" fmla="val 6718"/>
+              </a:avLst>
+            </a:prstGeom>
+            <a:ln>
+              <a:tailEnd type="triangle"/>
+            </a:ln>
+          </p:spPr>
+          <p:style>
+            <a:lnRef idx="2">
+              <a:schemeClr val="dk1"/>
+            </a:lnRef>
+            <a:fillRef idx="0">
+              <a:schemeClr val="dk1"/>
+            </a:fillRef>
+            <a:effectRef idx="1">
+              <a:schemeClr val="dk1"/>
+            </a:effectRef>
+            <a:fontRef idx="minor">
+              <a:schemeClr val="tx1"/>
+            </a:fontRef>
+          </p:style>
+        </p:cxnSp>
+      </p:grpSp>
+    </p:spTree>
+    <p:extLst>
+      <p:ext uri="{BB962C8B-B14F-4D97-AF65-F5344CB8AC3E}">
+        <p14:creationId xmlns:p14="http://schemas.microsoft.com/office/powerpoint/2010/main" val="2626389848"/>
+      </p:ext>
+    </p:extLst>
+  </p:cSld>
+  <p:clrMapOvr>
+    <a:masterClrMapping/>
+  </p:clrMapOvr>
+</p:sld>
+</file>
+
+<file path=ppt/slides/slide4.xml><?xml version="1.0" encoding="utf-8"?>
+<p:sld xmlns:a="http://schemas.openxmlformats.org/drawingml/2006/main" xmlns:r="http://schemas.openxmlformats.org/officeDocument/2006/relationships" xmlns:p="http://schemas.openxmlformats.org/presentationml/2006/main">
+  <p:cSld>
+    <p:spTree>
+      <p:nvGrpSpPr>
+        <p:cNvPr id="1" name=""/>
+        <p:cNvGrpSpPr/>
+        <p:nvPr/>
+      </p:nvGrpSpPr>
+      <p:grpSpPr>
+        <a:xfrm>
+          <a:off x="0" y="0"/>
+          <a:ext cx="0" cy="0"/>
+          <a:chOff x="0" y="0"/>
+          <a:chExt cx="0" cy="0"/>
+        </a:xfrm>
+      </p:grpSpPr>
+      <p:grpSp>
+        <p:nvGrpSpPr>
+          <p:cNvPr id="2" name="Gruppieren 1">
+            <a:extLst>
+              <a:ext uri="{FF2B5EF4-FFF2-40B4-BE49-F238E27FC236}">
+                <a16:creationId xmlns:a16="http://schemas.microsoft.com/office/drawing/2014/main" id="{16CD3A12-2744-88FE-A72A-6E6F45ED1312}"/>
+              </a:ext>
+            </a:extLst>
+          </p:cNvPr>
+          <p:cNvGrpSpPr/>
+          <p:nvPr/>
+        </p:nvGrpSpPr>
+        <p:grpSpPr>
+          <a:xfrm>
+            <a:off x="1842070" y="421277"/>
+            <a:ext cx="9667385" cy="6052545"/>
+            <a:chOff x="1842070" y="421277"/>
+            <a:chExt cx="9667385" cy="6052545"/>
+          </a:xfrm>
+        </p:grpSpPr>
+        <p:grpSp>
+          <p:nvGrpSpPr>
+            <p:cNvPr id="10" name="Gruppieren 9">
+              <a:extLst>
+                <a:ext uri="{FF2B5EF4-FFF2-40B4-BE49-F238E27FC236}">
+                  <a16:creationId xmlns:a16="http://schemas.microsoft.com/office/drawing/2014/main" id="{FB608D0C-83ED-4261-27B2-96B940149AA7}"/>
+                </a:ext>
+              </a:extLst>
+            </p:cNvPr>
+            <p:cNvGrpSpPr/>
+            <p:nvPr/>
+          </p:nvGrpSpPr>
+          <p:grpSpPr>
+            <a:xfrm>
+              <a:off x="6040547" y="2449036"/>
+              <a:ext cx="861814" cy="1129764"/>
+              <a:chOff x="5234186" y="1804111"/>
+              <a:chExt cx="1723628" cy="2259528"/>
+            </a:xfrm>
+          </p:grpSpPr>
+          <p:pic>
+            <p:nvPicPr>
+              <p:cNvPr id="7" name="Grafik 6" descr="Ein Bild, das Schrift, Grafiken, Screenshot, Logo enthält.&#10;&#10;Automatisch generierte Beschreibung">
+                <a:extLst>
+                  <a:ext uri="{FF2B5EF4-FFF2-40B4-BE49-F238E27FC236}">
+                    <a16:creationId xmlns:a16="http://schemas.microsoft.com/office/drawing/2014/main" id="{BB4A43AD-AD88-D391-E45A-FF6426BFAEFF}"/>
+                  </a:ext>
+                </a:extLst>
+              </p:cNvPr>
+              <p:cNvPicPr>
+                <a:picLocks noChangeAspect="1"/>
+              </p:cNvPicPr>
+              <p:nvPr/>
+            </p:nvPicPr>
+            <p:blipFill>
+              <a:blip r:embed="rId2">
+                <a:extLst>
+                  <a:ext uri="{28A0092B-C50C-407E-A947-70E740481C1C}">
+                    <a14:useLocalDpi xmlns:a14="http://schemas.microsoft.com/office/drawing/2010/main" val="0"/>
+                  </a:ext>
+                </a:extLst>
+              </a:blip>
+              <a:stretch>
+                <a:fillRect/>
+              </a:stretch>
+            </p:blipFill>
+            <p:spPr>
+              <a:xfrm>
+                <a:off x="5322050" y="3429000"/>
+                <a:ext cx="1547899" cy="634639"/>
+              </a:xfrm>
+              <a:prstGeom prst="rect">
+                <a:avLst/>
+              </a:prstGeom>
+            </p:spPr>
+          </p:pic>
+          <p:pic>
+            <p:nvPicPr>
+              <p:cNvPr id="9" name="Grafik 8" descr="Ein Bild, das Katze, Säugetier, Silhouette enthält.&#10;&#10;Automatisch generierte Beschreibung">
+                <a:extLst>
+                  <a:ext uri="{FF2B5EF4-FFF2-40B4-BE49-F238E27FC236}">
+                    <a16:creationId xmlns:a16="http://schemas.microsoft.com/office/drawing/2014/main" id="{35BD0495-6D75-F277-4EFB-4D0B0B8E6C91}"/>
+                  </a:ext>
+                </a:extLst>
+              </p:cNvPr>
+              <p:cNvPicPr>
+                <a:picLocks noChangeAspect="1"/>
+              </p:cNvPicPr>
+              <p:nvPr/>
+            </p:nvPicPr>
+            <p:blipFill>
+              <a:blip r:embed="rId3">
+                <a:extLst>
+                  <a:ext uri="{28A0092B-C50C-407E-A947-70E740481C1C}">
+                    <a14:useLocalDpi xmlns:a14="http://schemas.microsoft.com/office/drawing/2010/main" val="0"/>
+                  </a:ext>
+                </a:extLst>
+              </a:blip>
+              <a:stretch>
+                <a:fillRect/>
+              </a:stretch>
+            </p:blipFill>
+            <p:spPr>
+              <a:xfrm>
+                <a:off x="5234186" y="1804111"/>
+                <a:ext cx="1723628" cy="1723628"/>
+              </a:xfrm>
+              <a:prstGeom prst="rect">
+                <a:avLst/>
+              </a:prstGeom>
+            </p:spPr>
+          </p:pic>
+        </p:grpSp>
+        <p:grpSp>
+          <p:nvGrpSpPr>
+            <p:cNvPr id="14" name="Gruppieren 13">
+              <a:extLst>
+                <a:ext uri="{FF2B5EF4-FFF2-40B4-BE49-F238E27FC236}">
+                  <a16:creationId xmlns:a16="http://schemas.microsoft.com/office/drawing/2014/main" id="{43D3A2FA-AD6E-2502-5C81-18DA966C82E5}"/>
+                </a:ext>
+              </a:extLst>
+            </p:cNvPr>
+            <p:cNvGrpSpPr/>
+            <p:nvPr/>
+          </p:nvGrpSpPr>
+          <p:grpSpPr>
+            <a:xfrm>
+              <a:off x="4176758" y="4981639"/>
+              <a:ext cx="1143775" cy="1039369"/>
+              <a:chOff x="1325215" y="2993954"/>
+              <a:chExt cx="1143775" cy="1039369"/>
+            </a:xfrm>
+          </p:grpSpPr>
+          <p:pic>
+            <p:nvPicPr>
+              <p:cNvPr id="12" name="Grafik 11" descr="Ein Bild, das Schwarz, Dunkelheit enthält.&#10;&#10;Automatisch generierte Beschreibung">
+                <a:extLst>
+                  <a:ext uri="{FF2B5EF4-FFF2-40B4-BE49-F238E27FC236}">
+                    <a16:creationId xmlns:a16="http://schemas.microsoft.com/office/drawing/2014/main" id="{6CFC4385-662D-7ECF-DF9F-1EAE364C9419}"/>
+                  </a:ext>
+                </a:extLst>
+              </p:cNvPr>
+              <p:cNvPicPr>
+                <a:picLocks noChangeAspect="1"/>
+              </p:cNvPicPr>
+              <p:nvPr/>
+            </p:nvPicPr>
+            <p:blipFill>
+              <a:blip r:embed="rId4">
+                <a:extLst>
+                  <a:ext uri="{28A0092B-C50C-407E-A947-70E740481C1C}">
+                    <a14:useLocalDpi xmlns:a14="http://schemas.microsoft.com/office/drawing/2010/main" val="0"/>
+                  </a:ext>
+                </a:extLst>
+              </a:blip>
+              <a:stretch>
+                <a:fillRect/>
+              </a:stretch>
+            </p:blipFill>
+            <p:spPr>
+              <a:xfrm>
+                <a:off x="1462057" y="2993954"/>
+                <a:ext cx="870092" cy="870092"/>
+              </a:xfrm>
+              <a:prstGeom prst="rect">
+                <a:avLst/>
+              </a:prstGeom>
+            </p:spPr>
+          </p:pic>
+          <p:sp>
+            <p:nvSpPr>
+              <p:cNvPr id="13" name="Textfeld 12">
+                <a:extLst>
+                  <a:ext uri="{FF2B5EF4-FFF2-40B4-BE49-F238E27FC236}">
+                    <a16:creationId xmlns:a16="http://schemas.microsoft.com/office/drawing/2014/main" id="{9B35F1B0-E47A-FC9A-2586-6AD784A795A5}"/>
+                  </a:ext>
+                </a:extLst>
+              </p:cNvPr>
+              <p:cNvSpPr txBox="1"/>
+              <p:nvPr/>
+            </p:nvSpPr>
+            <p:spPr>
+              <a:xfrm>
+                <a:off x="1325215" y="3694769"/>
+                <a:ext cx="1143775" cy="338554"/>
+              </a:xfrm>
+              <a:prstGeom prst="rect">
+                <a:avLst/>
+              </a:prstGeom>
+              <a:noFill/>
+            </p:spPr>
+            <p:txBody>
+              <a:bodyPr wrap="none" rtlCol="0">
+                <a:spAutoFit/>
+              </a:bodyPr>
+              <a:lstStyle/>
+              <a:p>
+                <a:r>
+                  <a:rPr lang="de-DE" sz="1600" b="1" dirty="0"/>
+                  <a:t>Developer</a:t>
+                </a:r>
+              </a:p>
+            </p:txBody>
+          </p:sp>
+        </p:grpSp>
+        <p:grpSp>
+          <p:nvGrpSpPr>
+            <p:cNvPr id="35" name="Gruppieren 34">
+              <a:extLst>
+                <a:ext uri="{FF2B5EF4-FFF2-40B4-BE49-F238E27FC236}">
+                  <a16:creationId xmlns:a16="http://schemas.microsoft.com/office/drawing/2014/main" id="{91CBCD56-18C8-DCD9-3EA0-AEAD5F95010E}"/>
+                </a:ext>
+              </a:extLst>
+            </p:cNvPr>
+            <p:cNvGrpSpPr/>
+            <p:nvPr/>
+          </p:nvGrpSpPr>
+          <p:grpSpPr>
+            <a:xfrm>
+              <a:off x="5337702" y="5371858"/>
+              <a:ext cx="276999" cy="1101964"/>
+              <a:chOff x="2922439" y="3344361"/>
+              <a:chExt cx="276999" cy="1101964"/>
+            </a:xfrm>
+          </p:grpSpPr>
+          <p:sp>
+            <p:nvSpPr>
+              <p:cNvPr id="19" name="Ellipse 18">
+                <a:extLst>
+                  <a:ext uri="{FF2B5EF4-FFF2-40B4-BE49-F238E27FC236}">
+                    <a16:creationId xmlns:a16="http://schemas.microsoft.com/office/drawing/2014/main" id="{0B9BD0F2-86DC-FE22-234B-A84D3EDE5E4B}"/>
+                  </a:ext>
+                </a:extLst>
+              </p:cNvPr>
+              <p:cNvSpPr/>
+              <p:nvPr/>
+            </p:nvSpPr>
+            <p:spPr>
+              <a:xfrm>
+                <a:off x="3006000" y="3344361"/>
+                <a:ext cx="105103" cy="105103"/>
+              </a:xfrm>
+              <a:prstGeom prst="ellipse">
+                <a:avLst/>
+              </a:prstGeom>
+              <a:solidFill>
+                <a:schemeClr val="tx1"/>
+              </a:solidFill>
+              <a:ln>
+                <a:solidFill>
+                  <a:schemeClr val="tx1"/>
+                </a:solidFill>
+              </a:ln>
+            </p:spPr>
+            <p:style>
+              <a:lnRef idx="2">
+                <a:schemeClr val="accent1">
+                  <a:shade val="15000"/>
+                </a:schemeClr>
+              </a:lnRef>
+              <a:fillRef idx="1">
+                <a:schemeClr val="accent1"/>
+              </a:fillRef>
+              <a:effectRef idx="0">
+                <a:schemeClr val="accent1"/>
+              </a:effectRef>
+              <a:fontRef idx="minor">
+                <a:schemeClr val="lt1"/>
+              </a:fontRef>
+            </p:style>
+            <p:txBody>
+              <a:bodyPr rtlCol="0" anchor="ctr"/>
+              <a:lstStyle/>
+              <a:p>
+                <a:pPr algn="ctr"/>
+                <a:endParaRPr lang="de-DE" sz="1200"/>
+              </a:p>
+            </p:txBody>
+          </p:sp>
+          <p:sp>
+            <p:nvSpPr>
+              <p:cNvPr id="24" name="Textfeld 23">
+                <a:extLst>
+                  <a:ext uri="{FF2B5EF4-FFF2-40B4-BE49-F238E27FC236}">
+                    <a16:creationId xmlns:a16="http://schemas.microsoft.com/office/drawing/2014/main" id="{0F3B1A69-1C24-CBAC-4C22-58A0532DB907}"/>
+                  </a:ext>
+                </a:extLst>
+              </p:cNvPr>
+              <p:cNvSpPr txBox="1"/>
+              <p:nvPr/>
+            </p:nvSpPr>
+            <p:spPr>
+              <a:xfrm rot="5400000">
+                <a:off x="2556698" y="3803585"/>
+                <a:ext cx="1008481" cy="276999"/>
+              </a:xfrm>
+              <a:prstGeom prst="rect">
+                <a:avLst/>
+              </a:prstGeom>
+              <a:noFill/>
+            </p:spPr>
+            <p:txBody>
+              <a:bodyPr wrap="none" rtlCol="0">
+                <a:spAutoFit/>
+              </a:bodyPr>
+              <a:lstStyle/>
+              <a:p>
+                <a:r>
+                  <a:rPr lang="de-DE" sz="1200" b="1" dirty="0" err="1"/>
+                  <a:t>pre-commit</a:t>
+                </a:r>
+                <a:endParaRPr lang="de-DE" sz="1200" b="1" dirty="0"/>
+              </a:p>
+            </p:txBody>
+          </p:sp>
+        </p:grpSp>
+        <p:grpSp>
+          <p:nvGrpSpPr>
+            <p:cNvPr id="36" name="Gruppieren 35">
+              <a:extLst>
+                <a:ext uri="{FF2B5EF4-FFF2-40B4-BE49-F238E27FC236}">
+                  <a16:creationId xmlns:a16="http://schemas.microsoft.com/office/drawing/2014/main" id="{93818376-AAA7-0F9E-2BFA-93C03F0EE93B}"/>
+                </a:ext>
+              </a:extLst>
+            </p:cNvPr>
+            <p:cNvGrpSpPr/>
+            <p:nvPr/>
+          </p:nvGrpSpPr>
+          <p:grpSpPr>
+            <a:xfrm>
+              <a:off x="5719636" y="5368652"/>
+              <a:ext cx="276999" cy="830130"/>
+              <a:chOff x="3702199" y="3344361"/>
+              <a:chExt cx="276999" cy="830130"/>
+            </a:xfrm>
+          </p:grpSpPr>
+          <p:sp>
+            <p:nvSpPr>
+              <p:cNvPr id="22" name="Ellipse 21">
+                <a:extLst>
+                  <a:ext uri="{FF2B5EF4-FFF2-40B4-BE49-F238E27FC236}">
+                    <a16:creationId xmlns:a16="http://schemas.microsoft.com/office/drawing/2014/main" id="{9EE11853-E745-ABDA-62BF-496CE6DAFD84}"/>
+                  </a:ext>
+                </a:extLst>
+              </p:cNvPr>
+              <p:cNvSpPr/>
+              <p:nvPr/>
+            </p:nvSpPr>
+            <p:spPr>
+              <a:xfrm>
+                <a:off x="3791648" y="3344361"/>
+                <a:ext cx="105103" cy="105103"/>
+              </a:xfrm>
+              <a:prstGeom prst="ellipse">
+                <a:avLst/>
+              </a:prstGeom>
+              <a:solidFill>
+                <a:schemeClr val="tx1"/>
+              </a:solidFill>
+              <a:ln>
+                <a:solidFill>
+                  <a:schemeClr val="tx1"/>
+                </a:solidFill>
+              </a:ln>
+            </p:spPr>
+            <p:style>
+              <a:lnRef idx="2">
+                <a:schemeClr val="accent1">
+                  <a:shade val="15000"/>
+                </a:schemeClr>
+              </a:lnRef>
+              <a:fillRef idx="1">
+                <a:schemeClr val="accent1"/>
+              </a:fillRef>
+              <a:effectRef idx="0">
+                <a:schemeClr val="accent1"/>
+              </a:effectRef>
+              <a:fontRef idx="minor">
+                <a:schemeClr val="lt1"/>
+              </a:fontRef>
+            </p:style>
+            <p:txBody>
+              <a:bodyPr rtlCol="0" anchor="ctr"/>
+              <a:lstStyle/>
+              <a:p>
+                <a:pPr algn="ctr"/>
+                <a:endParaRPr lang="de-DE" sz="1200"/>
+              </a:p>
+            </p:txBody>
+          </p:sp>
+          <p:sp>
+            <p:nvSpPr>
+              <p:cNvPr id="25" name="Textfeld 24">
+                <a:extLst>
+                  <a:ext uri="{FF2B5EF4-FFF2-40B4-BE49-F238E27FC236}">
+                    <a16:creationId xmlns:a16="http://schemas.microsoft.com/office/drawing/2014/main" id="{A00417C4-1B8E-BC08-445D-96B1CA22A8F9}"/>
+                  </a:ext>
+                </a:extLst>
+              </p:cNvPr>
+              <p:cNvSpPr txBox="1"/>
+              <p:nvPr/>
+            </p:nvSpPr>
+            <p:spPr>
+              <a:xfrm rot="5400000">
+                <a:off x="3477458" y="3672751"/>
+                <a:ext cx="726481" cy="276999"/>
+              </a:xfrm>
+              <a:prstGeom prst="rect">
+                <a:avLst/>
+              </a:prstGeom>
+              <a:noFill/>
+            </p:spPr>
+            <p:txBody>
+              <a:bodyPr wrap="none" rtlCol="0">
+                <a:spAutoFit/>
+              </a:bodyPr>
+              <a:lstStyle/>
+              <a:p>
+                <a:r>
+                  <a:rPr lang="de-DE" sz="1200" b="1" dirty="0" err="1"/>
+                  <a:t>commit</a:t>
+                </a:r>
+                <a:endParaRPr lang="de-DE" sz="1200" b="1" dirty="0"/>
+              </a:p>
+            </p:txBody>
+          </p:sp>
+        </p:grpSp>
+        <p:grpSp>
+          <p:nvGrpSpPr>
+            <p:cNvPr id="37" name="Gruppieren 36">
+              <a:extLst>
+                <a:ext uri="{FF2B5EF4-FFF2-40B4-BE49-F238E27FC236}">
+                  <a16:creationId xmlns:a16="http://schemas.microsoft.com/office/drawing/2014/main" id="{FCFBCE9C-9EEC-F56E-29FE-8EE111949EB2}"/>
+                </a:ext>
+              </a:extLst>
+            </p:cNvPr>
+            <p:cNvGrpSpPr/>
+            <p:nvPr/>
+          </p:nvGrpSpPr>
+          <p:grpSpPr>
+            <a:xfrm>
+              <a:off x="6113561" y="5368652"/>
+              <a:ext cx="276999" cy="627604"/>
+              <a:chOff x="4491347" y="3344361"/>
+              <a:chExt cx="276999" cy="627604"/>
+            </a:xfrm>
+          </p:grpSpPr>
+          <p:sp>
+            <p:nvSpPr>
+              <p:cNvPr id="23" name="Ellipse 22">
+                <a:extLst>
+                  <a:ext uri="{FF2B5EF4-FFF2-40B4-BE49-F238E27FC236}">
+                    <a16:creationId xmlns:a16="http://schemas.microsoft.com/office/drawing/2014/main" id="{FB39D3D4-F6D7-C38C-5688-62E93895646E}"/>
+                  </a:ext>
+                </a:extLst>
+              </p:cNvPr>
+              <p:cNvSpPr/>
+              <p:nvPr/>
+            </p:nvSpPr>
+            <p:spPr>
+              <a:xfrm>
+                <a:off x="4577296" y="3344361"/>
+                <a:ext cx="105103" cy="105103"/>
+              </a:xfrm>
+              <a:prstGeom prst="ellipse">
+                <a:avLst/>
+              </a:prstGeom>
+              <a:solidFill>
+                <a:schemeClr val="tx1"/>
+              </a:solidFill>
+              <a:ln>
+                <a:solidFill>
+                  <a:schemeClr val="tx1"/>
+                </a:solidFill>
+              </a:ln>
+            </p:spPr>
+            <p:style>
+              <a:lnRef idx="2">
+                <a:schemeClr val="accent1">
+                  <a:shade val="15000"/>
+                </a:schemeClr>
+              </a:lnRef>
+              <a:fillRef idx="1">
+                <a:schemeClr val="accent1"/>
+              </a:fillRef>
+              <a:effectRef idx="0">
+                <a:schemeClr val="accent1"/>
+              </a:effectRef>
+              <a:fontRef idx="minor">
+                <a:schemeClr val="lt1"/>
+              </a:fontRef>
+            </p:style>
+            <p:txBody>
+              <a:bodyPr rtlCol="0" anchor="ctr"/>
+              <a:lstStyle/>
+              <a:p>
+                <a:pPr algn="ctr"/>
+                <a:endParaRPr lang="de-DE" sz="1200"/>
+              </a:p>
+            </p:txBody>
+          </p:sp>
+          <p:sp>
+            <p:nvSpPr>
+              <p:cNvPr id="26" name="Textfeld 25">
+                <a:extLst>
+                  <a:ext uri="{FF2B5EF4-FFF2-40B4-BE49-F238E27FC236}">
+                    <a16:creationId xmlns:a16="http://schemas.microsoft.com/office/drawing/2014/main" id="{BEC8BB46-56C8-5F12-679C-6658F2A21F91}"/>
+                  </a:ext>
+                </a:extLst>
+              </p:cNvPr>
+              <p:cNvSpPr txBox="1"/>
+              <p:nvPr/>
+            </p:nvSpPr>
+            <p:spPr>
+              <a:xfrm rot="5400000">
+                <a:off x="4362786" y="3566405"/>
+                <a:ext cx="534121" cy="276999"/>
+              </a:xfrm>
+              <a:prstGeom prst="rect">
+                <a:avLst/>
+              </a:prstGeom>
+              <a:noFill/>
+            </p:spPr>
+            <p:txBody>
+              <a:bodyPr wrap="none" rtlCol="0">
+                <a:spAutoFit/>
+              </a:bodyPr>
+              <a:lstStyle/>
+              <a:p>
+                <a:r>
+                  <a:rPr lang="de-DE" sz="1200" b="1" dirty="0"/>
+                  <a:t>push</a:t>
+                </a:r>
+              </a:p>
+            </p:txBody>
+          </p:sp>
+        </p:grpSp>
+        <p:grpSp>
+          <p:nvGrpSpPr>
+            <p:cNvPr id="46" name="Gruppieren 45">
+              <a:extLst>
+                <a:ext uri="{FF2B5EF4-FFF2-40B4-BE49-F238E27FC236}">
+                  <a16:creationId xmlns:a16="http://schemas.microsoft.com/office/drawing/2014/main" id="{970DFCC2-29DA-5570-93A2-9C41883861C4}"/>
+                </a:ext>
+              </a:extLst>
+            </p:cNvPr>
+            <p:cNvGrpSpPr/>
+            <p:nvPr/>
+          </p:nvGrpSpPr>
+          <p:grpSpPr>
+            <a:xfrm>
+              <a:off x="6659643" y="4110655"/>
+              <a:ext cx="1717787" cy="1350643"/>
+              <a:chOff x="5567116" y="3157973"/>
+              <a:chExt cx="2286000" cy="1797411"/>
+            </a:xfrm>
+          </p:grpSpPr>
+          <p:pic>
+            <p:nvPicPr>
+              <p:cNvPr id="41" name="Grafik 40">
+                <a:extLst>
+                  <a:ext uri="{FF2B5EF4-FFF2-40B4-BE49-F238E27FC236}">
+                    <a16:creationId xmlns:a16="http://schemas.microsoft.com/office/drawing/2014/main" id="{9034935F-31FA-7729-9AA8-ABBFC59C81CE}"/>
+                  </a:ext>
+                </a:extLst>
+              </p:cNvPr>
+              <p:cNvPicPr>
+                <a:picLocks noChangeAspect="1"/>
+              </p:cNvPicPr>
+              <p:nvPr/>
+            </p:nvPicPr>
+            <p:blipFill rotWithShape="1">
+              <a:blip r:embed="rId5">
+                <a:clrChange>
+                  <a:clrFrom>
+                    <a:srgbClr val="FFFFFF"/>
+                  </a:clrFrom>
+                  <a:clrTo>
+                    <a:srgbClr val="FFFFFF">
+                      <a:alpha val="0"/>
+                    </a:srgbClr>
+                  </a:clrTo>
+                </a:clrChange>
+                <a:extLst>
+                  <a:ext uri="{28A0092B-C50C-407E-A947-70E740481C1C}">
+                    <a14:useLocalDpi xmlns:a14="http://schemas.microsoft.com/office/drawing/2010/main" val="0"/>
+                  </a:ext>
+                </a:extLst>
+              </a:blip>
+              <a:srcRect l="13624" t="22778" r="16887" b="26367"/>
+              <a:stretch/>
+            </p:blipFill>
+            <p:spPr>
+              <a:xfrm>
+                <a:off x="5567116" y="3157973"/>
+                <a:ext cx="2286000" cy="452157"/>
+              </a:xfrm>
+              <a:prstGeom prst="rect">
+                <a:avLst/>
+              </a:prstGeom>
+            </p:spPr>
+          </p:pic>
+          <p:pic>
+            <p:nvPicPr>
+              <p:cNvPr id="45" name="Grafik 44" descr="Ein Bild, das Text, Screenshot, Schrift, weiß enthält.&#10;&#10;Automatisch generierte Beschreibung">
+                <a:extLst>
+                  <a:ext uri="{FF2B5EF4-FFF2-40B4-BE49-F238E27FC236}">
+                    <a16:creationId xmlns:a16="http://schemas.microsoft.com/office/drawing/2014/main" id="{33AAD5F4-0384-0119-3E23-D7F2E947105E}"/>
+                  </a:ext>
+                </a:extLst>
+              </p:cNvPr>
+              <p:cNvPicPr>
+                <a:picLocks noChangeAspect="1"/>
+              </p:cNvPicPr>
+              <p:nvPr/>
+            </p:nvPicPr>
+            <p:blipFill>
+              <a:blip r:embed="rId6">
+                <a:extLst>
+                  <a:ext uri="{28A0092B-C50C-407E-A947-70E740481C1C}">
+                    <a14:useLocalDpi xmlns:a14="http://schemas.microsoft.com/office/drawing/2010/main" val="0"/>
+                  </a:ext>
+                </a:extLst>
+              </a:blip>
+              <a:stretch>
+                <a:fillRect/>
+              </a:stretch>
+            </p:blipFill>
+            <p:spPr>
+              <a:xfrm>
+                <a:off x="6005260" y="3669500"/>
+                <a:ext cx="1409709" cy="1285884"/>
+              </a:xfrm>
+              <a:prstGeom prst="rect">
+                <a:avLst/>
+              </a:prstGeom>
+              <a:ln>
+                <a:solidFill>
+                  <a:schemeClr val="bg2"/>
+                </a:solidFill>
+              </a:ln>
+            </p:spPr>
+          </p:pic>
+        </p:grpSp>
+        <p:pic>
+          <p:nvPicPr>
+            <p:cNvPr id="49" name="Grafik 48">
+              <a:extLst>
+                <a:ext uri="{FF2B5EF4-FFF2-40B4-BE49-F238E27FC236}">
+                  <a16:creationId xmlns:a16="http://schemas.microsoft.com/office/drawing/2014/main" id="{A005B340-7A91-72FF-4595-CF9C1BDD5C33}"/>
+                </a:ext>
+              </a:extLst>
+            </p:cNvPr>
+            <p:cNvPicPr>
+              <a:picLocks noChangeAspect="1"/>
+            </p:cNvPicPr>
+            <p:nvPr/>
+          </p:nvPicPr>
+          <p:blipFill rotWithShape="1">
+            <a:blip r:embed="rId7">
+              <a:extLst>
+                <a:ext uri="{28A0092B-C50C-407E-A947-70E740481C1C}">
+                  <a14:useLocalDpi xmlns:a14="http://schemas.microsoft.com/office/drawing/2010/main" val="0"/>
+                </a:ext>
+                <a:ext uri="{96DAC541-7B7A-43D3-8B79-37D633B846F1}">
+                  <asvg:svgBlip xmlns:asvg="http://schemas.microsoft.com/office/drawing/2016/SVG/main" r:embed="rId8"/>
+                </a:ext>
+              </a:extLst>
+            </a:blip>
+            <a:srcRect l="20183" r="20950"/>
+            <a:stretch/>
+          </p:blipFill>
+          <p:spPr>
+            <a:xfrm>
+              <a:off x="2210479" y="2558908"/>
+              <a:ext cx="1254892" cy="870092"/>
+            </a:xfrm>
+            <a:prstGeom prst="rect">
+              <a:avLst/>
+            </a:prstGeom>
+          </p:spPr>
+        </p:pic>
+        <p:pic>
+          <p:nvPicPr>
+            <p:cNvPr id="50" name="Grafik 49" descr="Ein Bild, das Grafiken, Clipart, Grafikdesign, Logo enthält.&#10;&#10;Automatisch generierte Beschreibung">
+              <a:extLst>
+                <a:ext uri="{FF2B5EF4-FFF2-40B4-BE49-F238E27FC236}">
+                  <a16:creationId xmlns:a16="http://schemas.microsoft.com/office/drawing/2014/main" id="{04E59CC8-26EC-CBE8-F8EE-26468996FE24}"/>
+                </a:ext>
+              </a:extLst>
+            </p:cNvPr>
+            <p:cNvPicPr>
+              <a:picLocks noChangeAspect="1"/>
+            </p:cNvPicPr>
+            <p:nvPr/>
+          </p:nvPicPr>
+          <p:blipFill>
+            <a:blip r:embed="rId9">
+              <a:extLst>
+                <a:ext uri="{28A0092B-C50C-407E-A947-70E740481C1C}">
+                  <a14:useLocalDpi xmlns:a14="http://schemas.microsoft.com/office/drawing/2010/main" val="0"/>
+                </a:ext>
+              </a:extLst>
+            </a:blip>
+            <a:stretch>
+              <a:fillRect/>
+            </a:stretch>
+          </p:blipFill>
+          <p:spPr>
+            <a:xfrm>
+              <a:off x="1842070" y="651074"/>
+              <a:ext cx="1991710" cy="995855"/>
+            </a:xfrm>
+            <a:prstGeom prst="rect">
+              <a:avLst/>
+            </a:prstGeom>
+          </p:spPr>
+        </p:pic>
+        <p:grpSp>
+          <p:nvGrpSpPr>
+            <p:cNvPr id="1035" name="Gruppieren 1034">
+              <a:extLst>
+                <a:ext uri="{FF2B5EF4-FFF2-40B4-BE49-F238E27FC236}">
+                  <a16:creationId xmlns:a16="http://schemas.microsoft.com/office/drawing/2014/main" id="{E49D46B7-C958-FE11-D2E9-ED675A19B6B6}"/>
+                </a:ext>
+              </a:extLst>
+            </p:cNvPr>
+            <p:cNvGrpSpPr/>
+            <p:nvPr/>
+          </p:nvGrpSpPr>
+          <p:grpSpPr>
+            <a:xfrm>
+              <a:off x="3417298" y="4634027"/>
+              <a:ext cx="276999" cy="825782"/>
+              <a:chOff x="1267360" y="3456218"/>
+              <a:chExt cx="276999" cy="825782"/>
+            </a:xfrm>
+          </p:grpSpPr>
+          <p:sp>
+            <p:nvSpPr>
+              <p:cNvPr id="1028" name="Textfeld 1027">
+                <a:extLst>
+                  <a:ext uri="{FF2B5EF4-FFF2-40B4-BE49-F238E27FC236}">
+                    <a16:creationId xmlns:a16="http://schemas.microsoft.com/office/drawing/2014/main" id="{D59F3B35-4D35-527A-4E39-27E93B8BD9F5}"/>
+                  </a:ext>
+                </a:extLst>
+              </p:cNvPr>
+              <p:cNvSpPr txBox="1"/>
+              <p:nvPr/>
+            </p:nvSpPr>
+            <p:spPr>
+              <a:xfrm rot="16200000">
+                <a:off x="1038547" y="3685031"/>
+                <a:ext cx="734625" cy="276999"/>
+              </a:xfrm>
+              <a:prstGeom prst="rect">
+                <a:avLst/>
+              </a:prstGeom>
+              <a:noFill/>
+            </p:spPr>
+            <p:txBody>
+              <a:bodyPr wrap="none" rtlCol="0">
+                <a:spAutoFit/>
+              </a:bodyPr>
+              <a:lstStyle/>
+              <a:p>
+                <a:r>
+                  <a:rPr lang="de-DE" sz="1200" b="1" dirty="0" err="1"/>
+                  <a:t>dvc</a:t>
+                </a:r>
+                <a:r>
+                  <a:rPr lang="de-DE" sz="1200" b="1" dirty="0"/>
+                  <a:t> pull</a:t>
+                </a:r>
+              </a:p>
+            </p:txBody>
+          </p:sp>
+          <p:sp>
+            <p:nvSpPr>
+              <p:cNvPr id="1032" name="Ellipse 1031">
+                <a:extLst>
+                  <a:ext uri="{FF2B5EF4-FFF2-40B4-BE49-F238E27FC236}">
+                    <a16:creationId xmlns:a16="http://schemas.microsoft.com/office/drawing/2014/main" id="{F7102E9A-03FB-79EE-23E2-6DA709EAD1BA}"/>
+                  </a:ext>
+                </a:extLst>
+              </p:cNvPr>
+              <p:cNvSpPr/>
+              <p:nvPr/>
+            </p:nvSpPr>
+            <p:spPr>
+              <a:xfrm>
+                <a:off x="1369412" y="4176897"/>
+                <a:ext cx="105103" cy="105103"/>
+              </a:xfrm>
+              <a:prstGeom prst="ellipse">
+                <a:avLst/>
+              </a:prstGeom>
+              <a:solidFill>
+                <a:schemeClr val="tx1"/>
+              </a:solidFill>
+              <a:ln>
+                <a:solidFill>
+                  <a:schemeClr val="tx1"/>
+                </a:solidFill>
+              </a:ln>
+            </p:spPr>
+            <p:style>
+              <a:lnRef idx="2">
+                <a:schemeClr val="accent1">
+                  <a:shade val="15000"/>
+                </a:schemeClr>
+              </a:lnRef>
+              <a:fillRef idx="1">
+                <a:schemeClr val="accent1"/>
+              </a:fillRef>
+              <a:effectRef idx="0">
+                <a:schemeClr val="accent1"/>
+              </a:effectRef>
+              <a:fontRef idx="minor">
+                <a:schemeClr val="lt1"/>
+              </a:fontRef>
+            </p:style>
+            <p:txBody>
+              <a:bodyPr rtlCol="0" anchor="ctr"/>
+              <a:lstStyle/>
+              <a:p>
+                <a:pPr algn="ctr"/>
+                <a:endParaRPr lang="de-DE" sz="1200"/>
+              </a:p>
+            </p:txBody>
+          </p:sp>
+        </p:grpSp>
+        <p:cxnSp>
+          <p:nvCxnSpPr>
+            <p:cNvPr id="1037" name="Gerader Verbinder 1036">
+              <a:extLst>
+                <a:ext uri="{FF2B5EF4-FFF2-40B4-BE49-F238E27FC236}">
+                  <a16:creationId xmlns:a16="http://schemas.microsoft.com/office/drawing/2014/main" id="{AC18BF96-6986-1E3F-A308-CA89E0F46119}"/>
+                </a:ext>
+              </a:extLst>
+            </p:cNvPr>
+            <p:cNvCxnSpPr/>
+            <p:nvPr/>
+          </p:nvCxnSpPr>
+          <p:spPr>
+            <a:xfrm>
+              <a:off x="9516291" y="421277"/>
+              <a:ext cx="0" cy="6015446"/>
+            </a:xfrm>
+            <a:prstGeom prst="line">
+              <a:avLst/>
+            </a:prstGeom>
+            <a:ln>
+              <a:solidFill>
+                <a:schemeClr val="bg1">
+                  <a:lumMod val="75000"/>
+                </a:schemeClr>
+              </a:solidFill>
+              <a:prstDash val="dash"/>
+            </a:ln>
+          </p:spPr>
+          <p:style>
+            <a:lnRef idx="2">
+              <a:schemeClr val="dk1"/>
+            </a:lnRef>
+            <a:fillRef idx="0">
+              <a:schemeClr val="dk1"/>
+            </a:fillRef>
+            <a:effectRef idx="1">
+              <a:schemeClr val="dk1"/>
+            </a:effectRef>
+            <a:fontRef idx="minor">
+              <a:schemeClr val="tx1"/>
+            </a:fontRef>
+          </p:style>
+        </p:cxnSp>
+        <p:grpSp>
+          <p:nvGrpSpPr>
+            <p:cNvPr id="1042" name="Gruppieren 1041">
+              <a:extLst>
+                <a:ext uri="{FF2B5EF4-FFF2-40B4-BE49-F238E27FC236}">
+                  <a16:creationId xmlns:a16="http://schemas.microsoft.com/office/drawing/2014/main" id="{4731A799-D28A-F9DB-456D-9B3749D9A1F5}"/>
+                </a:ext>
+              </a:extLst>
+            </p:cNvPr>
+            <p:cNvGrpSpPr/>
+            <p:nvPr/>
+          </p:nvGrpSpPr>
+          <p:grpSpPr>
+            <a:xfrm>
+              <a:off x="10349211" y="4771894"/>
+              <a:ext cx="959604" cy="1204954"/>
+              <a:chOff x="10307773" y="2859567"/>
+              <a:chExt cx="959604" cy="1204954"/>
+            </a:xfrm>
+          </p:grpSpPr>
+          <p:pic>
+            <p:nvPicPr>
+              <p:cNvPr id="1039" name="Grafik 1038" descr="Ein Bild, das Schwarz, Dunkelheit enthält.&#10;&#10;Automatisch generierte Beschreibung">
+                <a:extLst>
+                  <a:ext uri="{FF2B5EF4-FFF2-40B4-BE49-F238E27FC236}">
+                    <a16:creationId xmlns:a16="http://schemas.microsoft.com/office/drawing/2014/main" id="{D7BF6AA7-0C7C-5237-ACCF-FB43F6E7B0E5}"/>
+                  </a:ext>
+                </a:extLst>
+              </p:cNvPr>
+              <p:cNvPicPr>
+                <a:picLocks noChangeAspect="1"/>
+              </p:cNvPicPr>
+              <p:nvPr/>
+            </p:nvPicPr>
+            <p:blipFill>
+              <a:blip r:embed="rId10">
+                <a:extLst>
+                  <a:ext uri="{28A0092B-C50C-407E-A947-70E740481C1C}">
+                    <a14:useLocalDpi xmlns:a14="http://schemas.microsoft.com/office/drawing/2010/main" val="0"/>
+                  </a:ext>
+                </a:extLst>
+              </a:blip>
+              <a:stretch>
+                <a:fillRect/>
+              </a:stretch>
+            </p:blipFill>
+            <p:spPr>
+              <a:xfrm>
+                <a:off x="10307773" y="2859567"/>
+                <a:ext cx="959604" cy="959604"/>
+              </a:xfrm>
+              <a:prstGeom prst="rect">
+                <a:avLst/>
+              </a:prstGeom>
+            </p:spPr>
+          </p:pic>
+          <p:sp>
+            <p:nvSpPr>
+              <p:cNvPr id="1041" name="Textfeld 1040">
+                <a:extLst>
+                  <a:ext uri="{FF2B5EF4-FFF2-40B4-BE49-F238E27FC236}">
+                    <a16:creationId xmlns:a16="http://schemas.microsoft.com/office/drawing/2014/main" id="{232AFE52-762E-7293-6D7C-ED44E15EBD07}"/>
+                  </a:ext>
+                </a:extLst>
+              </p:cNvPr>
+              <p:cNvSpPr txBox="1"/>
+              <p:nvPr/>
+            </p:nvSpPr>
+            <p:spPr>
+              <a:xfrm>
+                <a:off x="10476785" y="3725967"/>
+                <a:ext cx="621580" cy="338554"/>
+              </a:xfrm>
+              <a:prstGeom prst="rect">
+                <a:avLst/>
+              </a:prstGeom>
+              <a:noFill/>
+            </p:spPr>
+            <p:txBody>
+              <a:bodyPr wrap="none" rtlCol="0">
+                <a:spAutoFit/>
+              </a:bodyPr>
+              <a:lstStyle/>
+              <a:p>
+                <a:r>
+                  <a:rPr lang="de-DE" sz="1600" b="1" dirty="0"/>
+                  <a:t>User</a:t>
+                </a:r>
+              </a:p>
+            </p:txBody>
+          </p:sp>
+        </p:grpSp>
+        <p:pic>
+          <p:nvPicPr>
+            <p:cNvPr id="1044" name="Grafik 1043" descr="Ein Bild, das Schwarz, Dunkelheit enthält.&#10;&#10;Automatisch generierte Beschreibung">
+              <a:extLst>
+                <a:ext uri="{FF2B5EF4-FFF2-40B4-BE49-F238E27FC236}">
+                  <a16:creationId xmlns:a16="http://schemas.microsoft.com/office/drawing/2014/main" id="{FABB6E44-D93A-8CB8-F13E-934DDAEE075D}"/>
+                </a:ext>
+              </a:extLst>
+            </p:cNvPr>
+            <p:cNvPicPr>
+              <a:picLocks noChangeAspect="1"/>
+            </p:cNvPicPr>
+            <p:nvPr/>
+          </p:nvPicPr>
+          <p:blipFill>
+            <a:blip r:embed="rId11">
+              <a:extLst>
+                <a:ext uri="{28A0092B-C50C-407E-A947-70E740481C1C}">
+                  <a14:useLocalDpi xmlns:a14="http://schemas.microsoft.com/office/drawing/2010/main" val="0"/>
+                </a:ext>
+              </a:extLst>
+            </a:blip>
+            <a:stretch>
+              <a:fillRect/>
+            </a:stretch>
+          </p:blipFill>
+          <p:spPr>
+            <a:xfrm>
+              <a:off x="10113245" y="2359091"/>
+              <a:ext cx="1396210" cy="1041703"/>
+            </a:xfrm>
+            <a:prstGeom prst="rect">
+              <a:avLst/>
+            </a:prstGeom>
+          </p:spPr>
+        </p:pic>
+        <p:cxnSp>
+          <p:nvCxnSpPr>
+            <p:cNvPr id="1050" name="Gerade Verbindung mit Pfeil 1049">
+              <a:extLst>
+                <a:ext uri="{FF2B5EF4-FFF2-40B4-BE49-F238E27FC236}">
+                  <a16:creationId xmlns:a16="http://schemas.microsoft.com/office/drawing/2014/main" id="{19849E92-AEC9-8AD4-90E5-253188EB3603}"/>
+                </a:ext>
+              </a:extLst>
+            </p:cNvPr>
+            <p:cNvCxnSpPr>
+              <a:cxnSpLocks/>
+            </p:cNvCxnSpPr>
+            <p:nvPr/>
+          </p:nvCxnSpPr>
+          <p:spPr>
+            <a:xfrm>
+              <a:off x="2837925" y="1731837"/>
+              <a:ext cx="0" cy="783948"/>
+            </a:xfrm>
+            <a:prstGeom prst="straightConnector1">
+              <a:avLst/>
+            </a:prstGeom>
+            <a:ln>
+              <a:headEnd type="triangle"/>
+              <a:tailEnd type="triangle"/>
+            </a:ln>
+          </p:spPr>
+          <p:style>
+            <a:lnRef idx="2">
+              <a:schemeClr val="dk1"/>
+            </a:lnRef>
+            <a:fillRef idx="0">
+              <a:schemeClr val="dk1"/>
+            </a:fillRef>
+            <a:effectRef idx="1">
+              <a:schemeClr val="dk1"/>
+            </a:effectRef>
+            <a:fontRef idx="minor">
+              <a:schemeClr val="tx1"/>
+            </a:fontRef>
+          </p:style>
+        </p:cxnSp>
+        <p:cxnSp>
+          <p:nvCxnSpPr>
+            <p:cNvPr id="1062" name="Verbinder: gewinkelt 1061">
+              <a:extLst>
+                <a:ext uri="{FF2B5EF4-FFF2-40B4-BE49-F238E27FC236}">
+                  <a16:creationId xmlns:a16="http://schemas.microsoft.com/office/drawing/2014/main" id="{54F373CA-02F0-CA64-FF65-49E562CF5264}"/>
+                </a:ext>
+              </a:extLst>
+            </p:cNvPr>
+            <p:cNvCxnSpPr>
+              <a:stCxn id="12" idx="3"/>
+              <a:endCxn id="7" idx="2"/>
+            </p:cNvCxnSpPr>
+            <p:nvPr/>
+          </p:nvCxnSpPr>
+          <p:spPr>
+            <a:xfrm flipV="1">
+              <a:off x="5183692" y="3578801"/>
+              <a:ext cx="1287762" cy="1837884"/>
+            </a:xfrm>
+            <a:prstGeom prst="bentConnector2">
+              <a:avLst/>
+            </a:prstGeom>
+            <a:ln>
+              <a:solidFill>
+                <a:schemeClr val="tx1"/>
+              </a:solidFill>
+              <a:tailEnd type="triangle"/>
+            </a:ln>
+          </p:spPr>
+          <p:style>
+            <a:lnRef idx="2">
+              <a:schemeClr val="accent1"/>
+            </a:lnRef>
+            <a:fillRef idx="0">
+              <a:schemeClr val="accent1"/>
+            </a:fillRef>
+            <a:effectRef idx="1">
+              <a:schemeClr val="accent1"/>
+            </a:effectRef>
+            <a:fontRef idx="minor">
+              <a:schemeClr val="tx1"/>
+            </a:fontRef>
+          </p:style>
+        </p:cxnSp>
+        <p:cxnSp>
+          <p:nvCxnSpPr>
+            <p:cNvPr id="1064" name="Verbinder: gewinkelt 1063">
+              <a:extLst>
+                <a:ext uri="{FF2B5EF4-FFF2-40B4-BE49-F238E27FC236}">
+                  <a16:creationId xmlns:a16="http://schemas.microsoft.com/office/drawing/2014/main" id="{B9187E88-7AD9-D6B3-2251-ED908C7AFA40}"/>
+                </a:ext>
+              </a:extLst>
+            </p:cNvPr>
+            <p:cNvCxnSpPr>
+              <a:cxnSpLocks/>
+              <a:endCxn id="41" idx="0"/>
+            </p:cNvCxnSpPr>
+            <p:nvPr/>
+          </p:nvCxnSpPr>
+          <p:spPr>
+            <a:xfrm>
+              <a:off x="6659643" y="3623414"/>
+              <a:ext cx="858894" cy="487241"/>
+            </a:xfrm>
+            <a:prstGeom prst="bentConnector2">
+              <a:avLst/>
+            </a:prstGeom>
+            <a:ln>
+              <a:tailEnd type="triangle"/>
+            </a:ln>
+          </p:spPr>
+          <p:style>
+            <a:lnRef idx="2">
+              <a:schemeClr val="dk1"/>
+            </a:lnRef>
+            <a:fillRef idx="0">
+              <a:schemeClr val="dk1"/>
+            </a:fillRef>
+            <a:effectRef idx="1">
+              <a:schemeClr val="dk1"/>
+            </a:effectRef>
+            <a:fontRef idx="minor">
+              <a:schemeClr val="tx1"/>
+            </a:fontRef>
+          </p:style>
+        </p:cxnSp>
+        <p:cxnSp>
+          <p:nvCxnSpPr>
+            <p:cNvPr id="1072" name="Gerade Verbindung mit Pfeil 1071">
+              <a:extLst>
+                <a:ext uri="{FF2B5EF4-FFF2-40B4-BE49-F238E27FC236}">
+                  <a16:creationId xmlns:a16="http://schemas.microsoft.com/office/drawing/2014/main" id="{2565ECE2-78C8-CFDE-2A08-69880A480A46}"/>
+                </a:ext>
+              </a:extLst>
+            </p:cNvPr>
+            <p:cNvCxnSpPr>
+              <a:cxnSpLocks/>
+            </p:cNvCxnSpPr>
+            <p:nvPr/>
+          </p:nvCxnSpPr>
+          <p:spPr>
+            <a:xfrm>
+              <a:off x="10816605" y="3623414"/>
+              <a:ext cx="0" cy="1148480"/>
+            </a:xfrm>
+            <a:prstGeom prst="straightConnector1">
+              <a:avLst/>
+            </a:prstGeom>
+            <a:ln>
+              <a:solidFill>
+                <a:schemeClr val="tx1"/>
+              </a:solidFill>
+              <a:headEnd type="triangle"/>
+              <a:tailEnd type="triangle"/>
+            </a:ln>
+          </p:spPr>
+          <p:style>
+            <a:lnRef idx="2">
+              <a:schemeClr val="accent1"/>
+            </a:lnRef>
+            <a:fillRef idx="0">
+              <a:schemeClr val="accent1"/>
+            </a:fillRef>
+            <a:effectRef idx="1">
+              <a:schemeClr val="accent1"/>
+            </a:effectRef>
+            <a:fontRef idx="minor">
+              <a:schemeClr val="tx1"/>
+            </a:fontRef>
+          </p:style>
+        </p:cxnSp>
+        <p:cxnSp>
+          <p:nvCxnSpPr>
+            <p:cNvPr id="1078" name="Gerade Verbindung mit Pfeil 1077">
+              <a:extLst>
+                <a:ext uri="{FF2B5EF4-FFF2-40B4-BE49-F238E27FC236}">
+                  <a16:creationId xmlns:a16="http://schemas.microsoft.com/office/drawing/2014/main" id="{5EAE0CC9-2591-DE3A-7D06-1ABBA985AF5C}"/>
+                </a:ext>
+              </a:extLst>
+            </p:cNvPr>
+            <p:cNvCxnSpPr>
+              <a:cxnSpLocks/>
+            </p:cNvCxnSpPr>
+            <p:nvPr/>
+          </p:nvCxnSpPr>
+          <p:spPr>
+            <a:xfrm>
+              <a:off x="7158445" y="2898041"/>
+              <a:ext cx="2743200" cy="0"/>
+            </a:xfrm>
+            <a:prstGeom prst="straightConnector1">
+              <a:avLst/>
+            </a:prstGeom>
+            <a:ln>
+              <a:tailEnd type="triangle"/>
+            </a:ln>
+          </p:spPr>
+          <p:style>
+            <a:lnRef idx="2">
+              <a:schemeClr val="dk1"/>
+            </a:lnRef>
+            <a:fillRef idx="0">
+              <a:schemeClr val="dk1"/>
+            </a:fillRef>
+            <a:effectRef idx="1">
+              <a:schemeClr val="dk1"/>
+            </a:effectRef>
+            <a:fontRef idx="minor">
+              <a:schemeClr val="tx1"/>
+            </a:fontRef>
+          </p:style>
+        </p:cxnSp>
+        <p:cxnSp>
+          <p:nvCxnSpPr>
+            <p:cNvPr id="1084" name="Verbinder: gewinkelt 1083">
+              <a:extLst>
+                <a:ext uri="{FF2B5EF4-FFF2-40B4-BE49-F238E27FC236}">
+                  <a16:creationId xmlns:a16="http://schemas.microsoft.com/office/drawing/2014/main" id="{26951591-36D7-B5A1-9441-9120C503AE8C}"/>
+                </a:ext>
+              </a:extLst>
+            </p:cNvPr>
+            <p:cNvCxnSpPr>
+              <a:cxnSpLocks/>
+              <a:stCxn id="12" idx="1"/>
+            </p:cNvCxnSpPr>
+            <p:nvPr/>
+          </p:nvCxnSpPr>
+          <p:spPr>
+            <a:xfrm rot="10800000">
+              <a:off x="2830204" y="3679339"/>
+              <a:ext cx="1483396" cy="1737347"/>
+            </a:xfrm>
+            <a:prstGeom prst="bentConnector2">
+              <a:avLst/>
+            </a:prstGeom>
+            <a:ln>
+              <a:headEnd type="triangle"/>
+              <a:tailEnd type="none"/>
+            </a:ln>
+          </p:spPr>
+          <p:style>
+            <a:lnRef idx="2">
+              <a:schemeClr val="dk1"/>
+            </a:lnRef>
+            <a:fillRef idx="0">
+              <a:schemeClr val="dk1"/>
+            </a:fillRef>
+            <a:effectRef idx="1">
+              <a:schemeClr val="dk1"/>
+            </a:effectRef>
+            <a:fontRef idx="minor">
+              <a:schemeClr val="tx1"/>
+            </a:fontRef>
+          </p:style>
+        </p:cxnSp>
+      </p:grpSp>
+    </p:spTree>
+    <p:extLst>
+      <p:ext uri="{BB962C8B-B14F-4D97-AF65-F5344CB8AC3E}">
+        <p14:creationId xmlns:p14="http://schemas.microsoft.com/office/powerpoint/2010/main" val="1623527553"/>
       </p:ext>
     </p:extLst>
   </p:cSld>

--- a/reports/figures/Architecture.pptx
+++ b/reports/figures/Architecture.pptx
@@ -7,8 +7,9 @@
   <p:sldIdLst>
     <p:sldId id="256" r:id="rId2"/>
     <p:sldId id="257" r:id="rId3"/>
-    <p:sldId id="259" r:id="rId4"/>
-    <p:sldId id="258" r:id="rId5"/>
+    <p:sldId id="261" r:id="rId4"/>
+    <p:sldId id="259" r:id="rId5"/>
+    <p:sldId id="258" r:id="rId6"/>
   </p:sldIdLst>
   <p:sldSz cx="12192000" cy="6858000"/>
   <p:notesSz cx="6858000" cy="9144000"/>
@@ -122,11 +123,15 @@
         </p14:section>
         <p14:section name="Archive Versions" id="{8360BF56-A2A2-47DC-95EE-4FEF353B7B23}">
           <p14:sldIdLst>
+            <p14:sldId id="261"/>
             <p14:sldId id="259"/>
             <p14:sldId id="258"/>
           </p14:sldIdLst>
         </p14:section>
       </p14:sectionLst>
+    </p:ext>
+    <p:ext uri="{EFAFB233-063F-42B5-8137-9DF3F51BA10A}">
+      <p15:sldGuideLst xmlns:p15="http://schemas.microsoft.com/office/powerpoint/2012/main"/>
     </p:ext>
   </p:extLst>
 </p:presentation>
@@ -3360,7 +3365,7 @@
         </p:nvGrpSpPr>
         <p:grpSpPr>
           <a:xfrm>
-            <a:off x="6040547" y="2449036"/>
+            <a:off x="6008028" y="3304428"/>
             <a:ext cx="861814" cy="1129764"/>
             <a:chOff x="5234186" y="1804111"/>
             <a:chExt cx="1723628" cy="2259528"/>
@@ -3877,7 +3882,7 @@
         </p:nvGrpSpPr>
         <p:grpSpPr>
           <a:xfrm>
-            <a:off x="6659643" y="4110655"/>
+            <a:off x="6615210" y="4978687"/>
             <a:ext cx="1717787" cy="1350643"/>
             <a:chOff x="5567116" y="3157973"/>
             <a:chExt cx="2286000" cy="1797411"/>
@@ -3995,13 +4000,13 @@
               </a:ext>
             </a:extLst>
           </a:blip>
-          <a:srcRect l="20183" r="20950"/>
+          <a:srcRect l="20183" t="19432" r="20950"/>
           <a:stretch/>
         </p:blipFill>
         <p:spPr>
           <a:xfrm>
-            <a:off x="2210479" y="2558908"/>
-            <a:ext cx="1254892" cy="870092"/>
+            <a:off x="2197096" y="3658188"/>
+            <a:ext cx="1254892" cy="701017"/>
           </a:xfrm>
           <a:prstGeom prst="rect">
             <a:avLst/>
@@ -4036,7 +4041,7 @@
         </p:blipFill>
         <p:spPr>
           <a:xfrm>
-            <a:off x="1842070" y="651074"/>
+            <a:off x="3768387" y="867632"/>
             <a:ext cx="1991710" cy="995855"/>
           </a:xfrm>
           <a:prstGeom prst="rect">
@@ -4216,7 +4221,7 @@
         </p:nvGrpSpPr>
         <p:grpSpPr>
           <a:xfrm>
-            <a:off x="10349211" y="4771894"/>
+            <a:off x="10284776" y="3592391"/>
             <a:ext cx="959604" cy="1204954"/>
             <a:chOff x="10307773" y="2859567"/>
             <a:chExt cx="959604" cy="1204954"/>
@@ -4322,7 +4327,7 @@
         </p:blipFill>
         <p:spPr>
           <a:xfrm>
-            <a:off x="10104982" y="1961319"/>
+            <a:off x="7472515" y="1629631"/>
             <a:ext cx="1396210" cy="1041703"/>
           </a:xfrm>
           <a:prstGeom prst="rect">
@@ -4332,48 +4337,6 @@
       </p:pic>
       <p:cxnSp>
         <p:nvCxnSpPr>
-          <p:cNvPr id="1050" name="Gerade Verbindung mit Pfeil 1049">
-            <a:extLst>
-              <a:ext uri="{FF2B5EF4-FFF2-40B4-BE49-F238E27FC236}">
-                <a16:creationId xmlns:a16="http://schemas.microsoft.com/office/drawing/2014/main" id="{19849E92-AEC9-8AD4-90E5-253188EB3603}"/>
-              </a:ext>
-            </a:extLst>
-          </p:cNvPr>
-          <p:cNvCxnSpPr>
-            <a:cxnSpLocks/>
-          </p:cNvCxnSpPr>
-          <p:nvPr/>
-        </p:nvCxnSpPr>
-        <p:spPr>
-          <a:xfrm>
-            <a:off x="2837925" y="1731837"/>
-            <a:ext cx="0" cy="783948"/>
-          </a:xfrm>
-          <a:prstGeom prst="straightConnector1">
-            <a:avLst/>
-          </a:prstGeom>
-          <a:ln>
-            <a:headEnd type="triangle"/>
-            <a:tailEnd type="triangle"/>
-          </a:ln>
-        </p:spPr>
-        <p:style>
-          <a:lnRef idx="2">
-            <a:schemeClr val="dk1"/>
-          </a:lnRef>
-          <a:fillRef idx="0">
-            <a:schemeClr val="dk1"/>
-          </a:fillRef>
-          <a:effectRef idx="1">
-            <a:schemeClr val="dk1"/>
-          </a:effectRef>
-          <a:fontRef idx="minor">
-            <a:schemeClr val="tx1"/>
-          </a:fontRef>
-        </p:style>
-      </p:cxnSp>
-      <p:cxnSp>
-        <p:nvCxnSpPr>
           <p:cNvPr id="1062" name="Verbinder: gewinkelt 1061">
             <a:extLst>
               <a:ext uri="{FF2B5EF4-FFF2-40B4-BE49-F238E27FC236}">
@@ -4389,8 +4352,8 @@
         </p:nvCxnSpPr>
         <p:spPr>
           <a:xfrm flipV="1">
-            <a:off x="5183692" y="3578801"/>
-            <a:ext cx="1287762" cy="1837884"/>
+            <a:off x="5183692" y="4434193"/>
+            <a:ext cx="1255243" cy="982492"/>
           </a:xfrm>
           <a:prstGeom prst="bentConnector2">
             <a:avLst/>
@@ -4434,7 +4397,7 @@
         </p:nvCxnSpPr>
         <p:spPr>
           <a:xfrm>
-            <a:off x="6659643" y="3623414"/>
+            <a:off x="6615210" y="4491446"/>
             <a:ext cx="858894" cy="487241"/>
           </a:xfrm>
           <a:prstGeom prst="bentConnector2">
@@ -4470,13 +4433,14 @@
           </p:cNvPr>
           <p:cNvCxnSpPr>
             <a:cxnSpLocks/>
+            <a:endCxn id="1039" idx="0"/>
           </p:cNvCxnSpPr>
           <p:nvPr/>
         </p:nvCxnSpPr>
         <p:spPr>
           <a:xfrm>
-            <a:off x="10804547" y="3429000"/>
-            <a:ext cx="0" cy="1148480"/>
+            <a:off x="10764578" y="3162486"/>
+            <a:ext cx="0" cy="429905"/>
           </a:xfrm>
           <a:prstGeom prst="straightConnector1">
             <a:avLst/>
@@ -4506,10 +4470,10 @@
       </p:cxnSp>
       <p:cxnSp>
         <p:nvCxnSpPr>
-          <p:cNvPr id="1078" name="Gerade Verbindung mit Pfeil 1077">
-            <a:extLst>
-              <a:ext uri="{FF2B5EF4-FFF2-40B4-BE49-F238E27FC236}">
-                <a16:creationId xmlns:a16="http://schemas.microsoft.com/office/drawing/2014/main" id="{5EAE0CC9-2591-DE3A-7D06-1ABBA985AF5C}"/>
+          <p:cNvPr id="1084" name="Verbinder: gewinkelt 1083">
+            <a:extLst>
+              <a:ext uri="{FF2B5EF4-FFF2-40B4-BE49-F238E27FC236}">
+                <a16:creationId xmlns:a16="http://schemas.microsoft.com/office/drawing/2014/main" id="{26951591-36D7-B5A1-9441-9120C503AE8C}"/>
               </a:ext>
             </a:extLst>
           </p:cNvPr>
@@ -4519,9 +4483,960 @@
           <p:nvPr/>
         </p:nvCxnSpPr>
         <p:spPr>
+          <a:xfrm rot="10800000">
+            <a:off x="2813443" y="4521696"/>
+            <a:ext cx="1480282" cy="894989"/>
+          </a:xfrm>
+          <a:prstGeom prst="bentConnector3">
+            <a:avLst>
+              <a:gd name="adj1" fmla="val 99524"/>
+            </a:avLst>
+          </a:prstGeom>
+          <a:ln>
+            <a:headEnd type="triangle"/>
+            <a:tailEnd type="none"/>
+          </a:ln>
+        </p:spPr>
+        <p:style>
+          <a:lnRef idx="2">
+            <a:schemeClr val="dk1"/>
+          </a:lnRef>
+          <a:fillRef idx="0">
+            <a:schemeClr val="dk1"/>
+          </a:fillRef>
+          <a:effectRef idx="1">
+            <a:schemeClr val="dk1"/>
+          </a:effectRef>
+          <a:fontRef idx="minor">
+            <a:schemeClr val="tx1"/>
+          </a:fontRef>
+        </p:style>
+      </p:cxnSp>
+      <p:pic>
+        <p:nvPicPr>
+          <p:cNvPr id="2" name="Grafik 1">
+            <a:extLst>
+              <a:ext uri="{FF2B5EF4-FFF2-40B4-BE49-F238E27FC236}">
+                <a16:creationId xmlns:a16="http://schemas.microsoft.com/office/drawing/2014/main" id="{B841E486-32DE-FFED-C1DE-C929860A6A02}"/>
+              </a:ext>
+            </a:extLst>
+          </p:cNvPr>
+          <p:cNvPicPr>
+            <a:picLocks noChangeAspect="1"/>
+          </p:cNvPicPr>
+          <p:nvPr/>
+        </p:nvPicPr>
+        <p:blipFill>
+          <a:blip r:embed="rId12">
+            <a:extLst>
+              <a:ext uri="{28A0092B-C50C-407E-A947-70E740481C1C}">
+                <a14:useLocalDpi xmlns:a14="http://schemas.microsoft.com/office/drawing/2010/main" val="0"/>
+              </a:ext>
+              <a:ext uri="{96DAC541-7B7A-43D3-8B79-37D633B846F1}">
+                <asvg:svgBlip xmlns:asvg="http://schemas.microsoft.com/office/drawing/2016/SVG/main" r:embed="rId13"/>
+              </a:ext>
+            </a:extLst>
+          </a:blip>
+          <a:stretch>
+            <a:fillRect/>
+          </a:stretch>
+        </p:blipFill>
+        <p:spPr>
           <a:xfrm>
-            <a:off x="7158445" y="2898041"/>
-            <a:ext cx="2743200" cy="0"/>
+            <a:off x="851125" y="1716604"/>
+            <a:ext cx="1395889" cy="357157"/>
+          </a:xfrm>
+          <a:prstGeom prst="rect">
+            <a:avLst/>
+          </a:prstGeom>
+        </p:spPr>
+      </p:pic>
+      <p:pic>
+        <p:nvPicPr>
+          <p:cNvPr id="3" name="Grafik 2">
+            <a:extLst>
+              <a:ext uri="{FF2B5EF4-FFF2-40B4-BE49-F238E27FC236}">
+                <a16:creationId xmlns:a16="http://schemas.microsoft.com/office/drawing/2014/main" id="{A438D6B3-6B3B-7EF0-34D9-D0C68B95D5F5}"/>
+              </a:ext>
+            </a:extLst>
+          </p:cNvPr>
+          <p:cNvPicPr>
+            <a:picLocks noChangeAspect="1"/>
+          </p:cNvPicPr>
+          <p:nvPr/>
+        </p:nvPicPr>
+        <p:blipFill>
+          <a:blip r:embed="rId14">
+            <a:extLst>
+              <a:ext uri="{28A0092B-C50C-407E-A947-70E740481C1C}">
+                <a14:useLocalDpi xmlns:a14="http://schemas.microsoft.com/office/drawing/2010/main" val="0"/>
+              </a:ext>
+              <a:ext uri="{96DAC541-7B7A-43D3-8B79-37D633B846F1}">
+                <asvg:svgBlip xmlns:asvg="http://schemas.microsoft.com/office/drawing/2016/SVG/main" r:embed="rId15"/>
+              </a:ext>
+            </a:extLst>
+          </a:blip>
+          <a:stretch>
+            <a:fillRect/>
+          </a:stretch>
+        </p:blipFill>
+        <p:spPr>
+          <a:xfrm>
+            <a:off x="902310" y="2244734"/>
+            <a:ext cx="1419377" cy="407360"/>
+          </a:xfrm>
+          <a:prstGeom prst="rect">
+            <a:avLst/>
+          </a:prstGeom>
+        </p:spPr>
+      </p:pic>
+      <p:pic>
+        <p:nvPicPr>
+          <p:cNvPr id="53" name="Grafik 52" descr="Ein Bild, das Screenshot, Electric Blue (Farbe), Kreis, Grafiken enthält.&#10;&#10;Automatisch generierte Beschreibung">
+            <a:extLst>
+              <a:ext uri="{FF2B5EF4-FFF2-40B4-BE49-F238E27FC236}">
+                <a16:creationId xmlns:a16="http://schemas.microsoft.com/office/drawing/2014/main" id="{3D999BEE-2AD0-850F-3DD0-F02965D2D0DA}"/>
+              </a:ext>
+            </a:extLst>
+          </p:cNvPr>
+          <p:cNvPicPr>
+            <a:picLocks noChangeAspect="1"/>
+          </p:cNvPicPr>
+          <p:nvPr/>
+        </p:nvPicPr>
+        <p:blipFill>
+          <a:blip r:embed="rId16">
+            <a:extLst>
+              <a:ext uri="{28A0092B-C50C-407E-A947-70E740481C1C}">
+                <a14:useLocalDpi xmlns:a14="http://schemas.microsoft.com/office/drawing/2010/main" val="0"/>
+              </a:ext>
+            </a:extLst>
+          </a:blip>
+          <a:stretch>
+            <a:fillRect/>
+          </a:stretch>
+        </p:blipFill>
+        <p:spPr>
+          <a:xfrm>
+            <a:off x="4501101" y="1936077"/>
+            <a:ext cx="495044" cy="495044"/>
+          </a:xfrm>
+          <a:prstGeom prst="rect">
+            <a:avLst/>
+          </a:prstGeom>
+        </p:spPr>
+      </p:pic>
+      <p:sp>
+        <p:nvSpPr>
+          <p:cNvPr id="54" name="Textfeld 53">
+            <a:extLst>
+              <a:ext uri="{FF2B5EF4-FFF2-40B4-BE49-F238E27FC236}">
+                <a16:creationId xmlns:a16="http://schemas.microsoft.com/office/drawing/2014/main" id="{403CBBAE-76FB-7D48-AC38-B364CE2873EA}"/>
+              </a:ext>
+            </a:extLst>
+          </p:cNvPr>
+          <p:cNvSpPr txBox="1"/>
+          <p:nvPr/>
+        </p:nvSpPr>
+        <p:spPr>
+          <a:xfrm>
+            <a:off x="4236304" y="2401247"/>
+            <a:ext cx="1024639" cy="246221"/>
+          </a:xfrm>
+          <a:prstGeom prst="rect">
+            <a:avLst/>
+          </a:prstGeom>
+          <a:noFill/>
+        </p:spPr>
+        <p:txBody>
+          <a:bodyPr wrap="none" rtlCol="0">
+            <a:spAutoFit/>
+          </a:bodyPr>
+          <a:lstStyle/>
+          <a:p>
+            <a:r>
+              <a:rPr lang="de-DE" sz="1000" dirty="0"/>
+              <a:t>Storage </a:t>
+            </a:r>
+            <a:r>
+              <a:rPr lang="de-DE" sz="1000" dirty="0" err="1"/>
+              <a:t>Bucket</a:t>
+            </a:r>
+            <a:endParaRPr lang="de-DE" sz="1000" dirty="0"/>
+          </a:p>
+        </p:txBody>
+      </p:sp>
+      <p:cxnSp>
+        <p:nvCxnSpPr>
+          <p:cNvPr id="58" name="Gerader Verbinder 57">
+            <a:extLst>
+              <a:ext uri="{FF2B5EF4-FFF2-40B4-BE49-F238E27FC236}">
+                <a16:creationId xmlns:a16="http://schemas.microsoft.com/office/drawing/2014/main" id="{13B7B6B2-53C7-B7AF-602D-EE8B11921424}"/>
+              </a:ext>
+            </a:extLst>
+          </p:cNvPr>
+          <p:cNvCxnSpPr/>
+          <p:nvPr/>
+        </p:nvCxnSpPr>
+        <p:spPr>
+          <a:xfrm>
+            <a:off x="3423439" y="1863487"/>
+            <a:ext cx="2675697" cy="0"/>
+          </a:xfrm>
+          <a:prstGeom prst="line">
+            <a:avLst/>
+          </a:prstGeom>
+          <a:ln>
+            <a:solidFill>
+              <a:schemeClr val="bg1">
+                <a:lumMod val="75000"/>
+              </a:schemeClr>
+            </a:solidFill>
+          </a:ln>
+        </p:spPr>
+        <p:style>
+          <a:lnRef idx="2">
+            <a:schemeClr val="accent1"/>
+          </a:lnRef>
+          <a:fillRef idx="0">
+            <a:schemeClr val="accent1"/>
+          </a:fillRef>
+          <a:effectRef idx="1">
+            <a:schemeClr val="accent1"/>
+          </a:effectRef>
+          <a:fontRef idx="minor">
+            <a:schemeClr val="tx1"/>
+          </a:fontRef>
+        </p:style>
+      </p:cxnSp>
+      <p:sp>
+        <p:nvSpPr>
+          <p:cNvPr id="61" name="Textfeld 60">
+            <a:extLst>
+              <a:ext uri="{FF2B5EF4-FFF2-40B4-BE49-F238E27FC236}">
+                <a16:creationId xmlns:a16="http://schemas.microsoft.com/office/drawing/2014/main" id="{E18FA7D7-21C0-8BC0-D141-D67DF64B6A85}"/>
+              </a:ext>
+            </a:extLst>
+          </p:cNvPr>
+          <p:cNvSpPr txBox="1"/>
+          <p:nvPr/>
+        </p:nvSpPr>
+        <p:spPr>
+          <a:xfrm>
+            <a:off x="5154747" y="2401247"/>
+            <a:ext cx="1204176" cy="246221"/>
+          </a:xfrm>
+          <a:prstGeom prst="rect">
+            <a:avLst/>
+          </a:prstGeom>
+          <a:noFill/>
+        </p:spPr>
+        <p:txBody>
+          <a:bodyPr wrap="none" rtlCol="0">
+            <a:spAutoFit/>
+          </a:bodyPr>
+          <a:lstStyle/>
+          <a:p>
+            <a:r>
+              <a:rPr lang="de-DE" sz="1000" dirty="0"/>
+              <a:t>Container Registry</a:t>
+            </a:r>
+          </a:p>
+        </p:txBody>
+      </p:sp>
+      <p:pic>
+        <p:nvPicPr>
+          <p:cNvPr id="62" name="Grafik 61" descr="Ein Bild, das Screenshot, Symbol, Logo, Grafiken enthält.&#10;&#10;Automatisch generierte Beschreibung">
+            <a:extLst>
+              <a:ext uri="{FF2B5EF4-FFF2-40B4-BE49-F238E27FC236}">
+                <a16:creationId xmlns:a16="http://schemas.microsoft.com/office/drawing/2014/main" id="{F91881C9-1C8D-CE1D-D4B0-9116A2A78C2A}"/>
+              </a:ext>
+            </a:extLst>
+          </p:cNvPr>
+          <p:cNvPicPr>
+            <a:picLocks noChangeAspect="1"/>
+          </p:cNvPicPr>
+          <p:nvPr/>
+        </p:nvPicPr>
+        <p:blipFill rotWithShape="1">
+          <a:blip r:embed="rId17">
+            <a:extLst>
+              <a:ext uri="{28A0092B-C50C-407E-A947-70E740481C1C}">
+                <a14:useLocalDpi xmlns:a14="http://schemas.microsoft.com/office/drawing/2010/main" val="0"/>
+              </a:ext>
+            </a:extLst>
+          </a:blip>
+          <a:srcRect l="21180" t="11240" r="20497" b="12205"/>
+          <a:stretch/>
+        </p:blipFill>
+        <p:spPr>
+          <a:xfrm>
+            <a:off x="3455124" y="1933418"/>
+            <a:ext cx="571791" cy="500361"/>
+          </a:xfrm>
+          <a:prstGeom prst="rect">
+            <a:avLst/>
+          </a:prstGeom>
+        </p:spPr>
+      </p:pic>
+      <p:sp>
+        <p:nvSpPr>
+          <p:cNvPr id="63" name="Textfeld 62">
+            <a:extLst>
+              <a:ext uri="{FF2B5EF4-FFF2-40B4-BE49-F238E27FC236}">
+                <a16:creationId xmlns:a16="http://schemas.microsoft.com/office/drawing/2014/main" id="{9240AB0A-461F-CFA0-D146-520FC488BC47}"/>
+              </a:ext>
+            </a:extLst>
+          </p:cNvPr>
+          <p:cNvSpPr txBox="1"/>
+          <p:nvPr/>
+        </p:nvSpPr>
+        <p:spPr>
+          <a:xfrm>
+            <a:off x="3186965" y="2391064"/>
+            <a:ext cx="1103187" cy="246221"/>
+          </a:xfrm>
+          <a:prstGeom prst="rect">
+            <a:avLst/>
+          </a:prstGeom>
+          <a:noFill/>
+        </p:spPr>
+        <p:txBody>
+          <a:bodyPr wrap="none" rtlCol="0">
+            <a:spAutoFit/>
+          </a:bodyPr>
+          <a:lstStyle/>
+          <a:p>
+            <a:r>
+              <a:rPr lang="de-DE" sz="1000" dirty="0" err="1"/>
+              <a:t>Compute</a:t>
+            </a:r>
+            <a:r>
+              <a:rPr lang="de-DE" sz="1000" dirty="0"/>
+              <a:t> Engine</a:t>
+            </a:r>
+          </a:p>
+        </p:txBody>
+      </p:sp>
+      <p:pic>
+        <p:nvPicPr>
+          <p:cNvPr id="1025" name="Grafik 1024" descr="Ein Bild, das Schwarz, Dunkelheit enthält.&#10;&#10;Automatisch generierte Beschreibung">
+            <a:extLst>
+              <a:ext uri="{FF2B5EF4-FFF2-40B4-BE49-F238E27FC236}">
+                <a16:creationId xmlns:a16="http://schemas.microsoft.com/office/drawing/2014/main" id="{D9988D19-3DAF-E529-91AE-2AD62E68DAAE}"/>
+              </a:ext>
+            </a:extLst>
+          </p:cNvPr>
+          <p:cNvPicPr>
+            <a:picLocks noChangeAspect="1"/>
+          </p:cNvPicPr>
+          <p:nvPr/>
+        </p:nvPicPr>
+        <p:blipFill>
+          <a:blip r:embed="rId18">
+            <a:extLst>
+              <a:ext uri="{28A0092B-C50C-407E-A947-70E740481C1C}">
+                <a14:useLocalDpi xmlns:a14="http://schemas.microsoft.com/office/drawing/2010/main" val="0"/>
+              </a:ext>
+            </a:extLst>
+          </a:blip>
+          <a:stretch>
+            <a:fillRect/>
+          </a:stretch>
+        </p:blipFill>
+        <p:spPr>
+          <a:xfrm>
+            <a:off x="10075731" y="1580361"/>
+            <a:ext cx="1377694" cy="1377694"/>
+          </a:xfrm>
+          <a:prstGeom prst="rect">
+            <a:avLst/>
+          </a:prstGeom>
+        </p:spPr>
+      </p:pic>
+      <p:cxnSp>
+        <p:nvCxnSpPr>
+          <p:cNvPr id="1029" name="Gerade Verbindung mit Pfeil 1028">
+            <a:extLst>
+              <a:ext uri="{FF2B5EF4-FFF2-40B4-BE49-F238E27FC236}">
+                <a16:creationId xmlns:a16="http://schemas.microsoft.com/office/drawing/2014/main" id="{9862D5B0-9DF7-3A53-17E1-2BA4ECA33C98}"/>
+              </a:ext>
+            </a:extLst>
+          </p:cNvPr>
+          <p:cNvCxnSpPr/>
+          <p:nvPr/>
+        </p:nvCxnSpPr>
+        <p:spPr>
+          <a:xfrm>
+            <a:off x="9086096" y="2173158"/>
+            <a:ext cx="731520" cy="0"/>
+          </a:xfrm>
+          <a:prstGeom prst="straightConnector1">
+            <a:avLst/>
+          </a:prstGeom>
+          <a:ln>
+            <a:headEnd type="triangle"/>
+            <a:tailEnd type="triangle"/>
+          </a:ln>
+        </p:spPr>
+        <p:style>
+          <a:lnRef idx="2">
+            <a:schemeClr val="dk1"/>
+          </a:lnRef>
+          <a:fillRef idx="0">
+            <a:schemeClr val="dk1"/>
+          </a:fillRef>
+          <a:effectRef idx="1">
+            <a:schemeClr val="dk1"/>
+          </a:effectRef>
+          <a:fontRef idx="minor">
+            <a:schemeClr val="tx1"/>
+          </a:fontRef>
+        </p:style>
+      </p:cxnSp>
+      <p:pic>
+        <p:nvPicPr>
+          <p:cNvPr id="1033" name="Grafik 1032" descr="Ein Bild, das Symbol, Grafiken, Screenshot, Kreis enthält.&#10;&#10;Automatisch generierte Beschreibung">
+            <a:extLst>
+              <a:ext uri="{FF2B5EF4-FFF2-40B4-BE49-F238E27FC236}">
+                <a16:creationId xmlns:a16="http://schemas.microsoft.com/office/drawing/2014/main" id="{4C879EC6-953B-ED0E-4C12-8EC2B69A46F2}"/>
+              </a:ext>
+            </a:extLst>
+          </p:cNvPr>
+          <p:cNvPicPr>
+            <a:picLocks noChangeAspect="1"/>
+          </p:cNvPicPr>
+          <p:nvPr/>
+        </p:nvPicPr>
+        <p:blipFill>
+          <a:blip r:embed="rId19">
+            <a:extLst>
+              <a:ext uri="{28A0092B-C50C-407E-A947-70E740481C1C}">
+                <a14:useLocalDpi xmlns:a14="http://schemas.microsoft.com/office/drawing/2010/main" val="0"/>
+              </a:ext>
+            </a:extLst>
+          </a:blip>
+          <a:stretch>
+            <a:fillRect/>
+          </a:stretch>
+        </p:blipFill>
+        <p:spPr>
+          <a:xfrm>
+            <a:off x="5513899" y="1946043"/>
+            <a:ext cx="485872" cy="485872"/>
+          </a:xfrm>
+          <a:prstGeom prst="rect">
+            <a:avLst/>
+          </a:prstGeom>
+        </p:spPr>
+      </p:pic>
+      <p:cxnSp>
+        <p:nvCxnSpPr>
+          <p:cNvPr id="1036" name="Verbinder: gewinkelt 1035">
+            <a:extLst>
+              <a:ext uri="{FF2B5EF4-FFF2-40B4-BE49-F238E27FC236}">
+                <a16:creationId xmlns:a16="http://schemas.microsoft.com/office/drawing/2014/main" id="{F885CDF5-FD18-A58D-F849-A4BD9185E833}"/>
+              </a:ext>
+            </a:extLst>
+          </p:cNvPr>
+          <p:cNvCxnSpPr>
+            <a:cxnSpLocks/>
+            <a:endCxn id="1047" idx="3"/>
+          </p:cNvCxnSpPr>
+          <p:nvPr/>
+        </p:nvCxnSpPr>
+        <p:spPr>
+          <a:xfrm rot="10800000">
+            <a:off x="2363351" y="1872669"/>
+            <a:ext cx="958627" cy="310846"/>
+          </a:xfrm>
+          <a:prstGeom prst="bentConnector3">
+            <a:avLst/>
+          </a:prstGeom>
+          <a:ln>
+            <a:tailEnd type="triangle"/>
+          </a:ln>
+        </p:spPr>
+        <p:style>
+          <a:lnRef idx="2">
+            <a:schemeClr val="dk1"/>
+          </a:lnRef>
+          <a:fillRef idx="0">
+            <a:schemeClr val="dk1"/>
+          </a:fillRef>
+          <a:effectRef idx="1">
+            <a:schemeClr val="dk1"/>
+          </a:effectRef>
+          <a:fontRef idx="minor">
+            <a:schemeClr val="tx1"/>
+          </a:fontRef>
+        </p:style>
+      </p:cxnSp>
+      <p:sp>
+        <p:nvSpPr>
+          <p:cNvPr id="1045" name="Textfeld 1044">
+            <a:extLst>
+              <a:ext uri="{FF2B5EF4-FFF2-40B4-BE49-F238E27FC236}">
+                <a16:creationId xmlns:a16="http://schemas.microsoft.com/office/drawing/2014/main" id="{958F7986-FFA8-27BE-1F87-A73EAD31E19B}"/>
+              </a:ext>
+            </a:extLst>
+          </p:cNvPr>
+          <p:cNvSpPr txBox="1"/>
+          <p:nvPr/>
+        </p:nvSpPr>
+        <p:spPr>
+          <a:xfrm>
+            <a:off x="2372281" y="1660860"/>
+            <a:ext cx="538930" cy="246221"/>
+          </a:xfrm>
+          <a:prstGeom prst="rect">
+            <a:avLst/>
+          </a:prstGeom>
+          <a:noFill/>
+        </p:spPr>
+        <p:txBody>
+          <a:bodyPr wrap="none" rtlCol="0">
+            <a:spAutoFit/>
+          </a:bodyPr>
+          <a:lstStyle/>
+          <a:p>
+            <a:r>
+              <a:rPr lang="de-DE" sz="1000" dirty="0" err="1"/>
+              <a:t>Result</a:t>
+            </a:r>
+            <a:endParaRPr lang="de-DE" sz="1000" dirty="0"/>
+          </a:p>
+        </p:txBody>
+      </p:sp>
+      <p:sp>
+        <p:nvSpPr>
+          <p:cNvPr id="1046" name="Textfeld 1045">
+            <a:extLst>
+              <a:ext uri="{FF2B5EF4-FFF2-40B4-BE49-F238E27FC236}">
+                <a16:creationId xmlns:a16="http://schemas.microsoft.com/office/drawing/2014/main" id="{7A02BEA1-84A9-EC5C-105C-27B77DE1FF78}"/>
+              </a:ext>
+            </a:extLst>
+          </p:cNvPr>
+          <p:cNvSpPr txBox="1"/>
+          <p:nvPr/>
+        </p:nvSpPr>
+        <p:spPr>
+          <a:xfrm>
+            <a:off x="2370888" y="2449174"/>
+            <a:ext cx="582211" cy="246221"/>
+          </a:xfrm>
+          <a:prstGeom prst="rect">
+            <a:avLst/>
+          </a:prstGeom>
+          <a:noFill/>
+        </p:spPr>
+        <p:txBody>
+          <a:bodyPr wrap="none" rtlCol="0">
+            <a:spAutoFit/>
+          </a:bodyPr>
+          <a:lstStyle/>
+          <a:p>
+            <a:r>
+              <a:rPr lang="de-DE" sz="1000" dirty="0" err="1"/>
+              <a:t>Config</a:t>
+            </a:r>
+            <a:r>
+              <a:rPr lang="de-DE" sz="1000" dirty="0"/>
+              <a:t>.</a:t>
+            </a:r>
+          </a:p>
+        </p:txBody>
+      </p:sp>
+      <p:sp>
+        <p:nvSpPr>
+          <p:cNvPr id="1047" name="Rechteck 1046">
+            <a:extLst>
+              <a:ext uri="{FF2B5EF4-FFF2-40B4-BE49-F238E27FC236}">
+                <a16:creationId xmlns:a16="http://schemas.microsoft.com/office/drawing/2014/main" id="{966BC319-CD68-AD0D-ED2A-2B91D318999A}"/>
+              </a:ext>
+            </a:extLst>
+          </p:cNvPr>
+          <p:cNvSpPr/>
+          <p:nvPr/>
+        </p:nvSpPr>
+        <p:spPr>
+          <a:xfrm>
+            <a:off x="764407" y="1570302"/>
+            <a:ext cx="1598943" cy="604733"/>
+          </a:xfrm>
+          <a:prstGeom prst="rect">
+            <a:avLst/>
+          </a:prstGeom>
+          <a:noFill/>
+          <a:ln>
+            <a:solidFill>
+              <a:schemeClr val="bg1">
+                <a:lumMod val="75000"/>
+              </a:schemeClr>
+            </a:solidFill>
+          </a:ln>
+        </p:spPr>
+        <p:style>
+          <a:lnRef idx="2">
+            <a:schemeClr val="accent1">
+              <a:shade val="15000"/>
+            </a:schemeClr>
+          </a:lnRef>
+          <a:fillRef idx="1">
+            <a:schemeClr val="accent1"/>
+          </a:fillRef>
+          <a:effectRef idx="0">
+            <a:schemeClr val="accent1"/>
+          </a:effectRef>
+          <a:fontRef idx="minor">
+            <a:schemeClr val="lt1"/>
+          </a:fontRef>
+        </p:style>
+        <p:txBody>
+          <a:bodyPr rtlCol="0" anchor="ctr"/>
+          <a:lstStyle/>
+          <a:p>
+            <a:pPr algn="ctr"/>
+            <a:endParaRPr lang="de-DE"/>
+          </a:p>
+        </p:txBody>
+      </p:sp>
+      <p:sp>
+        <p:nvSpPr>
+          <p:cNvPr id="1049" name="Rechteck 1048">
+            <a:extLst>
+              <a:ext uri="{FF2B5EF4-FFF2-40B4-BE49-F238E27FC236}">
+                <a16:creationId xmlns:a16="http://schemas.microsoft.com/office/drawing/2014/main" id="{62A7D8AB-DD72-911D-6944-1DD6CA620BE9}"/>
+              </a:ext>
+            </a:extLst>
+          </p:cNvPr>
+          <p:cNvSpPr/>
+          <p:nvPr/>
+        </p:nvSpPr>
+        <p:spPr>
+          <a:xfrm>
+            <a:off x="763112" y="2177270"/>
+            <a:ext cx="1598943" cy="604733"/>
+          </a:xfrm>
+          <a:prstGeom prst="rect">
+            <a:avLst/>
+          </a:prstGeom>
+          <a:noFill/>
+          <a:ln>
+            <a:solidFill>
+              <a:schemeClr val="bg1">
+                <a:lumMod val="75000"/>
+              </a:schemeClr>
+            </a:solidFill>
+          </a:ln>
+        </p:spPr>
+        <p:style>
+          <a:lnRef idx="2">
+            <a:schemeClr val="accent1">
+              <a:shade val="15000"/>
+            </a:schemeClr>
+          </a:lnRef>
+          <a:fillRef idx="1">
+            <a:schemeClr val="accent1"/>
+          </a:fillRef>
+          <a:effectRef idx="0">
+            <a:schemeClr val="accent1"/>
+          </a:effectRef>
+          <a:fontRef idx="minor">
+            <a:schemeClr val="lt1"/>
+          </a:fontRef>
+        </p:style>
+        <p:txBody>
+          <a:bodyPr rtlCol="0" anchor="ctr"/>
+          <a:lstStyle/>
+          <a:p>
+            <a:pPr algn="ctr"/>
+            <a:endParaRPr lang="de-DE"/>
+          </a:p>
+        </p:txBody>
+      </p:sp>
+      <p:sp>
+        <p:nvSpPr>
+          <p:cNvPr id="1054" name="Rechteck 1053">
+            <a:extLst>
+              <a:ext uri="{FF2B5EF4-FFF2-40B4-BE49-F238E27FC236}">
+                <a16:creationId xmlns:a16="http://schemas.microsoft.com/office/drawing/2014/main" id="{9B631B1E-C02B-1D29-0D5B-4E60CD0047B9}"/>
+              </a:ext>
+            </a:extLst>
+          </p:cNvPr>
+          <p:cNvSpPr/>
+          <p:nvPr/>
+        </p:nvSpPr>
+        <p:spPr>
+          <a:xfrm>
+            <a:off x="3227443" y="849888"/>
+            <a:ext cx="3080295" cy="1932115"/>
+          </a:xfrm>
+          <a:prstGeom prst="rect">
+            <a:avLst/>
+          </a:prstGeom>
+          <a:noFill/>
+          <a:ln>
+            <a:solidFill>
+              <a:schemeClr val="bg1">
+                <a:lumMod val="75000"/>
+              </a:schemeClr>
+            </a:solidFill>
+          </a:ln>
+        </p:spPr>
+        <p:style>
+          <a:lnRef idx="2">
+            <a:schemeClr val="accent1">
+              <a:shade val="15000"/>
+            </a:schemeClr>
+          </a:lnRef>
+          <a:fillRef idx="1">
+            <a:schemeClr val="accent1"/>
+          </a:fillRef>
+          <a:effectRef idx="0">
+            <a:schemeClr val="accent1"/>
+          </a:effectRef>
+          <a:fontRef idx="minor">
+            <a:schemeClr val="lt1"/>
+          </a:fontRef>
+        </p:style>
+        <p:txBody>
+          <a:bodyPr rtlCol="0" anchor="ctr"/>
+          <a:lstStyle/>
+          <a:p>
+            <a:pPr algn="ctr"/>
+            <a:endParaRPr lang="de-DE"/>
+          </a:p>
+        </p:txBody>
+      </p:sp>
+      <p:cxnSp>
+        <p:nvCxnSpPr>
+          <p:cNvPr id="44" name="Verbinder: gewinkelt 43">
+            <a:extLst>
+              <a:ext uri="{FF2B5EF4-FFF2-40B4-BE49-F238E27FC236}">
+                <a16:creationId xmlns:a16="http://schemas.microsoft.com/office/drawing/2014/main" id="{832CAD57-54D1-756C-37EF-5B01A5157F63}"/>
+              </a:ext>
+            </a:extLst>
+          </p:cNvPr>
+          <p:cNvCxnSpPr>
+            <a:cxnSpLocks/>
+            <a:endCxn id="54" idx="2"/>
+          </p:cNvCxnSpPr>
+          <p:nvPr/>
+        </p:nvCxnSpPr>
+        <p:spPr>
+          <a:xfrm rot="5400000" flipH="1" flipV="1">
+            <a:off x="3475461" y="2711571"/>
+            <a:ext cx="1337265" cy="1209061"/>
+          </a:xfrm>
+          <a:prstGeom prst="bentConnector3">
+            <a:avLst>
+              <a:gd name="adj1" fmla="val 228"/>
+            </a:avLst>
+          </a:prstGeom>
+          <a:ln>
+            <a:headEnd type="triangle"/>
+            <a:tailEnd type="triangle"/>
+          </a:ln>
+        </p:spPr>
+        <p:style>
+          <a:lnRef idx="2">
+            <a:schemeClr val="dk1"/>
+          </a:lnRef>
+          <a:fillRef idx="0">
+            <a:schemeClr val="dk1"/>
+          </a:fillRef>
+          <a:effectRef idx="1">
+            <a:schemeClr val="dk1"/>
+          </a:effectRef>
+          <a:fontRef idx="minor">
+            <a:schemeClr val="tx1"/>
+          </a:fontRef>
+        </p:style>
+      </p:cxnSp>
+      <p:cxnSp>
+        <p:nvCxnSpPr>
+          <p:cNvPr id="1040" name="Verbinder: gewinkelt 1039">
+            <a:extLst>
+              <a:ext uri="{FF2B5EF4-FFF2-40B4-BE49-F238E27FC236}">
+                <a16:creationId xmlns:a16="http://schemas.microsoft.com/office/drawing/2014/main" id="{7409939E-A70C-09F3-6465-28B4B83C93FC}"/>
+              </a:ext>
+            </a:extLst>
+          </p:cNvPr>
+          <p:cNvCxnSpPr>
+            <a:cxnSpLocks/>
+          </p:cNvCxnSpPr>
+          <p:nvPr/>
+        </p:nvCxnSpPr>
+        <p:spPr>
+          <a:xfrm rot="10800000" flipV="1">
+            <a:off x="2362055" y="2183511"/>
+            <a:ext cx="959924" cy="296126"/>
+          </a:xfrm>
+          <a:prstGeom prst="bentConnector3">
+            <a:avLst/>
+          </a:prstGeom>
+          <a:ln>
+            <a:tailEnd type="triangle"/>
+          </a:ln>
+        </p:spPr>
+        <p:style>
+          <a:lnRef idx="2">
+            <a:schemeClr val="dk1"/>
+          </a:lnRef>
+          <a:fillRef idx="0">
+            <a:schemeClr val="dk1"/>
+          </a:fillRef>
+          <a:effectRef idx="1">
+            <a:schemeClr val="dk1"/>
+          </a:effectRef>
+          <a:fontRef idx="minor">
+            <a:schemeClr val="tx1"/>
+          </a:fontRef>
+        </p:style>
+      </p:cxnSp>
+      <p:pic>
+        <p:nvPicPr>
+          <p:cNvPr id="1077" name="Grafik 1076" descr="Ein Bild, das Schrift, Grafiken, Symbol, Logo enthält.&#10;&#10;Automatisch generierte Beschreibung">
+            <a:extLst>
+              <a:ext uri="{FF2B5EF4-FFF2-40B4-BE49-F238E27FC236}">
+                <a16:creationId xmlns:a16="http://schemas.microsoft.com/office/drawing/2014/main" id="{FBBABFCE-5E0D-84D3-0775-21F482BFE5D7}"/>
+              </a:ext>
+            </a:extLst>
+          </p:cNvPr>
+          <p:cNvPicPr>
+            <a:picLocks noChangeAspect="1"/>
+          </p:cNvPicPr>
+          <p:nvPr/>
+        </p:nvPicPr>
+        <p:blipFill>
+          <a:blip r:embed="rId20">
+            <a:extLst>
+              <a:ext uri="{28A0092B-C50C-407E-A947-70E740481C1C}">
+                <a14:useLocalDpi xmlns:a14="http://schemas.microsoft.com/office/drawing/2010/main" val="0"/>
+              </a:ext>
+            </a:extLst>
+          </a:blip>
+          <a:stretch>
+            <a:fillRect/>
+          </a:stretch>
+        </p:blipFill>
+        <p:spPr>
+          <a:xfrm>
+            <a:off x="6204597" y="2198488"/>
+            <a:ext cx="839810" cy="216071"/>
+          </a:xfrm>
+          <a:prstGeom prst="rect">
+            <a:avLst/>
+          </a:prstGeom>
+        </p:spPr>
+      </p:pic>
+      <p:sp>
+        <p:nvSpPr>
+          <p:cNvPr id="1081" name="Ellipse 1080">
+            <a:extLst>
+              <a:ext uri="{FF2B5EF4-FFF2-40B4-BE49-F238E27FC236}">
+                <a16:creationId xmlns:a16="http://schemas.microsoft.com/office/drawing/2014/main" id="{E2F0E677-66CB-6A5C-5477-D1826CA93893}"/>
+              </a:ext>
+            </a:extLst>
+          </p:cNvPr>
+          <p:cNvSpPr/>
+          <p:nvPr/>
+        </p:nvSpPr>
+        <p:spPr>
+          <a:xfrm>
+            <a:off x="6246485" y="2007069"/>
+            <a:ext cx="116255" cy="107007"/>
+          </a:xfrm>
+          <a:prstGeom prst="ellipse">
+            <a:avLst/>
+          </a:prstGeom>
+          <a:solidFill>
+            <a:schemeClr val="bg1"/>
+          </a:solidFill>
+          <a:ln>
+            <a:solidFill>
+              <a:schemeClr val="bg1"/>
+            </a:solidFill>
+          </a:ln>
+        </p:spPr>
+        <p:style>
+          <a:lnRef idx="2">
+            <a:schemeClr val="accent1">
+              <a:shade val="15000"/>
+            </a:schemeClr>
+          </a:lnRef>
+          <a:fillRef idx="1">
+            <a:schemeClr val="accent1"/>
+          </a:fillRef>
+          <a:effectRef idx="0">
+            <a:schemeClr val="accent1"/>
+          </a:effectRef>
+          <a:fontRef idx="minor">
+            <a:schemeClr val="lt1"/>
+          </a:fontRef>
+        </p:style>
+        <p:txBody>
+          <a:bodyPr rtlCol="0" anchor="ctr"/>
+          <a:lstStyle/>
+          <a:p>
+            <a:pPr algn="ctr"/>
+            <a:endParaRPr lang="de-DE"/>
+          </a:p>
+        </p:txBody>
+      </p:sp>
+      <p:pic>
+        <p:nvPicPr>
+          <p:cNvPr id="1080" name="Grafik 1079" descr="Ein Bild, das Schrift, Grafiken, Logo, Symbol enthält.&#10;&#10;Automatisch generierte Beschreibung">
+            <a:extLst>
+              <a:ext uri="{FF2B5EF4-FFF2-40B4-BE49-F238E27FC236}">
+                <a16:creationId xmlns:a16="http://schemas.microsoft.com/office/drawing/2014/main" id="{F343B51A-B19E-C534-4730-F35EB575F5BC}"/>
+              </a:ext>
+            </a:extLst>
+          </p:cNvPr>
+          <p:cNvPicPr>
+            <a:picLocks noChangeAspect="1"/>
+          </p:cNvPicPr>
+          <p:nvPr/>
+        </p:nvPicPr>
+        <p:blipFill>
+          <a:blip r:embed="rId21">
+            <a:extLst>
+              <a:ext uri="{28A0092B-C50C-407E-A947-70E740481C1C}">
+                <a14:useLocalDpi xmlns:a14="http://schemas.microsoft.com/office/drawing/2010/main" val="0"/>
+              </a:ext>
+            </a:extLst>
+          </a:blip>
+          <a:stretch>
+            <a:fillRect/>
+          </a:stretch>
+        </p:blipFill>
+        <p:spPr>
+          <a:xfrm>
+            <a:off x="6112290" y="1876794"/>
+            <a:ext cx="1023359" cy="369369"/>
+          </a:xfrm>
+          <a:prstGeom prst="rect">
+            <a:avLst/>
+          </a:prstGeom>
+        </p:spPr>
+      </p:pic>
+      <p:cxnSp>
+        <p:nvCxnSpPr>
+          <p:cNvPr id="1083" name="Gerade Verbindung mit Pfeil 1082">
+            <a:extLst>
+              <a:ext uri="{FF2B5EF4-FFF2-40B4-BE49-F238E27FC236}">
+                <a16:creationId xmlns:a16="http://schemas.microsoft.com/office/drawing/2014/main" id="{3804AA38-0DB3-5DDC-7935-D8A04E151B0A}"/>
+              </a:ext>
+            </a:extLst>
+          </p:cNvPr>
+          <p:cNvCxnSpPr/>
+          <p:nvPr/>
+        </p:nvCxnSpPr>
+        <p:spPr>
+          <a:xfrm>
+            <a:off x="6096000" y="2183511"/>
+            <a:ext cx="1287971" cy="0"/>
           </a:xfrm>
           <a:prstGeom prst="straightConnector1">
             <a:avLst/>
@@ -4547,122 +5462,27 @@
       </p:cxnSp>
       <p:cxnSp>
         <p:nvCxnSpPr>
-          <p:cNvPr id="1084" name="Verbinder: gewinkelt 1083">
-            <a:extLst>
-              <a:ext uri="{FF2B5EF4-FFF2-40B4-BE49-F238E27FC236}">
-                <a16:creationId xmlns:a16="http://schemas.microsoft.com/office/drawing/2014/main" id="{26951591-36D7-B5A1-9441-9120C503AE8C}"/>
+          <p:cNvPr id="1086" name="Verbinder: gewinkelt 1085">
+            <a:extLst>
+              <a:ext uri="{FF2B5EF4-FFF2-40B4-BE49-F238E27FC236}">
+                <a16:creationId xmlns:a16="http://schemas.microsoft.com/office/drawing/2014/main" id="{6E490EB8-58FF-5FA3-6E83-5040C0B69267}"/>
               </a:ext>
             </a:extLst>
           </p:cNvPr>
           <p:cNvCxnSpPr>
             <a:cxnSpLocks/>
-            <a:stCxn id="12" idx="1"/>
+            <a:endCxn id="61" idx="2"/>
           </p:cNvCxnSpPr>
           <p:nvPr/>
         </p:nvCxnSpPr>
         <p:spPr>
-          <a:xfrm rot="10800000">
-            <a:off x="2830204" y="3679339"/>
-            <a:ext cx="1483396" cy="1737347"/>
-          </a:xfrm>
-          <a:prstGeom prst="bentConnector2">
-            <a:avLst/>
-          </a:prstGeom>
-          <a:ln>
-            <a:headEnd type="triangle"/>
-            <a:tailEnd type="none"/>
-          </a:ln>
-        </p:spPr>
-        <p:style>
-          <a:lnRef idx="2">
-            <a:schemeClr val="dk1"/>
-          </a:lnRef>
-          <a:fillRef idx="0">
-            <a:schemeClr val="dk1"/>
-          </a:fillRef>
-          <a:effectRef idx="1">
-            <a:schemeClr val="dk1"/>
-          </a:effectRef>
-          <a:fontRef idx="minor">
-            <a:schemeClr val="tx1"/>
-          </a:fontRef>
-        </p:style>
-      </p:cxnSp>
-      <p:sp>
-        <p:nvSpPr>
-          <p:cNvPr id="1094" name="Textfeld 1093">
-            <a:extLst>
-              <a:ext uri="{FF2B5EF4-FFF2-40B4-BE49-F238E27FC236}">
-                <a16:creationId xmlns:a16="http://schemas.microsoft.com/office/drawing/2014/main" id="{2D36DA96-DC70-D0DF-7770-5137F0D43B94}"/>
-              </a:ext>
-            </a:extLst>
-          </p:cNvPr>
-          <p:cNvSpPr txBox="1"/>
-          <p:nvPr/>
-        </p:nvSpPr>
-        <p:spPr>
-          <a:xfrm>
-            <a:off x="4080511" y="1777773"/>
-            <a:ext cx="1340752" cy="276999"/>
-          </a:xfrm>
-          <a:prstGeom prst="rect">
-            <a:avLst/>
-          </a:prstGeom>
-          <a:noFill/>
-        </p:spPr>
-        <p:txBody>
-          <a:bodyPr wrap="none" rtlCol="0">
-            <a:spAutoFit/>
-          </a:bodyPr>
-          <a:lstStyle/>
-          <a:p>
-            <a:r>
-              <a:rPr lang="de-DE" sz="1200" b="1" dirty="0" err="1"/>
-              <a:t>load</a:t>
-            </a:r>
-            <a:r>
-              <a:rPr lang="de-DE" sz="1200" b="1" dirty="0"/>
-              <a:t> </a:t>
-            </a:r>
-            <a:r>
-              <a:rPr lang="de-DE" sz="1200" b="1" dirty="0" err="1"/>
-              <a:t>best</a:t>
-            </a:r>
-            <a:r>
-              <a:rPr lang="de-DE" sz="1200" b="1" dirty="0"/>
-              <a:t> </a:t>
-            </a:r>
-            <a:r>
-              <a:rPr lang="de-DE" sz="1200" b="1" dirty="0" err="1"/>
-              <a:t>model</a:t>
-            </a:r>
-            <a:r>
-              <a:rPr lang="de-DE" sz="1200" b="1" dirty="0"/>
-              <a:t> </a:t>
-            </a:r>
-          </a:p>
-        </p:txBody>
-      </p:sp>
-      <p:cxnSp>
-        <p:nvCxnSpPr>
-          <p:cNvPr id="1096" name="Verbinder: gewinkelt 1095">
-            <a:extLst>
-              <a:ext uri="{FF2B5EF4-FFF2-40B4-BE49-F238E27FC236}">
-                <a16:creationId xmlns:a16="http://schemas.microsoft.com/office/drawing/2014/main" id="{D31F4193-974C-C258-26F2-7504E1A241C2}"/>
-              </a:ext>
-            </a:extLst>
-          </p:cNvPr>
-          <p:cNvCxnSpPr/>
-          <p:nvPr/>
-        </p:nvCxnSpPr>
-        <p:spPr>
-          <a:xfrm flipV="1">
-            <a:off x="3624453" y="2054772"/>
-            <a:ext cx="6277192" cy="948250"/>
+          <a:xfrm rot="16200000" flipV="1">
+            <a:off x="5087008" y="3317295"/>
+            <a:ext cx="1843978" cy="504323"/>
           </a:xfrm>
           <a:prstGeom prst="bentConnector3">
             <a:avLst>
-              <a:gd name="adj1" fmla="val 6718"/>
+              <a:gd name="adj1" fmla="val -557"/>
             </a:avLst>
           </a:prstGeom>
           <a:ln>
@@ -4684,6 +5504,106 @@
           </a:fontRef>
         </p:style>
       </p:cxnSp>
+      <p:sp>
+        <p:nvSpPr>
+          <p:cNvPr id="1090" name="Textfeld 1089">
+            <a:extLst>
+              <a:ext uri="{FF2B5EF4-FFF2-40B4-BE49-F238E27FC236}">
+                <a16:creationId xmlns:a16="http://schemas.microsoft.com/office/drawing/2014/main" id="{5409AC7A-5349-551F-2D79-AB6D9D2EFF1D}"/>
+              </a:ext>
+            </a:extLst>
+          </p:cNvPr>
+          <p:cNvSpPr txBox="1"/>
+          <p:nvPr/>
+        </p:nvSpPr>
+        <p:spPr>
+          <a:xfrm rot="16200000">
+            <a:off x="4815232" y="3610729"/>
+            <a:ext cx="1617109" cy="276999"/>
+          </a:xfrm>
+          <a:prstGeom prst="rect">
+            <a:avLst/>
+          </a:prstGeom>
+          <a:noFill/>
+        </p:spPr>
+        <p:txBody>
+          <a:bodyPr wrap="none" rtlCol="0">
+            <a:spAutoFit/>
+          </a:bodyPr>
+          <a:lstStyle/>
+          <a:p>
+            <a:r>
+              <a:rPr lang="de-DE" sz="1200" b="1" dirty="0" err="1"/>
+              <a:t>trigger</a:t>
+            </a:r>
+            <a:r>
+              <a:rPr lang="de-DE" sz="1200" b="1" dirty="0"/>
+              <a:t> </a:t>
+            </a:r>
+            <a:r>
+              <a:rPr lang="de-DE" sz="1200" b="1" dirty="0" err="1"/>
+              <a:t>image</a:t>
+            </a:r>
+            <a:r>
+              <a:rPr lang="de-DE" sz="1200" b="1" dirty="0"/>
+              <a:t> </a:t>
+            </a:r>
+            <a:r>
+              <a:rPr lang="de-DE" sz="1200" b="1" dirty="0" err="1"/>
+              <a:t>rebuild</a:t>
+            </a:r>
+            <a:endParaRPr lang="de-DE" sz="1200" b="1" dirty="0"/>
+          </a:p>
+        </p:txBody>
+      </p:sp>
+      <p:sp>
+        <p:nvSpPr>
+          <p:cNvPr id="1091" name="Textfeld 1090">
+            <a:extLst>
+              <a:ext uri="{FF2B5EF4-FFF2-40B4-BE49-F238E27FC236}">
+                <a16:creationId xmlns:a16="http://schemas.microsoft.com/office/drawing/2014/main" id="{5C2E4FBD-5E8F-9530-D6C6-450DDD0140FD}"/>
+              </a:ext>
+            </a:extLst>
+          </p:cNvPr>
+          <p:cNvSpPr txBox="1"/>
+          <p:nvPr/>
+        </p:nvSpPr>
+        <p:spPr>
+          <a:xfrm>
+            <a:off x="6852957" y="4260032"/>
+            <a:ext cx="666721" cy="461665"/>
+          </a:xfrm>
+          <a:prstGeom prst="rect">
+            <a:avLst/>
+          </a:prstGeom>
+          <a:noFill/>
+        </p:spPr>
+        <p:txBody>
+          <a:bodyPr wrap="none" rtlCol="0">
+            <a:spAutoFit/>
+          </a:bodyPr>
+          <a:lstStyle/>
+          <a:p>
+            <a:pPr algn="r"/>
+            <a:r>
+              <a:rPr lang="de-DE" sz="1200" b="1" dirty="0" err="1"/>
+              <a:t>trigger</a:t>
+            </a:r>
+            <a:r>
+              <a:rPr lang="de-DE" sz="1200" b="1" dirty="0"/>
+              <a:t> </a:t>
+            </a:r>
+          </a:p>
+          <a:p>
+            <a:pPr algn="r"/>
+            <a:r>
+              <a:rPr lang="de-DE" sz="1200" b="1" dirty="0" err="1"/>
+              <a:t>testing</a:t>
+            </a:r>
+            <a:endParaRPr lang="de-DE" sz="1200" b="1" dirty="0"/>
+          </a:p>
+        </p:txBody>
+      </p:sp>
     </p:spTree>
     <p:extLst>
       <p:ext uri="{BB962C8B-B14F-4D97-AF65-F5344CB8AC3E}">
@@ -4890,6 +5810,84 @@
           <a:xfrm>
             <a:off x="4673162" y="1825017"/>
             <a:ext cx="1648495" cy="1143000"/>
+          </a:xfrm>
+          <a:prstGeom prst="rect">
+            <a:avLst/>
+          </a:prstGeom>
+        </p:spPr>
+      </p:pic>
+      <p:pic>
+        <p:nvPicPr>
+          <p:cNvPr id="3" name="Grafik 2">
+            <a:extLst>
+              <a:ext uri="{FF2B5EF4-FFF2-40B4-BE49-F238E27FC236}">
+                <a16:creationId xmlns:a16="http://schemas.microsoft.com/office/drawing/2014/main" id="{55FFD481-F3E0-5FBA-B4A2-F43276F76230}"/>
+              </a:ext>
+            </a:extLst>
+          </p:cNvPr>
+          <p:cNvPicPr>
+            <a:picLocks noChangeAspect="1"/>
+          </p:cNvPicPr>
+          <p:nvPr/>
+        </p:nvPicPr>
+        <p:blipFill>
+          <a:blip r:embed="rId8">
+            <a:extLst>
+              <a:ext uri="{28A0092B-C50C-407E-A947-70E740481C1C}">
+                <a14:useLocalDpi xmlns:a14="http://schemas.microsoft.com/office/drawing/2010/main" val="0"/>
+              </a:ext>
+              <a:ext uri="{96DAC541-7B7A-43D3-8B79-37D633B846F1}">
+                <asvg:svgBlip xmlns:asvg="http://schemas.microsoft.com/office/drawing/2016/SVG/main" r:embed="rId9"/>
+              </a:ext>
+            </a:extLst>
+          </a:blip>
+          <a:stretch>
+            <a:fillRect/>
+          </a:stretch>
+        </p:blipFill>
+        <p:spPr>
+          <a:xfrm>
+            <a:off x="4098870" y="3377767"/>
+            <a:ext cx="2641243" cy="675798"/>
+          </a:xfrm>
+          <a:prstGeom prst="rect">
+            <a:avLst/>
+          </a:prstGeom>
+        </p:spPr>
+      </p:pic>
+      <p:pic>
+        <p:nvPicPr>
+          <p:cNvPr id="6" name="Grafik 5">
+            <a:extLst>
+              <a:ext uri="{FF2B5EF4-FFF2-40B4-BE49-F238E27FC236}">
+                <a16:creationId xmlns:a16="http://schemas.microsoft.com/office/drawing/2014/main" id="{B8F75F92-2B91-447C-4FC3-D3534E1B363D}"/>
+              </a:ext>
+            </a:extLst>
+          </p:cNvPr>
+          <p:cNvPicPr>
+            <a:picLocks noChangeAspect="1"/>
+          </p:cNvPicPr>
+          <p:nvPr/>
+        </p:nvPicPr>
+        <p:blipFill>
+          <a:blip r:embed="rId10">
+            <a:extLst>
+              <a:ext uri="{28A0092B-C50C-407E-A947-70E740481C1C}">
+                <a14:useLocalDpi xmlns:a14="http://schemas.microsoft.com/office/drawing/2010/main" val="0"/>
+              </a:ext>
+              <a:ext uri="{96DAC541-7B7A-43D3-8B79-37D633B846F1}">
+                <asvg:svgBlip xmlns:asvg="http://schemas.microsoft.com/office/drawing/2016/SVG/main" r:embed="rId11"/>
+              </a:ext>
+            </a:extLst>
+          </a:blip>
+          <a:stretch>
+            <a:fillRect/>
+          </a:stretch>
+        </p:blipFill>
+        <p:spPr>
+          <a:xfrm>
+            <a:off x="4098870" y="4608041"/>
+            <a:ext cx="2804736" cy="804957"/>
           </a:xfrm>
           <a:prstGeom prst="rect">
             <a:avLst/>
@@ -4928,10 +5926,10 @@
       </p:grpSpPr>
       <p:grpSp>
         <p:nvGrpSpPr>
-          <p:cNvPr id="2" name="Gruppieren 1">
-            <a:extLst>
-              <a:ext uri="{FF2B5EF4-FFF2-40B4-BE49-F238E27FC236}">
-                <a16:creationId xmlns:a16="http://schemas.microsoft.com/office/drawing/2014/main" id="{51BE93A9-9C1B-B70E-F229-226C72ECBF9D}"/>
+          <p:cNvPr id="4" name="Gruppieren 3">
+            <a:extLst>
+              <a:ext uri="{FF2B5EF4-FFF2-40B4-BE49-F238E27FC236}">
+                <a16:creationId xmlns:a16="http://schemas.microsoft.com/office/drawing/2014/main" id="{72F67AFF-A7E9-46C7-E16B-0322CFE28D42}"/>
               </a:ext>
             </a:extLst>
           </p:cNvPr>
@@ -4940,10 +5938,10 @@
         </p:nvGrpSpPr>
         <p:grpSpPr>
           <a:xfrm>
-            <a:off x="1842070" y="421277"/>
-            <a:ext cx="9659122" cy="6052545"/>
-            <a:chOff x="1842070" y="421277"/>
-            <a:chExt cx="9659122" cy="6052545"/>
+            <a:off x="763112" y="421277"/>
+            <a:ext cx="10690313" cy="6052545"/>
+            <a:chOff x="763112" y="421277"/>
+            <a:chExt cx="10690313" cy="6052545"/>
           </a:xfrm>
         </p:grpSpPr>
         <p:grpSp>
@@ -4960,7 +5958,7 @@
           </p:nvGrpSpPr>
           <p:grpSpPr>
             <a:xfrm>
-              <a:off x="6040547" y="2449036"/>
+              <a:off x="6008028" y="3304428"/>
               <a:ext cx="861814" cy="1129764"/>
               <a:chOff x="5234186" y="1804111"/>
               <a:chExt cx="1723628" cy="2259528"/>
@@ -5477,7 +6475,7 @@
           </p:nvGrpSpPr>
           <p:grpSpPr>
             <a:xfrm>
-              <a:off x="6659643" y="4110655"/>
+              <a:off x="6615210" y="4978687"/>
               <a:ext cx="1717787" cy="1350643"/>
               <a:chOff x="5567116" y="3157973"/>
               <a:chExt cx="2286000" cy="1797411"/>
@@ -5595,13 +6593,13 @@
                 </a:ext>
               </a:extLst>
             </a:blip>
-            <a:srcRect l="20183" r="20950"/>
+            <a:srcRect l="20183" t="19432" r="20950"/>
             <a:stretch/>
           </p:blipFill>
           <p:spPr>
             <a:xfrm>
-              <a:off x="2210479" y="2558908"/>
-              <a:ext cx="1254892" cy="870092"/>
+              <a:off x="2197096" y="3658188"/>
+              <a:ext cx="1254892" cy="701017"/>
             </a:xfrm>
             <a:prstGeom prst="rect">
               <a:avLst/>
@@ -5636,7 +6634,7 @@
           </p:blipFill>
           <p:spPr>
             <a:xfrm>
-              <a:off x="1842070" y="651074"/>
+              <a:off x="3768387" y="867632"/>
               <a:ext cx="1991710" cy="995855"/>
             </a:xfrm>
             <a:prstGeom prst="rect">
@@ -5816,6 +6814,2310 @@
           </p:nvGrpSpPr>
           <p:grpSpPr>
             <a:xfrm>
+              <a:off x="10284776" y="3592391"/>
+              <a:ext cx="959604" cy="1204954"/>
+              <a:chOff x="10307773" y="2859567"/>
+              <a:chExt cx="959604" cy="1204954"/>
+            </a:xfrm>
+          </p:grpSpPr>
+          <p:pic>
+            <p:nvPicPr>
+              <p:cNvPr id="1039" name="Grafik 1038" descr="Ein Bild, das Schwarz, Dunkelheit enthält.&#10;&#10;Automatisch generierte Beschreibung">
+                <a:extLst>
+                  <a:ext uri="{FF2B5EF4-FFF2-40B4-BE49-F238E27FC236}">
+                    <a16:creationId xmlns:a16="http://schemas.microsoft.com/office/drawing/2014/main" id="{D7BF6AA7-0C7C-5237-ACCF-FB43F6E7B0E5}"/>
+                  </a:ext>
+                </a:extLst>
+              </p:cNvPr>
+              <p:cNvPicPr>
+                <a:picLocks noChangeAspect="1"/>
+              </p:cNvPicPr>
+              <p:nvPr/>
+            </p:nvPicPr>
+            <p:blipFill>
+              <a:blip r:embed="rId10">
+                <a:extLst>
+                  <a:ext uri="{28A0092B-C50C-407E-A947-70E740481C1C}">
+                    <a14:useLocalDpi xmlns:a14="http://schemas.microsoft.com/office/drawing/2010/main" val="0"/>
+                  </a:ext>
+                </a:extLst>
+              </a:blip>
+              <a:stretch>
+                <a:fillRect/>
+              </a:stretch>
+            </p:blipFill>
+            <p:spPr>
+              <a:xfrm>
+                <a:off x="10307773" y="2859567"/>
+                <a:ext cx="959604" cy="959604"/>
+              </a:xfrm>
+              <a:prstGeom prst="rect">
+                <a:avLst/>
+              </a:prstGeom>
+            </p:spPr>
+          </p:pic>
+          <p:sp>
+            <p:nvSpPr>
+              <p:cNvPr id="1041" name="Textfeld 1040">
+                <a:extLst>
+                  <a:ext uri="{FF2B5EF4-FFF2-40B4-BE49-F238E27FC236}">
+                    <a16:creationId xmlns:a16="http://schemas.microsoft.com/office/drawing/2014/main" id="{232AFE52-762E-7293-6D7C-ED44E15EBD07}"/>
+                  </a:ext>
+                </a:extLst>
+              </p:cNvPr>
+              <p:cNvSpPr txBox="1"/>
+              <p:nvPr/>
+            </p:nvSpPr>
+            <p:spPr>
+              <a:xfrm>
+                <a:off x="10476785" y="3725967"/>
+                <a:ext cx="621580" cy="338554"/>
+              </a:xfrm>
+              <a:prstGeom prst="rect">
+                <a:avLst/>
+              </a:prstGeom>
+              <a:noFill/>
+            </p:spPr>
+            <p:txBody>
+              <a:bodyPr wrap="none" rtlCol="0">
+                <a:spAutoFit/>
+              </a:bodyPr>
+              <a:lstStyle/>
+              <a:p>
+                <a:r>
+                  <a:rPr lang="de-DE" sz="1600" b="1" dirty="0"/>
+                  <a:t>User</a:t>
+                </a:r>
+              </a:p>
+            </p:txBody>
+          </p:sp>
+        </p:grpSp>
+        <p:pic>
+          <p:nvPicPr>
+            <p:cNvPr id="1044" name="Grafik 1043" descr="Ein Bild, das Schwarz, Dunkelheit enthält.&#10;&#10;Automatisch generierte Beschreibung">
+              <a:extLst>
+                <a:ext uri="{FF2B5EF4-FFF2-40B4-BE49-F238E27FC236}">
+                  <a16:creationId xmlns:a16="http://schemas.microsoft.com/office/drawing/2014/main" id="{FABB6E44-D93A-8CB8-F13E-934DDAEE075D}"/>
+                </a:ext>
+              </a:extLst>
+            </p:cNvPr>
+            <p:cNvPicPr>
+              <a:picLocks noChangeAspect="1"/>
+            </p:cNvPicPr>
+            <p:nvPr/>
+          </p:nvPicPr>
+          <p:blipFill>
+            <a:blip r:embed="rId11">
+              <a:extLst>
+                <a:ext uri="{28A0092B-C50C-407E-A947-70E740481C1C}">
+                  <a14:useLocalDpi xmlns:a14="http://schemas.microsoft.com/office/drawing/2010/main" val="0"/>
+                </a:ext>
+              </a:extLst>
+            </a:blip>
+            <a:stretch>
+              <a:fillRect/>
+            </a:stretch>
+          </p:blipFill>
+          <p:spPr>
+            <a:xfrm>
+              <a:off x="7472515" y="1629631"/>
+              <a:ext cx="1396210" cy="1041703"/>
+            </a:xfrm>
+            <a:prstGeom prst="rect">
+              <a:avLst/>
+            </a:prstGeom>
+          </p:spPr>
+        </p:pic>
+        <p:cxnSp>
+          <p:nvCxnSpPr>
+            <p:cNvPr id="1062" name="Verbinder: gewinkelt 1061">
+              <a:extLst>
+                <a:ext uri="{FF2B5EF4-FFF2-40B4-BE49-F238E27FC236}">
+                  <a16:creationId xmlns:a16="http://schemas.microsoft.com/office/drawing/2014/main" id="{54F373CA-02F0-CA64-FF65-49E562CF5264}"/>
+                </a:ext>
+              </a:extLst>
+            </p:cNvPr>
+            <p:cNvCxnSpPr>
+              <a:stCxn id="12" idx="3"/>
+              <a:endCxn id="7" idx="2"/>
+            </p:cNvCxnSpPr>
+            <p:nvPr/>
+          </p:nvCxnSpPr>
+          <p:spPr>
+            <a:xfrm flipV="1">
+              <a:off x="5183692" y="4434193"/>
+              <a:ext cx="1255243" cy="982492"/>
+            </a:xfrm>
+            <a:prstGeom prst="bentConnector2">
+              <a:avLst/>
+            </a:prstGeom>
+            <a:ln>
+              <a:solidFill>
+                <a:schemeClr val="tx1"/>
+              </a:solidFill>
+              <a:tailEnd type="triangle"/>
+            </a:ln>
+          </p:spPr>
+          <p:style>
+            <a:lnRef idx="2">
+              <a:schemeClr val="accent1"/>
+            </a:lnRef>
+            <a:fillRef idx="0">
+              <a:schemeClr val="accent1"/>
+            </a:fillRef>
+            <a:effectRef idx="1">
+              <a:schemeClr val="accent1"/>
+            </a:effectRef>
+            <a:fontRef idx="minor">
+              <a:schemeClr val="tx1"/>
+            </a:fontRef>
+          </p:style>
+        </p:cxnSp>
+        <p:cxnSp>
+          <p:nvCxnSpPr>
+            <p:cNvPr id="1064" name="Verbinder: gewinkelt 1063">
+              <a:extLst>
+                <a:ext uri="{FF2B5EF4-FFF2-40B4-BE49-F238E27FC236}">
+                  <a16:creationId xmlns:a16="http://schemas.microsoft.com/office/drawing/2014/main" id="{B9187E88-7AD9-D6B3-2251-ED908C7AFA40}"/>
+                </a:ext>
+              </a:extLst>
+            </p:cNvPr>
+            <p:cNvCxnSpPr>
+              <a:cxnSpLocks/>
+              <a:endCxn id="41" idx="0"/>
+            </p:cNvCxnSpPr>
+            <p:nvPr/>
+          </p:nvCxnSpPr>
+          <p:spPr>
+            <a:xfrm>
+              <a:off x="6615210" y="4491446"/>
+              <a:ext cx="858894" cy="487241"/>
+            </a:xfrm>
+            <a:prstGeom prst="bentConnector2">
+              <a:avLst/>
+            </a:prstGeom>
+            <a:ln>
+              <a:tailEnd type="triangle"/>
+            </a:ln>
+          </p:spPr>
+          <p:style>
+            <a:lnRef idx="2">
+              <a:schemeClr val="dk1"/>
+            </a:lnRef>
+            <a:fillRef idx="0">
+              <a:schemeClr val="dk1"/>
+            </a:fillRef>
+            <a:effectRef idx="1">
+              <a:schemeClr val="dk1"/>
+            </a:effectRef>
+            <a:fontRef idx="minor">
+              <a:schemeClr val="tx1"/>
+            </a:fontRef>
+          </p:style>
+        </p:cxnSp>
+        <p:cxnSp>
+          <p:nvCxnSpPr>
+            <p:cNvPr id="1072" name="Gerade Verbindung mit Pfeil 1071">
+              <a:extLst>
+                <a:ext uri="{FF2B5EF4-FFF2-40B4-BE49-F238E27FC236}">
+                  <a16:creationId xmlns:a16="http://schemas.microsoft.com/office/drawing/2014/main" id="{2565ECE2-78C8-CFDE-2A08-69880A480A46}"/>
+                </a:ext>
+              </a:extLst>
+            </p:cNvPr>
+            <p:cNvCxnSpPr>
+              <a:cxnSpLocks/>
+              <a:endCxn id="1039" idx="0"/>
+            </p:cNvCxnSpPr>
+            <p:nvPr/>
+          </p:nvCxnSpPr>
+          <p:spPr>
+            <a:xfrm>
+              <a:off x="10764578" y="3162486"/>
+              <a:ext cx="0" cy="429905"/>
+            </a:xfrm>
+            <a:prstGeom prst="straightConnector1">
+              <a:avLst/>
+            </a:prstGeom>
+            <a:ln>
+              <a:solidFill>
+                <a:schemeClr val="tx1"/>
+              </a:solidFill>
+              <a:headEnd type="triangle"/>
+              <a:tailEnd type="triangle"/>
+            </a:ln>
+          </p:spPr>
+          <p:style>
+            <a:lnRef idx="2">
+              <a:schemeClr val="accent1"/>
+            </a:lnRef>
+            <a:fillRef idx="0">
+              <a:schemeClr val="accent1"/>
+            </a:fillRef>
+            <a:effectRef idx="1">
+              <a:schemeClr val="accent1"/>
+            </a:effectRef>
+            <a:fontRef idx="minor">
+              <a:schemeClr val="tx1"/>
+            </a:fontRef>
+          </p:style>
+        </p:cxnSp>
+        <p:cxnSp>
+          <p:nvCxnSpPr>
+            <p:cNvPr id="1084" name="Verbinder: gewinkelt 1083">
+              <a:extLst>
+                <a:ext uri="{FF2B5EF4-FFF2-40B4-BE49-F238E27FC236}">
+                  <a16:creationId xmlns:a16="http://schemas.microsoft.com/office/drawing/2014/main" id="{26951591-36D7-B5A1-9441-9120C503AE8C}"/>
+                </a:ext>
+              </a:extLst>
+            </p:cNvPr>
+            <p:cNvCxnSpPr>
+              <a:cxnSpLocks/>
+            </p:cNvCxnSpPr>
+            <p:nvPr/>
+          </p:nvCxnSpPr>
+          <p:spPr>
+            <a:xfrm rot="10800000">
+              <a:off x="2813443" y="4521696"/>
+              <a:ext cx="1480282" cy="894989"/>
+            </a:xfrm>
+            <a:prstGeom prst="bentConnector3">
+              <a:avLst>
+                <a:gd name="adj1" fmla="val 99524"/>
+              </a:avLst>
+            </a:prstGeom>
+            <a:ln>
+              <a:headEnd type="triangle"/>
+              <a:tailEnd type="none"/>
+            </a:ln>
+          </p:spPr>
+          <p:style>
+            <a:lnRef idx="2">
+              <a:schemeClr val="dk1"/>
+            </a:lnRef>
+            <a:fillRef idx="0">
+              <a:schemeClr val="dk1"/>
+            </a:fillRef>
+            <a:effectRef idx="1">
+              <a:schemeClr val="dk1"/>
+            </a:effectRef>
+            <a:fontRef idx="minor">
+              <a:schemeClr val="tx1"/>
+            </a:fontRef>
+          </p:style>
+        </p:cxnSp>
+        <p:pic>
+          <p:nvPicPr>
+            <p:cNvPr id="2" name="Grafik 1">
+              <a:extLst>
+                <a:ext uri="{FF2B5EF4-FFF2-40B4-BE49-F238E27FC236}">
+                  <a16:creationId xmlns:a16="http://schemas.microsoft.com/office/drawing/2014/main" id="{B841E486-32DE-FFED-C1DE-C929860A6A02}"/>
+                </a:ext>
+              </a:extLst>
+            </p:cNvPr>
+            <p:cNvPicPr>
+              <a:picLocks noChangeAspect="1"/>
+            </p:cNvPicPr>
+            <p:nvPr/>
+          </p:nvPicPr>
+          <p:blipFill>
+            <a:blip r:embed="rId12">
+              <a:extLst>
+                <a:ext uri="{28A0092B-C50C-407E-A947-70E740481C1C}">
+                  <a14:useLocalDpi xmlns:a14="http://schemas.microsoft.com/office/drawing/2010/main" val="0"/>
+                </a:ext>
+                <a:ext uri="{96DAC541-7B7A-43D3-8B79-37D633B846F1}">
+                  <asvg:svgBlip xmlns:asvg="http://schemas.microsoft.com/office/drawing/2016/SVG/main" r:embed="rId13"/>
+                </a:ext>
+              </a:extLst>
+            </a:blip>
+            <a:stretch>
+              <a:fillRect/>
+            </a:stretch>
+          </p:blipFill>
+          <p:spPr>
+            <a:xfrm>
+              <a:off x="851125" y="1716604"/>
+              <a:ext cx="1395889" cy="357157"/>
+            </a:xfrm>
+            <a:prstGeom prst="rect">
+              <a:avLst/>
+            </a:prstGeom>
+          </p:spPr>
+        </p:pic>
+        <p:pic>
+          <p:nvPicPr>
+            <p:cNvPr id="3" name="Grafik 2">
+              <a:extLst>
+                <a:ext uri="{FF2B5EF4-FFF2-40B4-BE49-F238E27FC236}">
+                  <a16:creationId xmlns:a16="http://schemas.microsoft.com/office/drawing/2014/main" id="{A438D6B3-6B3B-7EF0-34D9-D0C68B95D5F5}"/>
+                </a:ext>
+              </a:extLst>
+            </p:cNvPr>
+            <p:cNvPicPr>
+              <a:picLocks noChangeAspect="1"/>
+            </p:cNvPicPr>
+            <p:nvPr/>
+          </p:nvPicPr>
+          <p:blipFill>
+            <a:blip r:embed="rId14">
+              <a:extLst>
+                <a:ext uri="{28A0092B-C50C-407E-A947-70E740481C1C}">
+                  <a14:useLocalDpi xmlns:a14="http://schemas.microsoft.com/office/drawing/2010/main" val="0"/>
+                </a:ext>
+                <a:ext uri="{96DAC541-7B7A-43D3-8B79-37D633B846F1}">
+                  <asvg:svgBlip xmlns:asvg="http://schemas.microsoft.com/office/drawing/2016/SVG/main" r:embed="rId15"/>
+                </a:ext>
+              </a:extLst>
+            </a:blip>
+            <a:stretch>
+              <a:fillRect/>
+            </a:stretch>
+          </p:blipFill>
+          <p:spPr>
+            <a:xfrm>
+              <a:off x="902310" y="2244734"/>
+              <a:ext cx="1419377" cy="407360"/>
+            </a:xfrm>
+            <a:prstGeom prst="rect">
+              <a:avLst/>
+            </a:prstGeom>
+          </p:spPr>
+        </p:pic>
+        <p:pic>
+          <p:nvPicPr>
+            <p:cNvPr id="53" name="Grafik 52" descr="Ein Bild, das Screenshot, Electric Blue (Farbe), Kreis, Grafiken enthält.&#10;&#10;Automatisch generierte Beschreibung">
+              <a:extLst>
+                <a:ext uri="{FF2B5EF4-FFF2-40B4-BE49-F238E27FC236}">
+                  <a16:creationId xmlns:a16="http://schemas.microsoft.com/office/drawing/2014/main" id="{3D999BEE-2AD0-850F-3DD0-F02965D2D0DA}"/>
+                </a:ext>
+              </a:extLst>
+            </p:cNvPr>
+            <p:cNvPicPr>
+              <a:picLocks noChangeAspect="1"/>
+            </p:cNvPicPr>
+            <p:nvPr/>
+          </p:nvPicPr>
+          <p:blipFill>
+            <a:blip r:embed="rId16">
+              <a:extLst>
+                <a:ext uri="{28A0092B-C50C-407E-A947-70E740481C1C}">
+                  <a14:useLocalDpi xmlns:a14="http://schemas.microsoft.com/office/drawing/2010/main" val="0"/>
+                </a:ext>
+              </a:extLst>
+            </a:blip>
+            <a:stretch>
+              <a:fillRect/>
+            </a:stretch>
+          </p:blipFill>
+          <p:spPr>
+            <a:xfrm>
+              <a:off x="4501101" y="1936077"/>
+              <a:ext cx="495044" cy="495044"/>
+            </a:xfrm>
+            <a:prstGeom prst="rect">
+              <a:avLst/>
+            </a:prstGeom>
+          </p:spPr>
+        </p:pic>
+        <p:sp>
+          <p:nvSpPr>
+            <p:cNvPr id="54" name="Textfeld 53">
+              <a:extLst>
+                <a:ext uri="{FF2B5EF4-FFF2-40B4-BE49-F238E27FC236}">
+                  <a16:creationId xmlns:a16="http://schemas.microsoft.com/office/drawing/2014/main" id="{403CBBAE-76FB-7D48-AC38-B364CE2873EA}"/>
+                </a:ext>
+              </a:extLst>
+            </p:cNvPr>
+            <p:cNvSpPr txBox="1"/>
+            <p:nvPr/>
+          </p:nvSpPr>
+          <p:spPr>
+            <a:xfrm>
+              <a:off x="4236304" y="2401247"/>
+              <a:ext cx="1024639" cy="246221"/>
+            </a:xfrm>
+            <a:prstGeom prst="rect">
+              <a:avLst/>
+            </a:prstGeom>
+            <a:noFill/>
+          </p:spPr>
+          <p:txBody>
+            <a:bodyPr wrap="none" rtlCol="0">
+              <a:spAutoFit/>
+            </a:bodyPr>
+            <a:lstStyle/>
+            <a:p>
+              <a:r>
+                <a:rPr lang="de-DE" sz="1000" dirty="0"/>
+                <a:t>Storage </a:t>
+              </a:r>
+              <a:r>
+                <a:rPr lang="de-DE" sz="1000" dirty="0" err="1"/>
+                <a:t>Bucket</a:t>
+              </a:r>
+              <a:endParaRPr lang="de-DE" sz="1000" dirty="0"/>
+            </a:p>
+          </p:txBody>
+        </p:sp>
+        <p:cxnSp>
+          <p:nvCxnSpPr>
+            <p:cNvPr id="58" name="Gerader Verbinder 57">
+              <a:extLst>
+                <a:ext uri="{FF2B5EF4-FFF2-40B4-BE49-F238E27FC236}">
+                  <a16:creationId xmlns:a16="http://schemas.microsoft.com/office/drawing/2014/main" id="{13B7B6B2-53C7-B7AF-602D-EE8B11921424}"/>
+                </a:ext>
+              </a:extLst>
+            </p:cNvPr>
+            <p:cNvCxnSpPr/>
+            <p:nvPr/>
+          </p:nvCxnSpPr>
+          <p:spPr>
+            <a:xfrm>
+              <a:off x="3423439" y="1863487"/>
+              <a:ext cx="2675697" cy="0"/>
+            </a:xfrm>
+            <a:prstGeom prst="line">
+              <a:avLst/>
+            </a:prstGeom>
+            <a:ln>
+              <a:solidFill>
+                <a:schemeClr val="bg1">
+                  <a:lumMod val="95000"/>
+                </a:schemeClr>
+              </a:solidFill>
+            </a:ln>
+          </p:spPr>
+          <p:style>
+            <a:lnRef idx="2">
+              <a:schemeClr val="accent1"/>
+            </a:lnRef>
+            <a:fillRef idx="0">
+              <a:schemeClr val="accent1"/>
+            </a:fillRef>
+            <a:effectRef idx="1">
+              <a:schemeClr val="accent1"/>
+            </a:effectRef>
+            <a:fontRef idx="minor">
+              <a:schemeClr val="tx1"/>
+            </a:fontRef>
+          </p:style>
+        </p:cxnSp>
+        <p:sp>
+          <p:nvSpPr>
+            <p:cNvPr id="61" name="Textfeld 60">
+              <a:extLst>
+                <a:ext uri="{FF2B5EF4-FFF2-40B4-BE49-F238E27FC236}">
+                  <a16:creationId xmlns:a16="http://schemas.microsoft.com/office/drawing/2014/main" id="{E18FA7D7-21C0-8BC0-D141-D67DF64B6A85}"/>
+                </a:ext>
+              </a:extLst>
+            </p:cNvPr>
+            <p:cNvSpPr txBox="1"/>
+            <p:nvPr/>
+          </p:nvSpPr>
+          <p:spPr>
+            <a:xfrm>
+              <a:off x="5154747" y="2401247"/>
+              <a:ext cx="1204176" cy="246221"/>
+            </a:xfrm>
+            <a:prstGeom prst="rect">
+              <a:avLst/>
+            </a:prstGeom>
+            <a:noFill/>
+          </p:spPr>
+          <p:txBody>
+            <a:bodyPr wrap="none" rtlCol="0">
+              <a:spAutoFit/>
+            </a:bodyPr>
+            <a:lstStyle/>
+            <a:p>
+              <a:r>
+                <a:rPr lang="de-DE" sz="1000" dirty="0"/>
+                <a:t>Container Registry</a:t>
+              </a:r>
+            </a:p>
+          </p:txBody>
+        </p:sp>
+        <p:pic>
+          <p:nvPicPr>
+            <p:cNvPr id="62" name="Grafik 61" descr="Ein Bild, das Screenshot, Symbol, Logo, Grafiken enthält.&#10;&#10;Automatisch generierte Beschreibung">
+              <a:extLst>
+                <a:ext uri="{FF2B5EF4-FFF2-40B4-BE49-F238E27FC236}">
+                  <a16:creationId xmlns:a16="http://schemas.microsoft.com/office/drawing/2014/main" id="{F91881C9-1C8D-CE1D-D4B0-9116A2A78C2A}"/>
+                </a:ext>
+              </a:extLst>
+            </p:cNvPr>
+            <p:cNvPicPr>
+              <a:picLocks noChangeAspect="1"/>
+            </p:cNvPicPr>
+            <p:nvPr/>
+          </p:nvPicPr>
+          <p:blipFill rotWithShape="1">
+            <a:blip r:embed="rId17">
+              <a:extLst>
+                <a:ext uri="{28A0092B-C50C-407E-A947-70E740481C1C}">
+                  <a14:useLocalDpi xmlns:a14="http://schemas.microsoft.com/office/drawing/2010/main" val="0"/>
+                </a:ext>
+              </a:extLst>
+            </a:blip>
+            <a:srcRect l="21180" t="11240" r="20497" b="12205"/>
+            <a:stretch/>
+          </p:blipFill>
+          <p:spPr>
+            <a:xfrm>
+              <a:off x="3455124" y="1933418"/>
+              <a:ext cx="571791" cy="500361"/>
+            </a:xfrm>
+            <a:prstGeom prst="rect">
+              <a:avLst/>
+            </a:prstGeom>
+          </p:spPr>
+        </p:pic>
+        <p:sp>
+          <p:nvSpPr>
+            <p:cNvPr id="63" name="Textfeld 62">
+              <a:extLst>
+                <a:ext uri="{FF2B5EF4-FFF2-40B4-BE49-F238E27FC236}">
+                  <a16:creationId xmlns:a16="http://schemas.microsoft.com/office/drawing/2014/main" id="{9240AB0A-461F-CFA0-D146-520FC488BC47}"/>
+                </a:ext>
+              </a:extLst>
+            </p:cNvPr>
+            <p:cNvSpPr txBox="1"/>
+            <p:nvPr/>
+          </p:nvSpPr>
+          <p:spPr>
+            <a:xfrm>
+              <a:off x="3186965" y="2391064"/>
+              <a:ext cx="1103187" cy="246221"/>
+            </a:xfrm>
+            <a:prstGeom prst="rect">
+              <a:avLst/>
+            </a:prstGeom>
+            <a:noFill/>
+          </p:spPr>
+          <p:txBody>
+            <a:bodyPr wrap="none" rtlCol="0">
+              <a:spAutoFit/>
+            </a:bodyPr>
+            <a:lstStyle/>
+            <a:p>
+              <a:r>
+                <a:rPr lang="de-DE" sz="1000" dirty="0" err="1"/>
+                <a:t>Compute</a:t>
+              </a:r>
+              <a:r>
+                <a:rPr lang="de-DE" sz="1000" dirty="0"/>
+                <a:t> Engine</a:t>
+              </a:r>
+            </a:p>
+          </p:txBody>
+        </p:sp>
+        <p:pic>
+          <p:nvPicPr>
+            <p:cNvPr id="1025" name="Grafik 1024" descr="Ein Bild, das Schwarz, Dunkelheit enthält.&#10;&#10;Automatisch generierte Beschreibung">
+              <a:extLst>
+                <a:ext uri="{FF2B5EF4-FFF2-40B4-BE49-F238E27FC236}">
+                  <a16:creationId xmlns:a16="http://schemas.microsoft.com/office/drawing/2014/main" id="{D9988D19-3DAF-E529-91AE-2AD62E68DAAE}"/>
+                </a:ext>
+              </a:extLst>
+            </p:cNvPr>
+            <p:cNvPicPr>
+              <a:picLocks noChangeAspect="1"/>
+            </p:cNvPicPr>
+            <p:nvPr/>
+          </p:nvPicPr>
+          <p:blipFill>
+            <a:blip r:embed="rId18">
+              <a:extLst>
+                <a:ext uri="{28A0092B-C50C-407E-A947-70E740481C1C}">
+                  <a14:useLocalDpi xmlns:a14="http://schemas.microsoft.com/office/drawing/2010/main" val="0"/>
+                </a:ext>
+              </a:extLst>
+            </a:blip>
+            <a:stretch>
+              <a:fillRect/>
+            </a:stretch>
+          </p:blipFill>
+          <p:spPr>
+            <a:xfrm>
+              <a:off x="10075731" y="1580361"/>
+              <a:ext cx="1377694" cy="1377694"/>
+            </a:xfrm>
+            <a:prstGeom prst="rect">
+              <a:avLst/>
+            </a:prstGeom>
+          </p:spPr>
+        </p:pic>
+        <p:cxnSp>
+          <p:nvCxnSpPr>
+            <p:cNvPr id="1029" name="Gerade Verbindung mit Pfeil 1028">
+              <a:extLst>
+                <a:ext uri="{FF2B5EF4-FFF2-40B4-BE49-F238E27FC236}">
+                  <a16:creationId xmlns:a16="http://schemas.microsoft.com/office/drawing/2014/main" id="{9862D5B0-9DF7-3A53-17E1-2BA4ECA33C98}"/>
+                </a:ext>
+              </a:extLst>
+            </p:cNvPr>
+            <p:cNvCxnSpPr/>
+            <p:nvPr/>
+          </p:nvCxnSpPr>
+          <p:spPr>
+            <a:xfrm>
+              <a:off x="9086096" y="2173158"/>
+              <a:ext cx="731520" cy="0"/>
+            </a:xfrm>
+            <a:prstGeom prst="straightConnector1">
+              <a:avLst/>
+            </a:prstGeom>
+            <a:ln>
+              <a:headEnd type="triangle"/>
+              <a:tailEnd type="triangle"/>
+            </a:ln>
+          </p:spPr>
+          <p:style>
+            <a:lnRef idx="2">
+              <a:schemeClr val="dk1"/>
+            </a:lnRef>
+            <a:fillRef idx="0">
+              <a:schemeClr val="dk1"/>
+            </a:fillRef>
+            <a:effectRef idx="1">
+              <a:schemeClr val="dk1"/>
+            </a:effectRef>
+            <a:fontRef idx="minor">
+              <a:schemeClr val="tx1"/>
+            </a:fontRef>
+          </p:style>
+        </p:cxnSp>
+        <p:pic>
+          <p:nvPicPr>
+            <p:cNvPr id="1033" name="Grafik 1032" descr="Ein Bild, das Symbol, Grafiken, Screenshot, Kreis enthält.&#10;&#10;Automatisch generierte Beschreibung">
+              <a:extLst>
+                <a:ext uri="{FF2B5EF4-FFF2-40B4-BE49-F238E27FC236}">
+                  <a16:creationId xmlns:a16="http://schemas.microsoft.com/office/drawing/2014/main" id="{4C879EC6-953B-ED0E-4C12-8EC2B69A46F2}"/>
+                </a:ext>
+              </a:extLst>
+            </p:cNvPr>
+            <p:cNvPicPr>
+              <a:picLocks noChangeAspect="1"/>
+            </p:cNvPicPr>
+            <p:nvPr/>
+          </p:nvPicPr>
+          <p:blipFill>
+            <a:blip r:embed="rId19">
+              <a:extLst>
+                <a:ext uri="{28A0092B-C50C-407E-A947-70E740481C1C}">
+                  <a14:useLocalDpi xmlns:a14="http://schemas.microsoft.com/office/drawing/2010/main" val="0"/>
+                </a:ext>
+              </a:extLst>
+            </a:blip>
+            <a:stretch>
+              <a:fillRect/>
+            </a:stretch>
+          </p:blipFill>
+          <p:spPr>
+            <a:xfrm>
+              <a:off x="5513899" y="1946043"/>
+              <a:ext cx="485872" cy="485872"/>
+            </a:xfrm>
+            <a:prstGeom prst="rect">
+              <a:avLst/>
+            </a:prstGeom>
+          </p:spPr>
+        </p:pic>
+        <p:cxnSp>
+          <p:nvCxnSpPr>
+            <p:cNvPr id="1036" name="Verbinder: gewinkelt 1035">
+              <a:extLst>
+                <a:ext uri="{FF2B5EF4-FFF2-40B4-BE49-F238E27FC236}">
+                  <a16:creationId xmlns:a16="http://schemas.microsoft.com/office/drawing/2014/main" id="{F885CDF5-FD18-A58D-F849-A4BD9185E833}"/>
+                </a:ext>
+              </a:extLst>
+            </p:cNvPr>
+            <p:cNvCxnSpPr>
+              <a:cxnSpLocks/>
+              <a:endCxn id="1047" idx="3"/>
+            </p:cNvCxnSpPr>
+            <p:nvPr/>
+          </p:nvCxnSpPr>
+          <p:spPr>
+            <a:xfrm rot="10800000">
+              <a:off x="2363351" y="1872669"/>
+              <a:ext cx="958627" cy="310846"/>
+            </a:xfrm>
+            <a:prstGeom prst="bentConnector3">
+              <a:avLst/>
+            </a:prstGeom>
+            <a:ln>
+              <a:tailEnd type="triangle"/>
+            </a:ln>
+          </p:spPr>
+          <p:style>
+            <a:lnRef idx="2">
+              <a:schemeClr val="dk1"/>
+            </a:lnRef>
+            <a:fillRef idx="0">
+              <a:schemeClr val="dk1"/>
+            </a:fillRef>
+            <a:effectRef idx="1">
+              <a:schemeClr val="dk1"/>
+            </a:effectRef>
+            <a:fontRef idx="minor">
+              <a:schemeClr val="tx1"/>
+            </a:fontRef>
+          </p:style>
+        </p:cxnSp>
+        <p:sp>
+          <p:nvSpPr>
+            <p:cNvPr id="1045" name="Textfeld 1044">
+              <a:extLst>
+                <a:ext uri="{FF2B5EF4-FFF2-40B4-BE49-F238E27FC236}">
+                  <a16:creationId xmlns:a16="http://schemas.microsoft.com/office/drawing/2014/main" id="{958F7986-FFA8-27BE-1F87-A73EAD31E19B}"/>
+                </a:ext>
+              </a:extLst>
+            </p:cNvPr>
+            <p:cNvSpPr txBox="1"/>
+            <p:nvPr/>
+          </p:nvSpPr>
+          <p:spPr>
+            <a:xfrm>
+              <a:off x="2372281" y="1660860"/>
+              <a:ext cx="538930" cy="246221"/>
+            </a:xfrm>
+            <a:prstGeom prst="rect">
+              <a:avLst/>
+            </a:prstGeom>
+            <a:noFill/>
+          </p:spPr>
+          <p:txBody>
+            <a:bodyPr wrap="none" rtlCol="0">
+              <a:spAutoFit/>
+            </a:bodyPr>
+            <a:lstStyle/>
+            <a:p>
+              <a:r>
+                <a:rPr lang="de-DE" sz="1000" dirty="0" err="1"/>
+                <a:t>Result</a:t>
+              </a:r>
+              <a:endParaRPr lang="de-DE" sz="1000" dirty="0"/>
+            </a:p>
+          </p:txBody>
+        </p:sp>
+        <p:sp>
+          <p:nvSpPr>
+            <p:cNvPr id="1046" name="Textfeld 1045">
+              <a:extLst>
+                <a:ext uri="{FF2B5EF4-FFF2-40B4-BE49-F238E27FC236}">
+                  <a16:creationId xmlns:a16="http://schemas.microsoft.com/office/drawing/2014/main" id="{7A02BEA1-84A9-EC5C-105C-27B77DE1FF78}"/>
+                </a:ext>
+              </a:extLst>
+            </p:cNvPr>
+            <p:cNvSpPr txBox="1"/>
+            <p:nvPr/>
+          </p:nvSpPr>
+          <p:spPr>
+            <a:xfrm>
+              <a:off x="2370888" y="2449174"/>
+              <a:ext cx="582211" cy="246221"/>
+            </a:xfrm>
+            <a:prstGeom prst="rect">
+              <a:avLst/>
+            </a:prstGeom>
+            <a:noFill/>
+          </p:spPr>
+          <p:txBody>
+            <a:bodyPr wrap="none" rtlCol="0">
+              <a:spAutoFit/>
+            </a:bodyPr>
+            <a:lstStyle/>
+            <a:p>
+              <a:r>
+                <a:rPr lang="de-DE" sz="1000" dirty="0" err="1"/>
+                <a:t>Config</a:t>
+              </a:r>
+              <a:r>
+                <a:rPr lang="de-DE" sz="1000" dirty="0"/>
+                <a:t>.</a:t>
+              </a:r>
+            </a:p>
+          </p:txBody>
+        </p:sp>
+        <p:sp>
+          <p:nvSpPr>
+            <p:cNvPr id="1047" name="Rechteck 1046">
+              <a:extLst>
+                <a:ext uri="{FF2B5EF4-FFF2-40B4-BE49-F238E27FC236}">
+                  <a16:creationId xmlns:a16="http://schemas.microsoft.com/office/drawing/2014/main" id="{966BC319-CD68-AD0D-ED2A-2B91D318999A}"/>
+                </a:ext>
+              </a:extLst>
+            </p:cNvPr>
+            <p:cNvSpPr/>
+            <p:nvPr/>
+          </p:nvSpPr>
+          <p:spPr>
+            <a:xfrm>
+              <a:off x="764407" y="1570302"/>
+              <a:ext cx="1598943" cy="604733"/>
+            </a:xfrm>
+            <a:prstGeom prst="rect">
+              <a:avLst/>
+            </a:prstGeom>
+            <a:noFill/>
+            <a:ln>
+              <a:solidFill>
+                <a:schemeClr val="bg1">
+                  <a:lumMod val="95000"/>
+                </a:schemeClr>
+              </a:solidFill>
+            </a:ln>
+          </p:spPr>
+          <p:style>
+            <a:lnRef idx="2">
+              <a:schemeClr val="accent1">
+                <a:shade val="15000"/>
+              </a:schemeClr>
+            </a:lnRef>
+            <a:fillRef idx="1">
+              <a:schemeClr val="accent1"/>
+            </a:fillRef>
+            <a:effectRef idx="0">
+              <a:schemeClr val="accent1"/>
+            </a:effectRef>
+            <a:fontRef idx="minor">
+              <a:schemeClr val="lt1"/>
+            </a:fontRef>
+          </p:style>
+          <p:txBody>
+            <a:bodyPr rtlCol="0" anchor="ctr"/>
+            <a:lstStyle/>
+            <a:p>
+              <a:pPr algn="ctr"/>
+              <a:endParaRPr lang="de-DE"/>
+            </a:p>
+          </p:txBody>
+        </p:sp>
+        <p:sp>
+          <p:nvSpPr>
+            <p:cNvPr id="1049" name="Rechteck 1048">
+              <a:extLst>
+                <a:ext uri="{FF2B5EF4-FFF2-40B4-BE49-F238E27FC236}">
+                  <a16:creationId xmlns:a16="http://schemas.microsoft.com/office/drawing/2014/main" id="{62A7D8AB-DD72-911D-6944-1DD6CA620BE9}"/>
+                </a:ext>
+              </a:extLst>
+            </p:cNvPr>
+            <p:cNvSpPr/>
+            <p:nvPr/>
+          </p:nvSpPr>
+          <p:spPr>
+            <a:xfrm>
+              <a:off x="763112" y="2177270"/>
+              <a:ext cx="1598943" cy="604733"/>
+            </a:xfrm>
+            <a:prstGeom prst="rect">
+              <a:avLst/>
+            </a:prstGeom>
+            <a:noFill/>
+            <a:ln>
+              <a:solidFill>
+                <a:schemeClr val="bg1">
+                  <a:lumMod val="95000"/>
+                </a:schemeClr>
+              </a:solidFill>
+            </a:ln>
+          </p:spPr>
+          <p:style>
+            <a:lnRef idx="2">
+              <a:schemeClr val="accent1">
+                <a:shade val="15000"/>
+              </a:schemeClr>
+            </a:lnRef>
+            <a:fillRef idx="1">
+              <a:schemeClr val="accent1"/>
+            </a:fillRef>
+            <a:effectRef idx="0">
+              <a:schemeClr val="accent1"/>
+            </a:effectRef>
+            <a:fontRef idx="minor">
+              <a:schemeClr val="lt1"/>
+            </a:fontRef>
+          </p:style>
+          <p:txBody>
+            <a:bodyPr rtlCol="0" anchor="ctr"/>
+            <a:lstStyle/>
+            <a:p>
+              <a:pPr algn="ctr"/>
+              <a:endParaRPr lang="de-DE"/>
+            </a:p>
+          </p:txBody>
+        </p:sp>
+        <p:sp>
+          <p:nvSpPr>
+            <p:cNvPr id="1054" name="Rechteck 1053">
+              <a:extLst>
+                <a:ext uri="{FF2B5EF4-FFF2-40B4-BE49-F238E27FC236}">
+                  <a16:creationId xmlns:a16="http://schemas.microsoft.com/office/drawing/2014/main" id="{9B631B1E-C02B-1D29-0D5B-4E60CD0047B9}"/>
+                </a:ext>
+              </a:extLst>
+            </p:cNvPr>
+            <p:cNvSpPr/>
+            <p:nvPr/>
+          </p:nvSpPr>
+          <p:spPr>
+            <a:xfrm>
+              <a:off x="3227443" y="849888"/>
+              <a:ext cx="3080295" cy="1932115"/>
+            </a:xfrm>
+            <a:prstGeom prst="rect">
+              <a:avLst/>
+            </a:prstGeom>
+            <a:noFill/>
+            <a:ln>
+              <a:solidFill>
+                <a:schemeClr val="bg1">
+                  <a:lumMod val="95000"/>
+                </a:schemeClr>
+              </a:solidFill>
+            </a:ln>
+          </p:spPr>
+          <p:style>
+            <a:lnRef idx="2">
+              <a:schemeClr val="accent1">
+                <a:shade val="15000"/>
+              </a:schemeClr>
+            </a:lnRef>
+            <a:fillRef idx="1">
+              <a:schemeClr val="accent1"/>
+            </a:fillRef>
+            <a:effectRef idx="0">
+              <a:schemeClr val="accent1"/>
+            </a:effectRef>
+            <a:fontRef idx="minor">
+              <a:schemeClr val="lt1"/>
+            </a:fontRef>
+          </p:style>
+          <p:txBody>
+            <a:bodyPr rtlCol="0" anchor="ctr"/>
+            <a:lstStyle/>
+            <a:p>
+              <a:pPr algn="ctr"/>
+              <a:endParaRPr lang="de-DE"/>
+            </a:p>
+          </p:txBody>
+        </p:sp>
+        <p:cxnSp>
+          <p:nvCxnSpPr>
+            <p:cNvPr id="44" name="Verbinder: gewinkelt 43">
+              <a:extLst>
+                <a:ext uri="{FF2B5EF4-FFF2-40B4-BE49-F238E27FC236}">
+                  <a16:creationId xmlns:a16="http://schemas.microsoft.com/office/drawing/2014/main" id="{832CAD57-54D1-756C-37EF-5B01A5157F63}"/>
+                </a:ext>
+              </a:extLst>
+            </p:cNvPr>
+            <p:cNvCxnSpPr>
+              <a:cxnSpLocks/>
+              <a:endCxn id="54" idx="2"/>
+            </p:cNvCxnSpPr>
+            <p:nvPr/>
+          </p:nvCxnSpPr>
+          <p:spPr>
+            <a:xfrm rot="5400000" flipH="1" flipV="1">
+              <a:off x="3475461" y="2711571"/>
+              <a:ext cx="1337265" cy="1209061"/>
+            </a:xfrm>
+            <a:prstGeom prst="bentConnector3">
+              <a:avLst>
+                <a:gd name="adj1" fmla="val 228"/>
+              </a:avLst>
+            </a:prstGeom>
+            <a:ln>
+              <a:headEnd type="triangle"/>
+              <a:tailEnd type="triangle"/>
+            </a:ln>
+          </p:spPr>
+          <p:style>
+            <a:lnRef idx="2">
+              <a:schemeClr val="dk1"/>
+            </a:lnRef>
+            <a:fillRef idx="0">
+              <a:schemeClr val="dk1"/>
+            </a:fillRef>
+            <a:effectRef idx="1">
+              <a:schemeClr val="dk1"/>
+            </a:effectRef>
+            <a:fontRef idx="minor">
+              <a:schemeClr val="tx1"/>
+            </a:fontRef>
+          </p:style>
+        </p:cxnSp>
+        <p:cxnSp>
+          <p:nvCxnSpPr>
+            <p:cNvPr id="1040" name="Verbinder: gewinkelt 1039">
+              <a:extLst>
+                <a:ext uri="{FF2B5EF4-FFF2-40B4-BE49-F238E27FC236}">
+                  <a16:creationId xmlns:a16="http://schemas.microsoft.com/office/drawing/2014/main" id="{7409939E-A70C-09F3-6465-28B4B83C93FC}"/>
+                </a:ext>
+              </a:extLst>
+            </p:cNvPr>
+            <p:cNvCxnSpPr>
+              <a:cxnSpLocks/>
+            </p:cNvCxnSpPr>
+            <p:nvPr/>
+          </p:nvCxnSpPr>
+          <p:spPr>
+            <a:xfrm rot="10800000" flipV="1">
+              <a:off x="2362055" y="2183511"/>
+              <a:ext cx="959924" cy="296126"/>
+            </a:xfrm>
+            <a:prstGeom prst="bentConnector3">
+              <a:avLst/>
+            </a:prstGeom>
+            <a:ln>
+              <a:tailEnd type="triangle"/>
+            </a:ln>
+          </p:spPr>
+          <p:style>
+            <a:lnRef idx="2">
+              <a:schemeClr val="dk1"/>
+            </a:lnRef>
+            <a:fillRef idx="0">
+              <a:schemeClr val="dk1"/>
+            </a:fillRef>
+            <a:effectRef idx="1">
+              <a:schemeClr val="dk1"/>
+            </a:effectRef>
+            <a:fontRef idx="minor">
+              <a:schemeClr val="tx1"/>
+            </a:fontRef>
+          </p:style>
+        </p:cxnSp>
+        <p:pic>
+          <p:nvPicPr>
+            <p:cNvPr id="1077" name="Grafik 1076" descr="Ein Bild, das Schrift, Grafiken, Symbol, Logo enthält.&#10;&#10;Automatisch generierte Beschreibung">
+              <a:extLst>
+                <a:ext uri="{FF2B5EF4-FFF2-40B4-BE49-F238E27FC236}">
+                  <a16:creationId xmlns:a16="http://schemas.microsoft.com/office/drawing/2014/main" id="{FBBABFCE-5E0D-84D3-0775-21F482BFE5D7}"/>
+                </a:ext>
+              </a:extLst>
+            </p:cNvPr>
+            <p:cNvPicPr>
+              <a:picLocks noChangeAspect="1"/>
+            </p:cNvPicPr>
+            <p:nvPr/>
+          </p:nvPicPr>
+          <p:blipFill>
+            <a:blip r:embed="rId20">
+              <a:extLst>
+                <a:ext uri="{28A0092B-C50C-407E-A947-70E740481C1C}">
+                  <a14:useLocalDpi xmlns:a14="http://schemas.microsoft.com/office/drawing/2010/main" val="0"/>
+                </a:ext>
+              </a:extLst>
+            </a:blip>
+            <a:stretch>
+              <a:fillRect/>
+            </a:stretch>
+          </p:blipFill>
+          <p:spPr>
+            <a:xfrm>
+              <a:off x="6204597" y="2198488"/>
+              <a:ext cx="839810" cy="216071"/>
+            </a:xfrm>
+            <a:prstGeom prst="rect">
+              <a:avLst/>
+            </a:prstGeom>
+          </p:spPr>
+        </p:pic>
+        <p:sp>
+          <p:nvSpPr>
+            <p:cNvPr id="1081" name="Ellipse 1080">
+              <a:extLst>
+                <a:ext uri="{FF2B5EF4-FFF2-40B4-BE49-F238E27FC236}">
+                  <a16:creationId xmlns:a16="http://schemas.microsoft.com/office/drawing/2014/main" id="{E2F0E677-66CB-6A5C-5477-D1826CA93893}"/>
+                </a:ext>
+              </a:extLst>
+            </p:cNvPr>
+            <p:cNvSpPr/>
+            <p:nvPr/>
+          </p:nvSpPr>
+          <p:spPr>
+            <a:xfrm>
+              <a:off x="6246485" y="2007069"/>
+              <a:ext cx="116255" cy="107007"/>
+            </a:xfrm>
+            <a:prstGeom prst="ellipse">
+              <a:avLst/>
+            </a:prstGeom>
+            <a:solidFill>
+              <a:schemeClr val="bg1"/>
+            </a:solidFill>
+            <a:ln>
+              <a:solidFill>
+                <a:schemeClr val="bg1"/>
+              </a:solidFill>
+            </a:ln>
+          </p:spPr>
+          <p:style>
+            <a:lnRef idx="2">
+              <a:schemeClr val="accent1">
+                <a:shade val="15000"/>
+              </a:schemeClr>
+            </a:lnRef>
+            <a:fillRef idx="1">
+              <a:schemeClr val="accent1"/>
+            </a:fillRef>
+            <a:effectRef idx="0">
+              <a:schemeClr val="accent1"/>
+            </a:effectRef>
+            <a:fontRef idx="minor">
+              <a:schemeClr val="lt1"/>
+            </a:fontRef>
+          </p:style>
+          <p:txBody>
+            <a:bodyPr rtlCol="0" anchor="ctr"/>
+            <a:lstStyle/>
+            <a:p>
+              <a:pPr algn="ctr"/>
+              <a:endParaRPr lang="de-DE"/>
+            </a:p>
+          </p:txBody>
+        </p:sp>
+        <p:pic>
+          <p:nvPicPr>
+            <p:cNvPr id="1080" name="Grafik 1079" descr="Ein Bild, das Schrift, Grafiken, Logo, Symbol enthält.&#10;&#10;Automatisch generierte Beschreibung">
+              <a:extLst>
+                <a:ext uri="{FF2B5EF4-FFF2-40B4-BE49-F238E27FC236}">
+                  <a16:creationId xmlns:a16="http://schemas.microsoft.com/office/drawing/2014/main" id="{F343B51A-B19E-C534-4730-F35EB575F5BC}"/>
+                </a:ext>
+              </a:extLst>
+            </p:cNvPr>
+            <p:cNvPicPr>
+              <a:picLocks noChangeAspect="1"/>
+            </p:cNvPicPr>
+            <p:nvPr/>
+          </p:nvPicPr>
+          <p:blipFill>
+            <a:blip r:embed="rId21">
+              <a:extLst>
+                <a:ext uri="{28A0092B-C50C-407E-A947-70E740481C1C}">
+                  <a14:useLocalDpi xmlns:a14="http://schemas.microsoft.com/office/drawing/2010/main" val="0"/>
+                </a:ext>
+              </a:extLst>
+            </a:blip>
+            <a:stretch>
+              <a:fillRect/>
+            </a:stretch>
+          </p:blipFill>
+          <p:spPr>
+            <a:xfrm>
+              <a:off x="6112290" y="1876794"/>
+              <a:ext cx="1023359" cy="369369"/>
+            </a:xfrm>
+            <a:prstGeom prst="rect">
+              <a:avLst/>
+            </a:prstGeom>
+          </p:spPr>
+        </p:pic>
+        <p:cxnSp>
+          <p:nvCxnSpPr>
+            <p:cNvPr id="1083" name="Gerade Verbindung mit Pfeil 1082">
+              <a:extLst>
+                <a:ext uri="{FF2B5EF4-FFF2-40B4-BE49-F238E27FC236}">
+                  <a16:creationId xmlns:a16="http://schemas.microsoft.com/office/drawing/2014/main" id="{3804AA38-0DB3-5DDC-7935-D8A04E151B0A}"/>
+                </a:ext>
+              </a:extLst>
+            </p:cNvPr>
+            <p:cNvCxnSpPr/>
+            <p:nvPr/>
+          </p:nvCxnSpPr>
+          <p:spPr>
+            <a:xfrm>
+              <a:off x="6096000" y="2183511"/>
+              <a:ext cx="1287971" cy="0"/>
+            </a:xfrm>
+            <a:prstGeom prst="straightConnector1">
+              <a:avLst/>
+            </a:prstGeom>
+            <a:ln>
+              <a:tailEnd type="triangle"/>
+            </a:ln>
+          </p:spPr>
+          <p:style>
+            <a:lnRef idx="2">
+              <a:schemeClr val="dk1"/>
+            </a:lnRef>
+            <a:fillRef idx="0">
+              <a:schemeClr val="dk1"/>
+            </a:fillRef>
+            <a:effectRef idx="1">
+              <a:schemeClr val="dk1"/>
+            </a:effectRef>
+            <a:fontRef idx="minor">
+              <a:schemeClr val="tx1"/>
+            </a:fontRef>
+          </p:style>
+        </p:cxnSp>
+        <p:cxnSp>
+          <p:nvCxnSpPr>
+            <p:cNvPr id="1086" name="Verbinder: gewinkelt 1085">
+              <a:extLst>
+                <a:ext uri="{FF2B5EF4-FFF2-40B4-BE49-F238E27FC236}">
+                  <a16:creationId xmlns:a16="http://schemas.microsoft.com/office/drawing/2014/main" id="{6E490EB8-58FF-5FA3-6E83-5040C0B69267}"/>
+                </a:ext>
+              </a:extLst>
+            </p:cNvPr>
+            <p:cNvCxnSpPr>
+              <a:cxnSpLocks/>
+              <a:endCxn id="61" idx="2"/>
+            </p:cNvCxnSpPr>
+            <p:nvPr/>
+          </p:nvCxnSpPr>
+          <p:spPr>
+            <a:xfrm rot="16200000" flipV="1">
+              <a:off x="5087008" y="3317295"/>
+              <a:ext cx="1843978" cy="504323"/>
+            </a:xfrm>
+            <a:prstGeom prst="bentConnector3">
+              <a:avLst>
+                <a:gd name="adj1" fmla="val -557"/>
+              </a:avLst>
+            </a:prstGeom>
+            <a:ln>
+              <a:tailEnd type="triangle"/>
+            </a:ln>
+          </p:spPr>
+          <p:style>
+            <a:lnRef idx="2">
+              <a:schemeClr val="dk1"/>
+            </a:lnRef>
+            <a:fillRef idx="0">
+              <a:schemeClr val="dk1"/>
+            </a:fillRef>
+            <a:effectRef idx="1">
+              <a:schemeClr val="dk1"/>
+            </a:effectRef>
+            <a:fontRef idx="minor">
+              <a:schemeClr val="tx1"/>
+            </a:fontRef>
+          </p:style>
+        </p:cxnSp>
+        <p:sp>
+          <p:nvSpPr>
+            <p:cNvPr id="1090" name="Textfeld 1089">
+              <a:extLst>
+                <a:ext uri="{FF2B5EF4-FFF2-40B4-BE49-F238E27FC236}">
+                  <a16:creationId xmlns:a16="http://schemas.microsoft.com/office/drawing/2014/main" id="{5409AC7A-5349-551F-2D79-AB6D9D2EFF1D}"/>
+                </a:ext>
+              </a:extLst>
+            </p:cNvPr>
+            <p:cNvSpPr txBox="1"/>
+            <p:nvPr/>
+          </p:nvSpPr>
+          <p:spPr>
+            <a:xfrm rot="16200000">
+              <a:off x="4815232" y="3610729"/>
+              <a:ext cx="1617109" cy="276999"/>
+            </a:xfrm>
+            <a:prstGeom prst="rect">
+              <a:avLst/>
+            </a:prstGeom>
+            <a:noFill/>
+          </p:spPr>
+          <p:txBody>
+            <a:bodyPr wrap="none" rtlCol="0">
+              <a:spAutoFit/>
+            </a:bodyPr>
+            <a:lstStyle/>
+            <a:p>
+              <a:r>
+                <a:rPr lang="de-DE" sz="1200" b="1" dirty="0" err="1"/>
+                <a:t>trigger</a:t>
+              </a:r>
+              <a:r>
+                <a:rPr lang="de-DE" sz="1200" b="1" dirty="0"/>
+                <a:t> </a:t>
+              </a:r>
+              <a:r>
+                <a:rPr lang="de-DE" sz="1200" b="1" dirty="0" err="1"/>
+                <a:t>image</a:t>
+              </a:r>
+              <a:r>
+                <a:rPr lang="de-DE" sz="1200" b="1" dirty="0"/>
+                <a:t> </a:t>
+              </a:r>
+              <a:r>
+                <a:rPr lang="de-DE" sz="1200" b="1" dirty="0" err="1"/>
+                <a:t>rebuild</a:t>
+              </a:r>
+              <a:endParaRPr lang="de-DE" sz="1200" b="1" dirty="0"/>
+            </a:p>
+          </p:txBody>
+        </p:sp>
+        <p:sp>
+          <p:nvSpPr>
+            <p:cNvPr id="1091" name="Textfeld 1090">
+              <a:extLst>
+                <a:ext uri="{FF2B5EF4-FFF2-40B4-BE49-F238E27FC236}">
+                  <a16:creationId xmlns:a16="http://schemas.microsoft.com/office/drawing/2014/main" id="{5C2E4FBD-5E8F-9530-D6C6-450DDD0140FD}"/>
+                </a:ext>
+              </a:extLst>
+            </p:cNvPr>
+            <p:cNvSpPr txBox="1"/>
+            <p:nvPr/>
+          </p:nvSpPr>
+          <p:spPr>
+            <a:xfrm>
+              <a:off x="6852957" y="4260032"/>
+              <a:ext cx="666721" cy="461665"/>
+            </a:xfrm>
+            <a:prstGeom prst="rect">
+              <a:avLst/>
+            </a:prstGeom>
+            <a:noFill/>
+          </p:spPr>
+          <p:txBody>
+            <a:bodyPr wrap="none" rtlCol="0">
+              <a:spAutoFit/>
+            </a:bodyPr>
+            <a:lstStyle/>
+            <a:p>
+              <a:pPr algn="r"/>
+              <a:r>
+                <a:rPr lang="de-DE" sz="1200" b="1" dirty="0" err="1"/>
+                <a:t>trigger</a:t>
+              </a:r>
+              <a:r>
+                <a:rPr lang="de-DE" sz="1200" b="1" dirty="0"/>
+                <a:t> </a:t>
+              </a:r>
+            </a:p>
+            <a:p>
+              <a:pPr algn="r"/>
+              <a:r>
+                <a:rPr lang="de-DE" sz="1200" b="1" dirty="0" err="1"/>
+                <a:t>testing</a:t>
+              </a:r>
+              <a:endParaRPr lang="de-DE" sz="1200" b="1" dirty="0"/>
+            </a:p>
+          </p:txBody>
+        </p:sp>
+      </p:grpSp>
+    </p:spTree>
+    <p:extLst>
+      <p:ext uri="{BB962C8B-B14F-4D97-AF65-F5344CB8AC3E}">
+        <p14:creationId xmlns:p14="http://schemas.microsoft.com/office/powerpoint/2010/main" val="3696389769"/>
+      </p:ext>
+    </p:extLst>
+  </p:cSld>
+  <p:clrMapOvr>
+    <a:masterClrMapping/>
+  </p:clrMapOvr>
+</p:sld>
+</file>
+
+<file path=ppt/slides/slide4.xml><?xml version="1.0" encoding="utf-8"?>
+<p:sld xmlns:a="http://schemas.openxmlformats.org/drawingml/2006/main" xmlns:r="http://schemas.openxmlformats.org/officeDocument/2006/relationships" xmlns:p="http://schemas.openxmlformats.org/presentationml/2006/main">
+  <p:cSld>
+    <p:spTree>
+      <p:nvGrpSpPr>
+        <p:cNvPr id="1" name=""/>
+        <p:cNvGrpSpPr/>
+        <p:nvPr/>
+      </p:nvGrpSpPr>
+      <p:grpSpPr>
+        <a:xfrm>
+          <a:off x="0" y="0"/>
+          <a:ext cx="0" cy="0"/>
+          <a:chOff x="0" y="0"/>
+          <a:chExt cx="0" cy="0"/>
+        </a:xfrm>
+      </p:grpSpPr>
+      <p:grpSp>
+        <p:nvGrpSpPr>
+          <p:cNvPr id="2" name="Gruppieren 1">
+            <a:extLst>
+              <a:ext uri="{FF2B5EF4-FFF2-40B4-BE49-F238E27FC236}">
+                <a16:creationId xmlns:a16="http://schemas.microsoft.com/office/drawing/2014/main" id="{51BE93A9-9C1B-B70E-F229-226C72ECBF9D}"/>
+              </a:ext>
+            </a:extLst>
+          </p:cNvPr>
+          <p:cNvGrpSpPr/>
+          <p:nvPr/>
+        </p:nvGrpSpPr>
+        <p:grpSpPr>
+          <a:xfrm>
+            <a:off x="1842070" y="421277"/>
+            <a:ext cx="9659122" cy="6052545"/>
+            <a:chOff x="1842070" y="421277"/>
+            <a:chExt cx="9659122" cy="6052545"/>
+          </a:xfrm>
+        </p:grpSpPr>
+        <p:grpSp>
+          <p:nvGrpSpPr>
+            <p:cNvPr id="10" name="Gruppieren 9">
+              <a:extLst>
+                <a:ext uri="{FF2B5EF4-FFF2-40B4-BE49-F238E27FC236}">
+                  <a16:creationId xmlns:a16="http://schemas.microsoft.com/office/drawing/2014/main" id="{FB608D0C-83ED-4261-27B2-96B940149AA7}"/>
+                </a:ext>
+              </a:extLst>
+            </p:cNvPr>
+            <p:cNvGrpSpPr/>
+            <p:nvPr/>
+          </p:nvGrpSpPr>
+          <p:grpSpPr>
+            <a:xfrm>
+              <a:off x="6040547" y="2449036"/>
+              <a:ext cx="861814" cy="1129764"/>
+              <a:chOff x="5234186" y="1804111"/>
+              <a:chExt cx="1723628" cy="2259528"/>
+            </a:xfrm>
+          </p:grpSpPr>
+          <p:pic>
+            <p:nvPicPr>
+              <p:cNvPr id="7" name="Grafik 6" descr="Ein Bild, das Schrift, Grafiken, Screenshot, Logo enthält.&#10;&#10;Automatisch generierte Beschreibung">
+                <a:extLst>
+                  <a:ext uri="{FF2B5EF4-FFF2-40B4-BE49-F238E27FC236}">
+                    <a16:creationId xmlns:a16="http://schemas.microsoft.com/office/drawing/2014/main" id="{BB4A43AD-AD88-D391-E45A-FF6426BFAEFF}"/>
+                  </a:ext>
+                </a:extLst>
+              </p:cNvPr>
+              <p:cNvPicPr>
+                <a:picLocks noChangeAspect="1"/>
+              </p:cNvPicPr>
+              <p:nvPr/>
+            </p:nvPicPr>
+            <p:blipFill>
+              <a:blip r:embed="rId2">
+                <a:extLst>
+                  <a:ext uri="{28A0092B-C50C-407E-A947-70E740481C1C}">
+                    <a14:useLocalDpi xmlns:a14="http://schemas.microsoft.com/office/drawing/2010/main" val="0"/>
+                  </a:ext>
+                </a:extLst>
+              </a:blip>
+              <a:stretch>
+                <a:fillRect/>
+              </a:stretch>
+            </p:blipFill>
+            <p:spPr>
+              <a:xfrm>
+                <a:off x="5322050" y="3429000"/>
+                <a:ext cx="1547899" cy="634639"/>
+              </a:xfrm>
+              <a:prstGeom prst="rect">
+                <a:avLst/>
+              </a:prstGeom>
+            </p:spPr>
+          </p:pic>
+          <p:pic>
+            <p:nvPicPr>
+              <p:cNvPr id="9" name="Grafik 8" descr="Ein Bild, das Katze, Säugetier, Silhouette enthält.&#10;&#10;Automatisch generierte Beschreibung">
+                <a:extLst>
+                  <a:ext uri="{FF2B5EF4-FFF2-40B4-BE49-F238E27FC236}">
+                    <a16:creationId xmlns:a16="http://schemas.microsoft.com/office/drawing/2014/main" id="{35BD0495-6D75-F277-4EFB-4D0B0B8E6C91}"/>
+                  </a:ext>
+                </a:extLst>
+              </p:cNvPr>
+              <p:cNvPicPr>
+                <a:picLocks noChangeAspect="1"/>
+              </p:cNvPicPr>
+              <p:nvPr/>
+            </p:nvPicPr>
+            <p:blipFill>
+              <a:blip r:embed="rId3">
+                <a:extLst>
+                  <a:ext uri="{28A0092B-C50C-407E-A947-70E740481C1C}">
+                    <a14:useLocalDpi xmlns:a14="http://schemas.microsoft.com/office/drawing/2010/main" val="0"/>
+                  </a:ext>
+                </a:extLst>
+              </a:blip>
+              <a:stretch>
+                <a:fillRect/>
+              </a:stretch>
+            </p:blipFill>
+            <p:spPr>
+              <a:xfrm>
+                <a:off x="5234186" y="1804111"/>
+                <a:ext cx="1723628" cy="1723628"/>
+              </a:xfrm>
+              <a:prstGeom prst="rect">
+                <a:avLst/>
+              </a:prstGeom>
+            </p:spPr>
+          </p:pic>
+        </p:grpSp>
+        <p:grpSp>
+          <p:nvGrpSpPr>
+            <p:cNvPr id="14" name="Gruppieren 13">
+              <a:extLst>
+                <a:ext uri="{FF2B5EF4-FFF2-40B4-BE49-F238E27FC236}">
+                  <a16:creationId xmlns:a16="http://schemas.microsoft.com/office/drawing/2014/main" id="{43D3A2FA-AD6E-2502-5C81-18DA966C82E5}"/>
+                </a:ext>
+              </a:extLst>
+            </p:cNvPr>
+            <p:cNvGrpSpPr/>
+            <p:nvPr/>
+          </p:nvGrpSpPr>
+          <p:grpSpPr>
+            <a:xfrm>
+              <a:off x="4176758" y="4981639"/>
+              <a:ext cx="1143775" cy="1039369"/>
+              <a:chOff x="1325215" y="2993954"/>
+              <a:chExt cx="1143775" cy="1039369"/>
+            </a:xfrm>
+          </p:grpSpPr>
+          <p:pic>
+            <p:nvPicPr>
+              <p:cNvPr id="12" name="Grafik 11" descr="Ein Bild, das Schwarz, Dunkelheit enthält.&#10;&#10;Automatisch generierte Beschreibung">
+                <a:extLst>
+                  <a:ext uri="{FF2B5EF4-FFF2-40B4-BE49-F238E27FC236}">
+                    <a16:creationId xmlns:a16="http://schemas.microsoft.com/office/drawing/2014/main" id="{6CFC4385-662D-7ECF-DF9F-1EAE364C9419}"/>
+                  </a:ext>
+                </a:extLst>
+              </p:cNvPr>
+              <p:cNvPicPr>
+                <a:picLocks noChangeAspect="1"/>
+              </p:cNvPicPr>
+              <p:nvPr/>
+            </p:nvPicPr>
+            <p:blipFill>
+              <a:blip r:embed="rId4">
+                <a:extLst>
+                  <a:ext uri="{28A0092B-C50C-407E-A947-70E740481C1C}">
+                    <a14:useLocalDpi xmlns:a14="http://schemas.microsoft.com/office/drawing/2010/main" val="0"/>
+                  </a:ext>
+                </a:extLst>
+              </a:blip>
+              <a:stretch>
+                <a:fillRect/>
+              </a:stretch>
+            </p:blipFill>
+            <p:spPr>
+              <a:xfrm>
+                <a:off x="1462057" y="2993954"/>
+                <a:ext cx="870092" cy="870092"/>
+              </a:xfrm>
+              <a:prstGeom prst="rect">
+                <a:avLst/>
+              </a:prstGeom>
+            </p:spPr>
+          </p:pic>
+          <p:sp>
+            <p:nvSpPr>
+              <p:cNvPr id="13" name="Textfeld 12">
+                <a:extLst>
+                  <a:ext uri="{FF2B5EF4-FFF2-40B4-BE49-F238E27FC236}">
+                    <a16:creationId xmlns:a16="http://schemas.microsoft.com/office/drawing/2014/main" id="{9B35F1B0-E47A-FC9A-2586-6AD784A795A5}"/>
+                  </a:ext>
+                </a:extLst>
+              </p:cNvPr>
+              <p:cNvSpPr txBox="1"/>
+              <p:nvPr/>
+            </p:nvSpPr>
+            <p:spPr>
+              <a:xfrm>
+                <a:off x="1325215" y="3694769"/>
+                <a:ext cx="1143775" cy="338554"/>
+              </a:xfrm>
+              <a:prstGeom prst="rect">
+                <a:avLst/>
+              </a:prstGeom>
+              <a:noFill/>
+            </p:spPr>
+            <p:txBody>
+              <a:bodyPr wrap="none" rtlCol="0">
+                <a:spAutoFit/>
+              </a:bodyPr>
+              <a:lstStyle/>
+              <a:p>
+                <a:r>
+                  <a:rPr lang="de-DE" sz="1600" b="1" dirty="0"/>
+                  <a:t>Developer</a:t>
+                </a:r>
+              </a:p>
+            </p:txBody>
+          </p:sp>
+        </p:grpSp>
+        <p:grpSp>
+          <p:nvGrpSpPr>
+            <p:cNvPr id="35" name="Gruppieren 34">
+              <a:extLst>
+                <a:ext uri="{FF2B5EF4-FFF2-40B4-BE49-F238E27FC236}">
+                  <a16:creationId xmlns:a16="http://schemas.microsoft.com/office/drawing/2014/main" id="{91CBCD56-18C8-DCD9-3EA0-AEAD5F95010E}"/>
+                </a:ext>
+              </a:extLst>
+            </p:cNvPr>
+            <p:cNvGrpSpPr/>
+            <p:nvPr/>
+          </p:nvGrpSpPr>
+          <p:grpSpPr>
+            <a:xfrm>
+              <a:off x="5337702" y="5371858"/>
+              <a:ext cx="276999" cy="1101964"/>
+              <a:chOff x="2922439" y="3344361"/>
+              <a:chExt cx="276999" cy="1101964"/>
+            </a:xfrm>
+          </p:grpSpPr>
+          <p:sp>
+            <p:nvSpPr>
+              <p:cNvPr id="19" name="Ellipse 18">
+                <a:extLst>
+                  <a:ext uri="{FF2B5EF4-FFF2-40B4-BE49-F238E27FC236}">
+                    <a16:creationId xmlns:a16="http://schemas.microsoft.com/office/drawing/2014/main" id="{0B9BD0F2-86DC-FE22-234B-A84D3EDE5E4B}"/>
+                  </a:ext>
+                </a:extLst>
+              </p:cNvPr>
+              <p:cNvSpPr/>
+              <p:nvPr/>
+            </p:nvSpPr>
+            <p:spPr>
+              <a:xfrm>
+                <a:off x="3006000" y="3344361"/>
+                <a:ext cx="105103" cy="105103"/>
+              </a:xfrm>
+              <a:prstGeom prst="ellipse">
+                <a:avLst/>
+              </a:prstGeom>
+              <a:solidFill>
+                <a:schemeClr val="tx1"/>
+              </a:solidFill>
+              <a:ln>
+                <a:solidFill>
+                  <a:schemeClr val="tx1"/>
+                </a:solidFill>
+              </a:ln>
+            </p:spPr>
+            <p:style>
+              <a:lnRef idx="2">
+                <a:schemeClr val="accent1">
+                  <a:shade val="15000"/>
+                </a:schemeClr>
+              </a:lnRef>
+              <a:fillRef idx="1">
+                <a:schemeClr val="accent1"/>
+              </a:fillRef>
+              <a:effectRef idx="0">
+                <a:schemeClr val="accent1"/>
+              </a:effectRef>
+              <a:fontRef idx="minor">
+                <a:schemeClr val="lt1"/>
+              </a:fontRef>
+            </p:style>
+            <p:txBody>
+              <a:bodyPr rtlCol="0" anchor="ctr"/>
+              <a:lstStyle/>
+              <a:p>
+                <a:pPr algn="ctr"/>
+                <a:endParaRPr lang="de-DE" sz="1200"/>
+              </a:p>
+            </p:txBody>
+          </p:sp>
+          <p:sp>
+            <p:nvSpPr>
+              <p:cNvPr id="24" name="Textfeld 23">
+                <a:extLst>
+                  <a:ext uri="{FF2B5EF4-FFF2-40B4-BE49-F238E27FC236}">
+                    <a16:creationId xmlns:a16="http://schemas.microsoft.com/office/drawing/2014/main" id="{0F3B1A69-1C24-CBAC-4C22-58A0532DB907}"/>
+                  </a:ext>
+                </a:extLst>
+              </p:cNvPr>
+              <p:cNvSpPr txBox="1"/>
+              <p:nvPr/>
+            </p:nvSpPr>
+            <p:spPr>
+              <a:xfrm rot="5400000">
+                <a:off x="2556698" y="3803585"/>
+                <a:ext cx="1008481" cy="276999"/>
+              </a:xfrm>
+              <a:prstGeom prst="rect">
+                <a:avLst/>
+              </a:prstGeom>
+              <a:noFill/>
+            </p:spPr>
+            <p:txBody>
+              <a:bodyPr wrap="none" rtlCol="0">
+                <a:spAutoFit/>
+              </a:bodyPr>
+              <a:lstStyle/>
+              <a:p>
+                <a:r>
+                  <a:rPr lang="de-DE" sz="1200" b="1" dirty="0" err="1"/>
+                  <a:t>pre-commit</a:t>
+                </a:r>
+                <a:endParaRPr lang="de-DE" sz="1200" b="1" dirty="0"/>
+              </a:p>
+            </p:txBody>
+          </p:sp>
+        </p:grpSp>
+        <p:grpSp>
+          <p:nvGrpSpPr>
+            <p:cNvPr id="36" name="Gruppieren 35">
+              <a:extLst>
+                <a:ext uri="{FF2B5EF4-FFF2-40B4-BE49-F238E27FC236}">
+                  <a16:creationId xmlns:a16="http://schemas.microsoft.com/office/drawing/2014/main" id="{93818376-AAA7-0F9E-2BFA-93C03F0EE93B}"/>
+                </a:ext>
+              </a:extLst>
+            </p:cNvPr>
+            <p:cNvGrpSpPr/>
+            <p:nvPr/>
+          </p:nvGrpSpPr>
+          <p:grpSpPr>
+            <a:xfrm>
+              <a:off x="5719636" y="5368652"/>
+              <a:ext cx="276999" cy="830130"/>
+              <a:chOff x="3702199" y="3344361"/>
+              <a:chExt cx="276999" cy="830130"/>
+            </a:xfrm>
+          </p:grpSpPr>
+          <p:sp>
+            <p:nvSpPr>
+              <p:cNvPr id="22" name="Ellipse 21">
+                <a:extLst>
+                  <a:ext uri="{FF2B5EF4-FFF2-40B4-BE49-F238E27FC236}">
+                    <a16:creationId xmlns:a16="http://schemas.microsoft.com/office/drawing/2014/main" id="{9EE11853-E745-ABDA-62BF-496CE6DAFD84}"/>
+                  </a:ext>
+                </a:extLst>
+              </p:cNvPr>
+              <p:cNvSpPr/>
+              <p:nvPr/>
+            </p:nvSpPr>
+            <p:spPr>
+              <a:xfrm>
+                <a:off x="3791648" y="3344361"/>
+                <a:ext cx="105103" cy="105103"/>
+              </a:xfrm>
+              <a:prstGeom prst="ellipse">
+                <a:avLst/>
+              </a:prstGeom>
+              <a:solidFill>
+                <a:schemeClr val="tx1"/>
+              </a:solidFill>
+              <a:ln>
+                <a:solidFill>
+                  <a:schemeClr val="tx1"/>
+                </a:solidFill>
+              </a:ln>
+            </p:spPr>
+            <p:style>
+              <a:lnRef idx="2">
+                <a:schemeClr val="accent1">
+                  <a:shade val="15000"/>
+                </a:schemeClr>
+              </a:lnRef>
+              <a:fillRef idx="1">
+                <a:schemeClr val="accent1"/>
+              </a:fillRef>
+              <a:effectRef idx="0">
+                <a:schemeClr val="accent1"/>
+              </a:effectRef>
+              <a:fontRef idx="minor">
+                <a:schemeClr val="lt1"/>
+              </a:fontRef>
+            </p:style>
+            <p:txBody>
+              <a:bodyPr rtlCol="0" anchor="ctr"/>
+              <a:lstStyle/>
+              <a:p>
+                <a:pPr algn="ctr"/>
+                <a:endParaRPr lang="de-DE" sz="1200"/>
+              </a:p>
+            </p:txBody>
+          </p:sp>
+          <p:sp>
+            <p:nvSpPr>
+              <p:cNvPr id="25" name="Textfeld 24">
+                <a:extLst>
+                  <a:ext uri="{FF2B5EF4-FFF2-40B4-BE49-F238E27FC236}">
+                    <a16:creationId xmlns:a16="http://schemas.microsoft.com/office/drawing/2014/main" id="{A00417C4-1B8E-BC08-445D-96B1CA22A8F9}"/>
+                  </a:ext>
+                </a:extLst>
+              </p:cNvPr>
+              <p:cNvSpPr txBox="1"/>
+              <p:nvPr/>
+            </p:nvSpPr>
+            <p:spPr>
+              <a:xfrm rot="5400000">
+                <a:off x="3477458" y="3672751"/>
+                <a:ext cx="726481" cy="276999"/>
+              </a:xfrm>
+              <a:prstGeom prst="rect">
+                <a:avLst/>
+              </a:prstGeom>
+              <a:noFill/>
+            </p:spPr>
+            <p:txBody>
+              <a:bodyPr wrap="none" rtlCol="0">
+                <a:spAutoFit/>
+              </a:bodyPr>
+              <a:lstStyle/>
+              <a:p>
+                <a:r>
+                  <a:rPr lang="de-DE" sz="1200" b="1" dirty="0" err="1"/>
+                  <a:t>commit</a:t>
+                </a:r>
+                <a:endParaRPr lang="de-DE" sz="1200" b="1" dirty="0"/>
+              </a:p>
+            </p:txBody>
+          </p:sp>
+        </p:grpSp>
+        <p:grpSp>
+          <p:nvGrpSpPr>
+            <p:cNvPr id="37" name="Gruppieren 36">
+              <a:extLst>
+                <a:ext uri="{FF2B5EF4-FFF2-40B4-BE49-F238E27FC236}">
+                  <a16:creationId xmlns:a16="http://schemas.microsoft.com/office/drawing/2014/main" id="{FCFBCE9C-9EEC-F56E-29FE-8EE111949EB2}"/>
+                </a:ext>
+              </a:extLst>
+            </p:cNvPr>
+            <p:cNvGrpSpPr/>
+            <p:nvPr/>
+          </p:nvGrpSpPr>
+          <p:grpSpPr>
+            <a:xfrm>
+              <a:off x="6113561" y="5368652"/>
+              <a:ext cx="276999" cy="627604"/>
+              <a:chOff x="4491347" y="3344361"/>
+              <a:chExt cx="276999" cy="627604"/>
+            </a:xfrm>
+          </p:grpSpPr>
+          <p:sp>
+            <p:nvSpPr>
+              <p:cNvPr id="23" name="Ellipse 22">
+                <a:extLst>
+                  <a:ext uri="{FF2B5EF4-FFF2-40B4-BE49-F238E27FC236}">
+                    <a16:creationId xmlns:a16="http://schemas.microsoft.com/office/drawing/2014/main" id="{FB39D3D4-F6D7-C38C-5688-62E93895646E}"/>
+                  </a:ext>
+                </a:extLst>
+              </p:cNvPr>
+              <p:cNvSpPr/>
+              <p:nvPr/>
+            </p:nvSpPr>
+            <p:spPr>
+              <a:xfrm>
+                <a:off x="4577296" y="3344361"/>
+                <a:ext cx="105103" cy="105103"/>
+              </a:xfrm>
+              <a:prstGeom prst="ellipse">
+                <a:avLst/>
+              </a:prstGeom>
+              <a:solidFill>
+                <a:schemeClr val="tx1"/>
+              </a:solidFill>
+              <a:ln>
+                <a:solidFill>
+                  <a:schemeClr val="tx1"/>
+                </a:solidFill>
+              </a:ln>
+            </p:spPr>
+            <p:style>
+              <a:lnRef idx="2">
+                <a:schemeClr val="accent1">
+                  <a:shade val="15000"/>
+                </a:schemeClr>
+              </a:lnRef>
+              <a:fillRef idx="1">
+                <a:schemeClr val="accent1"/>
+              </a:fillRef>
+              <a:effectRef idx="0">
+                <a:schemeClr val="accent1"/>
+              </a:effectRef>
+              <a:fontRef idx="minor">
+                <a:schemeClr val="lt1"/>
+              </a:fontRef>
+            </p:style>
+            <p:txBody>
+              <a:bodyPr rtlCol="0" anchor="ctr"/>
+              <a:lstStyle/>
+              <a:p>
+                <a:pPr algn="ctr"/>
+                <a:endParaRPr lang="de-DE" sz="1200"/>
+              </a:p>
+            </p:txBody>
+          </p:sp>
+          <p:sp>
+            <p:nvSpPr>
+              <p:cNvPr id="26" name="Textfeld 25">
+                <a:extLst>
+                  <a:ext uri="{FF2B5EF4-FFF2-40B4-BE49-F238E27FC236}">
+                    <a16:creationId xmlns:a16="http://schemas.microsoft.com/office/drawing/2014/main" id="{BEC8BB46-56C8-5F12-679C-6658F2A21F91}"/>
+                  </a:ext>
+                </a:extLst>
+              </p:cNvPr>
+              <p:cNvSpPr txBox="1"/>
+              <p:nvPr/>
+            </p:nvSpPr>
+            <p:spPr>
+              <a:xfrm rot="5400000">
+                <a:off x="4362786" y="3566405"/>
+                <a:ext cx="534121" cy="276999"/>
+              </a:xfrm>
+              <a:prstGeom prst="rect">
+                <a:avLst/>
+              </a:prstGeom>
+              <a:noFill/>
+            </p:spPr>
+            <p:txBody>
+              <a:bodyPr wrap="none" rtlCol="0">
+                <a:spAutoFit/>
+              </a:bodyPr>
+              <a:lstStyle/>
+              <a:p>
+                <a:r>
+                  <a:rPr lang="de-DE" sz="1200" b="1" dirty="0"/>
+                  <a:t>push</a:t>
+                </a:r>
+              </a:p>
+            </p:txBody>
+          </p:sp>
+        </p:grpSp>
+        <p:grpSp>
+          <p:nvGrpSpPr>
+            <p:cNvPr id="46" name="Gruppieren 45">
+              <a:extLst>
+                <a:ext uri="{FF2B5EF4-FFF2-40B4-BE49-F238E27FC236}">
+                  <a16:creationId xmlns:a16="http://schemas.microsoft.com/office/drawing/2014/main" id="{970DFCC2-29DA-5570-93A2-9C41883861C4}"/>
+                </a:ext>
+              </a:extLst>
+            </p:cNvPr>
+            <p:cNvGrpSpPr/>
+            <p:nvPr/>
+          </p:nvGrpSpPr>
+          <p:grpSpPr>
+            <a:xfrm>
+              <a:off x="6659643" y="4110655"/>
+              <a:ext cx="1717787" cy="1350643"/>
+              <a:chOff x="5567116" y="3157973"/>
+              <a:chExt cx="2286000" cy="1797411"/>
+            </a:xfrm>
+          </p:grpSpPr>
+          <p:pic>
+            <p:nvPicPr>
+              <p:cNvPr id="41" name="Grafik 40">
+                <a:extLst>
+                  <a:ext uri="{FF2B5EF4-FFF2-40B4-BE49-F238E27FC236}">
+                    <a16:creationId xmlns:a16="http://schemas.microsoft.com/office/drawing/2014/main" id="{9034935F-31FA-7729-9AA8-ABBFC59C81CE}"/>
+                  </a:ext>
+                </a:extLst>
+              </p:cNvPr>
+              <p:cNvPicPr>
+                <a:picLocks noChangeAspect="1"/>
+              </p:cNvPicPr>
+              <p:nvPr/>
+            </p:nvPicPr>
+            <p:blipFill rotWithShape="1">
+              <a:blip r:embed="rId5">
+                <a:clrChange>
+                  <a:clrFrom>
+                    <a:srgbClr val="FFFFFF"/>
+                  </a:clrFrom>
+                  <a:clrTo>
+                    <a:srgbClr val="FFFFFF">
+                      <a:alpha val="0"/>
+                    </a:srgbClr>
+                  </a:clrTo>
+                </a:clrChange>
+                <a:extLst>
+                  <a:ext uri="{28A0092B-C50C-407E-A947-70E740481C1C}">
+                    <a14:useLocalDpi xmlns:a14="http://schemas.microsoft.com/office/drawing/2010/main" val="0"/>
+                  </a:ext>
+                </a:extLst>
+              </a:blip>
+              <a:srcRect l="13624" t="22778" r="16887" b="26367"/>
+              <a:stretch/>
+            </p:blipFill>
+            <p:spPr>
+              <a:xfrm>
+                <a:off x="5567116" y="3157973"/>
+                <a:ext cx="2286000" cy="452157"/>
+              </a:xfrm>
+              <a:prstGeom prst="rect">
+                <a:avLst/>
+              </a:prstGeom>
+            </p:spPr>
+          </p:pic>
+          <p:pic>
+            <p:nvPicPr>
+              <p:cNvPr id="45" name="Grafik 44" descr="Ein Bild, das Text, Screenshot, Schrift, weiß enthält.&#10;&#10;Automatisch generierte Beschreibung">
+                <a:extLst>
+                  <a:ext uri="{FF2B5EF4-FFF2-40B4-BE49-F238E27FC236}">
+                    <a16:creationId xmlns:a16="http://schemas.microsoft.com/office/drawing/2014/main" id="{33AAD5F4-0384-0119-3E23-D7F2E947105E}"/>
+                  </a:ext>
+                </a:extLst>
+              </p:cNvPr>
+              <p:cNvPicPr>
+                <a:picLocks noChangeAspect="1"/>
+              </p:cNvPicPr>
+              <p:nvPr/>
+            </p:nvPicPr>
+            <p:blipFill>
+              <a:blip r:embed="rId6">
+                <a:extLst>
+                  <a:ext uri="{28A0092B-C50C-407E-A947-70E740481C1C}">
+                    <a14:useLocalDpi xmlns:a14="http://schemas.microsoft.com/office/drawing/2010/main" val="0"/>
+                  </a:ext>
+                </a:extLst>
+              </a:blip>
+              <a:stretch>
+                <a:fillRect/>
+              </a:stretch>
+            </p:blipFill>
+            <p:spPr>
+              <a:xfrm>
+                <a:off x="6005260" y="3669500"/>
+                <a:ext cx="1409709" cy="1285884"/>
+              </a:xfrm>
+              <a:prstGeom prst="rect">
+                <a:avLst/>
+              </a:prstGeom>
+              <a:ln>
+                <a:solidFill>
+                  <a:schemeClr val="bg2"/>
+                </a:solidFill>
+              </a:ln>
+            </p:spPr>
+          </p:pic>
+        </p:grpSp>
+        <p:pic>
+          <p:nvPicPr>
+            <p:cNvPr id="49" name="Grafik 48">
+              <a:extLst>
+                <a:ext uri="{FF2B5EF4-FFF2-40B4-BE49-F238E27FC236}">
+                  <a16:creationId xmlns:a16="http://schemas.microsoft.com/office/drawing/2014/main" id="{A005B340-7A91-72FF-4595-CF9C1BDD5C33}"/>
+                </a:ext>
+              </a:extLst>
+            </p:cNvPr>
+            <p:cNvPicPr>
+              <a:picLocks noChangeAspect="1"/>
+            </p:cNvPicPr>
+            <p:nvPr/>
+          </p:nvPicPr>
+          <p:blipFill rotWithShape="1">
+            <a:blip r:embed="rId7">
+              <a:extLst>
+                <a:ext uri="{28A0092B-C50C-407E-A947-70E740481C1C}">
+                  <a14:useLocalDpi xmlns:a14="http://schemas.microsoft.com/office/drawing/2010/main" val="0"/>
+                </a:ext>
+                <a:ext uri="{96DAC541-7B7A-43D3-8B79-37D633B846F1}">
+                  <asvg:svgBlip xmlns:asvg="http://schemas.microsoft.com/office/drawing/2016/SVG/main" r:embed="rId8"/>
+                </a:ext>
+              </a:extLst>
+            </a:blip>
+            <a:srcRect l="20183" r="20950"/>
+            <a:stretch/>
+          </p:blipFill>
+          <p:spPr>
+            <a:xfrm>
+              <a:off x="2210479" y="2558908"/>
+              <a:ext cx="1254892" cy="870092"/>
+            </a:xfrm>
+            <a:prstGeom prst="rect">
+              <a:avLst/>
+            </a:prstGeom>
+          </p:spPr>
+        </p:pic>
+        <p:pic>
+          <p:nvPicPr>
+            <p:cNvPr id="50" name="Grafik 49" descr="Ein Bild, das Grafiken, Clipart, Grafikdesign, Logo enthält.&#10;&#10;Automatisch generierte Beschreibung">
+              <a:extLst>
+                <a:ext uri="{FF2B5EF4-FFF2-40B4-BE49-F238E27FC236}">
+                  <a16:creationId xmlns:a16="http://schemas.microsoft.com/office/drawing/2014/main" id="{04E59CC8-26EC-CBE8-F8EE-26468996FE24}"/>
+                </a:ext>
+              </a:extLst>
+            </p:cNvPr>
+            <p:cNvPicPr>
+              <a:picLocks noChangeAspect="1"/>
+            </p:cNvPicPr>
+            <p:nvPr/>
+          </p:nvPicPr>
+          <p:blipFill>
+            <a:blip r:embed="rId9">
+              <a:extLst>
+                <a:ext uri="{28A0092B-C50C-407E-A947-70E740481C1C}">
+                  <a14:useLocalDpi xmlns:a14="http://schemas.microsoft.com/office/drawing/2010/main" val="0"/>
+                </a:ext>
+              </a:extLst>
+            </a:blip>
+            <a:stretch>
+              <a:fillRect/>
+            </a:stretch>
+          </p:blipFill>
+          <p:spPr>
+            <a:xfrm>
+              <a:off x="1842070" y="651074"/>
+              <a:ext cx="1991710" cy="995855"/>
+            </a:xfrm>
+            <a:prstGeom prst="rect">
+              <a:avLst/>
+            </a:prstGeom>
+          </p:spPr>
+        </p:pic>
+        <p:grpSp>
+          <p:nvGrpSpPr>
+            <p:cNvPr id="1035" name="Gruppieren 1034">
+              <a:extLst>
+                <a:ext uri="{FF2B5EF4-FFF2-40B4-BE49-F238E27FC236}">
+                  <a16:creationId xmlns:a16="http://schemas.microsoft.com/office/drawing/2014/main" id="{E49D46B7-C958-FE11-D2E9-ED675A19B6B6}"/>
+                </a:ext>
+              </a:extLst>
+            </p:cNvPr>
+            <p:cNvGrpSpPr/>
+            <p:nvPr/>
+          </p:nvGrpSpPr>
+          <p:grpSpPr>
+            <a:xfrm>
+              <a:off x="3417298" y="4634027"/>
+              <a:ext cx="276999" cy="825782"/>
+              <a:chOff x="1267360" y="3456218"/>
+              <a:chExt cx="276999" cy="825782"/>
+            </a:xfrm>
+          </p:grpSpPr>
+          <p:sp>
+            <p:nvSpPr>
+              <p:cNvPr id="1028" name="Textfeld 1027">
+                <a:extLst>
+                  <a:ext uri="{FF2B5EF4-FFF2-40B4-BE49-F238E27FC236}">
+                    <a16:creationId xmlns:a16="http://schemas.microsoft.com/office/drawing/2014/main" id="{D59F3B35-4D35-527A-4E39-27E93B8BD9F5}"/>
+                  </a:ext>
+                </a:extLst>
+              </p:cNvPr>
+              <p:cNvSpPr txBox="1"/>
+              <p:nvPr/>
+            </p:nvSpPr>
+            <p:spPr>
+              <a:xfrm rot="16200000">
+                <a:off x="1038547" y="3685031"/>
+                <a:ext cx="734625" cy="276999"/>
+              </a:xfrm>
+              <a:prstGeom prst="rect">
+                <a:avLst/>
+              </a:prstGeom>
+              <a:noFill/>
+            </p:spPr>
+            <p:txBody>
+              <a:bodyPr wrap="none" rtlCol="0">
+                <a:spAutoFit/>
+              </a:bodyPr>
+              <a:lstStyle/>
+              <a:p>
+                <a:r>
+                  <a:rPr lang="de-DE" sz="1200" b="1" dirty="0" err="1"/>
+                  <a:t>dvc</a:t>
+                </a:r>
+                <a:r>
+                  <a:rPr lang="de-DE" sz="1200" b="1" dirty="0"/>
+                  <a:t> pull</a:t>
+                </a:r>
+              </a:p>
+            </p:txBody>
+          </p:sp>
+          <p:sp>
+            <p:nvSpPr>
+              <p:cNvPr id="1032" name="Ellipse 1031">
+                <a:extLst>
+                  <a:ext uri="{FF2B5EF4-FFF2-40B4-BE49-F238E27FC236}">
+                    <a16:creationId xmlns:a16="http://schemas.microsoft.com/office/drawing/2014/main" id="{F7102E9A-03FB-79EE-23E2-6DA709EAD1BA}"/>
+                  </a:ext>
+                </a:extLst>
+              </p:cNvPr>
+              <p:cNvSpPr/>
+              <p:nvPr/>
+            </p:nvSpPr>
+            <p:spPr>
+              <a:xfrm>
+                <a:off x="1369412" y="4176897"/>
+                <a:ext cx="105103" cy="105103"/>
+              </a:xfrm>
+              <a:prstGeom prst="ellipse">
+                <a:avLst/>
+              </a:prstGeom>
+              <a:solidFill>
+                <a:schemeClr val="tx1"/>
+              </a:solidFill>
+              <a:ln>
+                <a:solidFill>
+                  <a:schemeClr val="tx1"/>
+                </a:solidFill>
+              </a:ln>
+            </p:spPr>
+            <p:style>
+              <a:lnRef idx="2">
+                <a:schemeClr val="accent1">
+                  <a:shade val="15000"/>
+                </a:schemeClr>
+              </a:lnRef>
+              <a:fillRef idx="1">
+                <a:schemeClr val="accent1"/>
+              </a:fillRef>
+              <a:effectRef idx="0">
+                <a:schemeClr val="accent1"/>
+              </a:effectRef>
+              <a:fontRef idx="minor">
+                <a:schemeClr val="lt1"/>
+              </a:fontRef>
+            </p:style>
+            <p:txBody>
+              <a:bodyPr rtlCol="0" anchor="ctr"/>
+              <a:lstStyle/>
+              <a:p>
+                <a:pPr algn="ctr"/>
+                <a:endParaRPr lang="de-DE" sz="1200"/>
+              </a:p>
+            </p:txBody>
+          </p:sp>
+        </p:grpSp>
+        <p:cxnSp>
+          <p:nvCxnSpPr>
+            <p:cNvPr id="1037" name="Gerader Verbinder 1036">
+              <a:extLst>
+                <a:ext uri="{FF2B5EF4-FFF2-40B4-BE49-F238E27FC236}">
+                  <a16:creationId xmlns:a16="http://schemas.microsoft.com/office/drawing/2014/main" id="{AC18BF96-6986-1E3F-A308-CA89E0F46119}"/>
+                </a:ext>
+              </a:extLst>
+            </p:cNvPr>
+            <p:cNvCxnSpPr/>
+            <p:nvPr/>
+          </p:nvCxnSpPr>
+          <p:spPr>
+            <a:xfrm>
+              <a:off x="9516291" y="421277"/>
+              <a:ext cx="0" cy="6015446"/>
+            </a:xfrm>
+            <a:prstGeom prst="line">
+              <a:avLst/>
+            </a:prstGeom>
+            <a:ln>
+              <a:solidFill>
+                <a:schemeClr val="bg1">
+                  <a:lumMod val="75000"/>
+                </a:schemeClr>
+              </a:solidFill>
+              <a:prstDash val="dash"/>
+            </a:ln>
+          </p:spPr>
+          <p:style>
+            <a:lnRef idx="2">
+              <a:schemeClr val="dk1"/>
+            </a:lnRef>
+            <a:fillRef idx="0">
+              <a:schemeClr val="dk1"/>
+            </a:fillRef>
+            <a:effectRef idx="1">
+              <a:schemeClr val="dk1"/>
+            </a:effectRef>
+            <a:fontRef idx="minor">
+              <a:schemeClr val="tx1"/>
+            </a:fontRef>
+          </p:style>
+        </p:cxnSp>
+        <p:grpSp>
+          <p:nvGrpSpPr>
+            <p:cNvPr id="1042" name="Gruppieren 1041">
+              <a:extLst>
+                <a:ext uri="{FF2B5EF4-FFF2-40B4-BE49-F238E27FC236}">
+                  <a16:creationId xmlns:a16="http://schemas.microsoft.com/office/drawing/2014/main" id="{4731A799-D28A-F9DB-456D-9B3749D9A1F5}"/>
+                </a:ext>
+              </a:extLst>
+            </p:cNvPr>
+            <p:cNvGrpSpPr/>
+            <p:nvPr/>
+          </p:nvGrpSpPr>
+          <p:grpSpPr>
+            <a:xfrm>
               <a:off x="10349211" y="4771894"/>
               <a:ext cx="959604" cy="1204954"/>
               <a:chOff x="10307773" y="2859567"/>
@@ -6298,7 +9600,7 @@
 </p:sld>
 </file>
 
-<file path=ppt/slides/slide4.xml><?xml version="1.0" encoding="utf-8"?>
+<file path=ppt/slides/slide5.xml><?xml version="1.0" encoding="utf-8"?>
 <p:sld xmlns:a="http://schemas.openxmlformats.org/drawingml/2006/main" xmlns:r="http://schemas.openxmlformats.org/officeDocument/2006/relationships" xmlns:p="http://schemas.openxmlformats.org/presentationml/2006/main">
   <p:cSld>
     <p:spTree>
